--- a/maxl-ddcle-2023.pptx
+++ b/maxl-ddcle-2023.pptx
@@ -5,7 +5,7 @@
     <p:sldMasterId id="2147483648" r:id="rId1"/>
   </p:sldMasterIdLst>
   <p:notesMasterIdLst>
-    <p:notesMasterId r:id="rId17"/>
+    <p:notesMasterId r:id="rId16"/>
   </p:notesMasterIdLst>
   <p:sldIdLst>
     <p:sldId id="256" r:id="rId2"/>
@@ -17,37 +17,36 @@
     <p:sldId id="282" r:id="rId8"/>
     <p:sldId id="405" r:id="rId9"/>
     <p:sldId id="406" r:id="rId10"/>
-    <p:sldId id="432" r:id="rId11"/>
-    <p:sldId id="431" r:id="rId12"/>
-    <p:sldId id="354" r:id="rId13"/>
-    <p:sldId id="428" r:id="rId14"/>
-    <p:sldId id="430" r:id="rId15"/>
-    <p:sldId id="400" r:id="rId16"/>
+    <p:sldId id="431" r:id="rId11"/>
+    <p:sldId id="354" r:id="rId12"/>
+    <p:sldId id="428" r:id="rId13"/>
+    <p:sldId id="430" r:id="rId14"/>
+    <p:sldId id="400" r:id="rId15"/>
   </p:sldIdLst>
   <p:sldSz cx="18288000" cy="10287000"/>
   <p:notesSz cx="6858000" cy="9144000"/>
   <p:embeddedFontLst>
     <p:embeddedFont>
       <p:font typeface="Calibri" panose="020F0502020204030204" pitchFamily="34" charset="0"/>
-      <p:regular r:id="rId18"/>
-      <p:bold r:id="rId19"/>
-      <p:italic r:id="rId20"/>
-      <p:boldItalic r:id="rId21"/>
+      <p:regular r:id="rId17"/>
+      <p:bold r:id="rId18"/>
+      <p:italic r:id="rId19"/>
+      <p:boldItalic r:id="rId20"/>
     </p:embeddedFont>
     <p:embeddedFont>
       <p:font typeface="Consolas" panose="020B0609020204030204" pitchFamily="49" charset="0"/>
-      <p:regular r:id="rId22"/>
-      <p:bold r:id="rId23"/>
-      <p:italic r:id="rId24"/>
-      <p:boldItalic r:id="rId25"/>
+      <p:regular r:id="rId21"/>
+      <p:bold r:id="rId22"/>
+      <p:italic r:id="rId23"/>
+      <p:boldItalic r:id="rId24"/>
     </p:embeddedFont>
     <p:embeddedFont>
       <p:font typeface="Gidole" panose="020B0604020202020204" charset="0"/>
-      <p:regular r:id="rId26"/>
+      <p:regular r:id="rId25"/>
     </p:embeddedFont>
     <p:embeddedFont>
       <p:font typeface="Open Sans Extra Bold" panose="020B0604020202020204" charset="0"/>
-      <p:regular r:id="rId27"/>
+      <p:regular r:id="rId26"/>
     </p:embeddedFont>
   </p:embeddedFontLst>
   <p:defaultTextStyle>
@@ -258,7 +257,7 @@
           <a:p>
             <a:fld id="{17A98A70-FA8C-4354-959C-C70678AC9BCF}" type="datetimeFigureOut">
               <a:rPr lang="en-US" smtClean="0"/>
-              <a:t>10/6/2023</a:t>
+              <a:t>10/9/2023</a:t>
             </a:fld>
             <a:endParaRPr lang="en-US"/>
           </a:p>
@@ -658,7 +657,13 @@
           <a:p>
             <a:r>
               <a:rPr lang="en-US" dirty="0"/>
-              <a:t>Now you are hyped up Power Query, I think you are going to love it and it will be hard for you to remember the days when you didn’t have it. So let’s think about what we would do without Power Query. </a:t>
+              <a:t>I’m a data analyst give me data on how I did</a:t>
+            </a:r>
+          </a:p>
+          <a:p>
+            <a:r>
+              <a:rPr lang="en-US" dirty="0"/>
+              <a:t>Testimonials also VERY helpful. </a:t>
             </a:r>
           </a:p>
         </p:txBody>
@@ -680,100 +685,7 @@
           <a:p>
             <a:fld id="{FFB500C5-13F7-48FC-8160-C29AECF6C602}" type="slidenum">
               <a:rPr lang="en-US" smtClean="0"/>
-              <a:t>11</a:t>
-            </a:fld>
-            <a:endParaRPr lang="en-US"/>
-          </a:p>
-        </p:txBody>
-      </p:sp>
-    </p:spTree>
-    <p:extLst>
-      <p:ext uri="{BB962C8B-B14F-4D97-AF65-F5344CB8AC3E}">
-        <p14:creationId xmlns:p14="http://schemas.microsoft.com/office/powerpoint/2010/main" val="965213744"/>
-      </p:ext>
-    </p:extLst>
-  </p:cSld>
-  <p:clrMapOvr>
-    <a:masterClrMapping/>
-  </p:clrMapOvr>
-</p:notes>
-</file>
-
-<file path=ppt/notesSlides/notesSlide11.xml><?xml version="1.0" encoding="utf-8"?>
-<p:notes xmlns:a="http://schemas.openxmlformats.org/drawingml/2006/main" xmlns:r="http://schemas.openxmlformats.org/officeDocument/2006/relationships" xmlns:p="http://schemas.openxmlformats.org/presentationml/2006/main">
-  <p:cSld>
-    <p:spTree>
-      <p:nvGrpSpPr>
-        <p:cNvPr id="1" name=""/>
-        <p:cNvGrpSpPr/>
-        <p:nvPr/>
-      </p:nvGrpSpPr>
-      <p:grpSpPr>
-        <a:xfrm>
-          <a:off x="0" y="0"/>
-          <a:ext cx="0" cy="0"/>
-          <a:chOff x="0" y="0"/>
-          <a:chExt cx="0" cy="0"/>
-        </a:xfrm>
-      </p:grpSpPr>
-      <p:sp>
-        <p:nvSpPr>
-          <p:cNvPr id="2" name="Slide Image Placeholder 1"/>
-          <p:cNvSpPr>
-            <a:spLocks noGrp="1" noRot="1" noChangeAspect="1"/>
-          </p:cNvSpPr>
-          <p:nvPr>
-            <p:ph type="sldImg"/>
-          </p:nvPr>
-        </p:nvSpPr>
-        <p:spPr/>
-      </p:sp>
-      <p:sp>
-        <p:nvSpPr>
-          <p:cNvPr id="3" name="Notes Placeholder 2"/>
-          <p:cNvSpPr>
-            <a:spLocks noGrp="1"/>
-          </p:cNvSpPr>
-          <p:nvPr>
-            <p:ph type="body" idx="1"/>
-          </p:nvPr>
-        </p:nvSpPr>
-        <p:spPr/>
-        <p:txBody>
-          <a:bodyPr/>
-          <a:lstStyle/>
-          <a:p>
-            <a:r>
-              <a:rPr lang="en-US" dirty="0"/>
-              <a:t>I’m a data analyst give me data on how I did</a:t>
-            </a:r>
-          </a:p>
-          <a:p>
-            <a:r>
-              <a:rPr lang="en-US" dirty="0"/>
-              <a:t>Testimonials also VERY helpful. </a:t>
-            </a:r>
-          </a:p>
-        </p:txBody>
-      </p:sp>
-      <p:sp>
-        <p:nvSpPr>
-          <p:cNvPr id="4" name="Slide Number Placeholder 3"/>
-          <p:cNvSpPr>
-            <a:spLocks noGrp="1"/>
-          </p:cNvSpPr>
-          <p:nvPr>
-            <p:ph type="sldNum" sz="quarter" idx="5"/>
-          </p:nvPr>
-        </p:nvSpPr>
-        <p:spPr/>
-        <p:txBody>
-          <a:bodyPr/>
-          <a:lstStyle/>
-          <a:p>
-            <a:fld id="{FFB500C5-13F7-48FC-8160-C29AECF6C602}" type="slidenum">
-              <a:rPr lang="en-US" smtClean="0"/>
-              <a:t>15</a:t>
+              <a:t>14</a:t>
             </a:fld>
             <a:endParaRPr lang="en-US"/>
           </a:p>
@@ -1472,7 +1384,7 @@
     </p:spTree>
     <p:extLst>
       <p:ext uri="{BB962C8B-B14F-4D97-AF65-F5344CB8AC3E}">
-        <p14:creationId xmlns:p14="http://schemas.microsoft.com/office/powerpoint/2010/main" val="2709264377"/>
+        <p14:creationId xmlns:p14="http://schemas.microsoft.com/office/powerpoint/2010/main" val="965213744"/>
       </p:ext>
     </p:extLst>
   </p:cSld>
@@ -1662,7 +1574,7 @@
             <a:fld id="{1D8BD707-D9CF-40AE-B4C6-C98DA3205C09}" type="datetimeFigureOut">
               <a:rPr lang="en-US" smtClean="0"/>
               <a:pPr/>
-              <a:t>10/6/2023</a:t>
+              <a:t>10/9/2023</a:t>
             </a:fld>
             <a:endParaRPr lang="en-US"/>
           </a:p>
@@ -1827,7 +1739,7 @@
             <a:fld id="{1D8BD707-D9CF-40AE-B4C6-C98DA3205C09}" type="datetimeFigureOut">
               <a:rPr lang="en-US" smtClean="0"/>
               <a:pPr/>
-              <a:t>10/6/2023</a:t>
+              <a:t>10/9/2023</a:t>
             </a:fld>
             <a:endParaRPr lang="en-US"/>
           </a:p>
@@ -2002,7 +1914,7 @@
             <a:fld id="{1D8BD707-D9CF-40AE-B4C6-C98DA3205C09}" type="datetimeFigureOut">
               <a:rPr lang="en-US" smtClean="0"/>
               <a:pPr/>
-              <a:t>10/6/2023</a:t>
+              <a:t>10/9/2023</a:t>
             </a:fld>
             <a:endParaRPr lang="en-US"/>
           </a:p>
@@ -2167,7 +2079,7 @@
             <a:fld id="{1D8BD707-D9CF-40AE-B4C6-C98DA3205C09}" type="datetimeFigureOut">
               <a:rPr lang="en-US" smtClean="0"/>
               <a:pPr/>
-              <a:t>10/6/2023</a:t>
+              <a:t>10/9/2023</a:t>
             </a:fld>
             <a:endParaRPr lang="en-US"/>
           </a:p>
@@ -2409,7 +2321,7 @@
             <a:fld id="{1D8BD707-D9CF-40AE-B4C6-C98DA3205C09}" type="datetimeFigureOut">
               <a:rPr lang="en-US" smtClean="0"/>
               <a:pPr/>
-              <a:t>10/6/2023</a:t>
+              <a:t>10/9/2023</a:t>
             </a:fld>
             <a:endParaRPr lang="en-US"/>
           </a:p>
@@ -2691,7 +2603,7 @@
             <a:fld id="{1D8BD707-D9CF-40AE-B4C6-C98DA3205C09}" type="datetimeFigureOut">
               <a:rPr lang="en-US" smtClean="0"/>
               <a:pPr/>
-              <a:t>10/6/2023</a:t>
+              <a:t>10/9/2023</a:t>
             </a:fld>
             <a:endParaRPr lang="en-US"/>
           </a:p>
@@ -3107,7 +3019,7 @@
             <a:fld id="{1D8BD707-D9CF-40AE-B4C6-C98DA3205C09}" type="datetimeFigureOut">
               <a:rPr lang="en-US" smtClean="0"/>
               <a:pPr/>
-              <a:t>10/6/2023</a:t>
+              <a:t>10/9/2023</a:t>
             </a:fld>
             <a:endParaRPr lang="en-US"/>
           </a:p>
@@ -3221,7 +3133,7 @@
             <a:fld id="{1D8BD707-D9CF-40AE-B4C6-C98DA3205C09}" type="datetimeFigureOut">
               <a:rPr lang="en-US" smtClean="0"/>
               <a:pPr/>
-              <a:t>10/6/2023</a:t>
+              <a:t>10/9/2023</a:t>
             </a:fld>
             <a:endParaRPr lang="en-US"/>
           </a:p>
@@ -3313,7 +3225,7 @@
             <a:fld id="{1D8BD707-D9CF-40AE-B4C6-C98DA3205C09}" type="datetimeFigureOut">
               <a:rPr lang="en-US" smtClean="0"/>
               <a:pPr/>
-              <a:t>10/6/2023</a:t>
+              <a:t>10/9/2023</a:t>
             </a:fld>
             <a:endParaRPr lang="en-US"/>
           </a:p>
@@ -3585,7 +3497,7 @@
             <a:fld id="{1D8BD707-D9CF-40AE-B4C6-C98DA3205C09}" type="datetimeFigureOut">
               <a:rPr lang="en-US" smtClean="0"/>
               <a:pPr/>
-              <a:t>10/6/2023</a:t>
+              <a:t>10/9/2023</a:t>
             </a:fld>
             <a:endParaRPr lang="en-US"/>
           </a:p>
@@ -3834,7 +3746,7 @@
             <a:fld id="{1D8BD707-D9CF-40AE-B4C6-C98DA3205C09}" type="datetimeFigureOut">
               <a:rPr lang="en-US" smtClean="0"/>
               <a:pPr/>
-              <a:t>10/6/2023</a:t>
+              <a:t>10/9/2023</a:t>
             </a:fld>
             <a:endParaRPr lang="en-US"/>
           </a:p>
@@ -4047,7 +3959,7 @@
             <a:fld id="{1D8BD707-D9CF-40AE-B4C6-C98DA3205C09}" type="datetimeFigureOut">
               <a:rPr lang="en-US" smtClean="0"/>
               <a:pPr/>
-              <a:t>10/6/2023</a:t>
+              <a:t>10/9/2023</a:t>
             </a:fld>
             <a:endParaRPr lang="en-US"/>
           </a:p>
@@ -4697,7 +4609,7 @@
         <p:spPr>
           <a:xfrm>
             <a:off x="228600" y="3848100"/>
-            <a:ext cx="11353800" cy="1200329"/>
+            <a:ext cx="11353800" cy="1754326"/>
           </a:xfrm>
           <a:prstGeom prst="rect">
             <a:avLst/>
@@ -4716,15 +4628,9 @@
             </a:pPr>
             <a:r>
               <a:rPr lang="en-US" sz="3600" dirty="0">
-                <a:latin typeface="Gidole" panose="020B0604020202020204" charset="0"/>
-              </a:rPr>
-              <a:t>Continue </a:t>
-            </a:r>
-            <a:r>
-              <a:rPr lang="en-US" sz="3600" dirty="0">
                 <a:latin typeface="Consolas" panose="020B0609020204030204" pitchFamily="49" charset="0"/>
               </a:rPr>
-              <a:t>computers.xlsx</a:t>
+              <a:t>Wholesale-customers.xlsx</a:t>
             </a:r>
           </a:p>
           <a:p>
@@ -4737,7 +4643,20 @@
                 <a:latin typeface="Gidole" panose="020B0604020202020204" charset="0"/>
                 <a:ea typeface="Roboto Mono" pitchFamily="2" charset="0"/>
               </a:rPr>
-              <a:t>Sort, filter and de-duplicate right from the spreadsheet</a:t>
+              <a:t>Create AI-recommended PivotTables and charts</a:t>
+            </a:r>
+          </a:p>
+          <a:p>
+            <a:pPr marL="571500" indent="-571500">
+              <a:buFont typeface="Arial" panose="020B0604020202020204" pitchFamily="34" charset="0"/>
+              <a:buChar char="•"/>
+            </a:pPr>
+            <a:r>
+              <a:rPr lang="en-US" sz="3600" dirty="0">
+                <a:latin typeface="Gidole" panose="020B0604020202020204" charset="0"/>
+                <a:ea typeface="Roboto Mono" pitchFamily="2" charset="0"/>
+              </a:rPr>
+              <a:t>Reshape the data with Power Query for better results</a:t>
             </a:r>
             <a:endParaRPr lang="en-US" sz="3600" dirty="0">
               <a:latin typeface="Consolas" panose="020B0609020204030204" pitchFamily="49" charset="0"/>
@@ -4749,7 +4668,7 @@
     </p:spTree>
     <p:extLst>
       <p:ext uri="{BB962C8B-B14F-4D97-AF65-F5344CB8AC3E}">
-        <p14:creationId xmlns:p14="http://schemas.microsoft.com/office/powerpoint/2010/main" val="2459400976"/>
+        <p14:creationId xmlns:p14="http://schemas.microsoft.com/office/powerpoint/2010/main" val="2919264287"/>
       </p:ext>
     </p:extLst>
   </p:cSld>
@@ -4760,6 +4679,2419 @@
 </file>
 
 <file path=ppt/slides/slide11.xml><?xml version="1.0" encoding="utf-8"?>
+<p:sld xmlns:a="http://schemas.openxmlformats.org/drawingml/2006/main" xmlns:r="http://schemas.openxmlformats.org/officeDocument/2006/relationships" xmlns:p="http://schemas.openxmlformats.org/presentationml/2006/main">
+  <p:cSld>
+    <p:spTree>
+      <p:nvGrpSpPr>
+        <p:cNvPr id="1" name=""/>
+        <p:cNvGrpSpPr/>
+        <p:nvPr/>
+      </p:nvGrpSpPr>
+      <p:grpSpPr>
+        <a:xfrm>
+          <a:off x="0" y="0"/>
+          <a:ext cx="0" cy="0"/>
+          <a:chOff x="0" y="0"/>
+          <a:chExt cx="0" cy="0"/>
+        </a:xfrm>
+      </p:grpSpPr>
+      <p:pic>
+        <p:nvPicPr>
+          <p:cNvPr id="10" name="Picture 9"/>
+          <p:cNvPicPr>
+            <a:picLocks noChangeAspect="1"/>
+          </p:cNvPicPr>
+          <p:nvPr/>
+        </p:nvPicPr>
+        <p:blipFill>
+          <a:blip r:embed="rId2">
+            <a:extLst>
+              <a:ext uri="{28A0092B-C50C-407E-A947-70E740481C1C}">
+                <a14:useLocalDpi xmlns:a14="http://schemas.microsoft.com/office/drawing/2010/main" val="0"/>
+              </a:ext>
+            </a:extLst>
+          </a:blip>
+          <a:srcRect/>
+          <a:stretch/>
+        </p:blipFill>
+        <p:spPr>
+          <a:xfrm>
+            <a:off x="13542796" y="4850092"/>
+            <a:ext cx="4745204" cy="5435819"/>
+          </a:xfrm>
+          <a:prstGeom prst="rect">
+            <a:avLst/>
+          </a:prstGeom>
+        </p:spPr>
+      </p:pic>
+      <p:pic>
+        <p:nvPicPr>
+          <p:cNvPr id="4" name="Picture 3"/>
+          <p:cNvPicPr>
+            <a:picLocks noChangeAspect="1"/>
+          </p:cNvPicPr>
+          <p:nvPr/>
+        </p:nvPicPr>
+        <p:blipFill>
+          <a:blip r:embed="rId3">
+            <a:extLst>
+              <a:ext uri="{28A0092B-C50C-407E-A947-70E740481C1C}">
+                <a14:useLocalDpi xmlns:a14="http://schemas.microsoft.com/office/drawing/2010/main" val="0"/>
+              </a:ext>
+            </a:extLst>
+          </a:blip>
+          <a:stretch>
+            <a:fillRect/>
+          </a:stretch>
+        </p:blipFill>
+        <p:spPr>
+          <a:xfrm>
+            <a:off x="-807744" y="-3724155"/>
+            <a:ext cx="15257208" cy="11189825"/>
+          </a:xfrm>
+          <a:prstGeom prst="rect">
+            <a:avLst/>
+          </a:prstGeom>
+        </p:spPr>
+      </p:pic>
+      <p:sp>
+        <p:nvSpPr>
+          <p:cNvPr id="11" name="TextBox 10"/>
+          <p:cNvSpPr txBox="1"/>
+          <p:nvPr/>
+        </p:nvSpPr>
+        <p:spPr>
+          <a:xfrm>
+            <a:off x="486137" y="2531318"/>
+            <a:ext cx="11979797" cy="4431983"/>
+          </a:xfrm>
+          <a:prstGeom prst="rect">
+            <a:avLst/>
+          </a:prstGeom>
+          <a:noFill/>
+        </p:spPr>
+        <p:txBody>
+          <a:bodyPr wrap="square" rtlCol="0">
+            <a:spAutoFit/>
+          </a:bodyPr>
+          <a:lstStyle/>
+          <a:p>
+            <a:pPr>
+              <a:buClr>
+                <a:srgbClr val="CF3338"/>
+              </a:buClr>
+            </a:pPr>
+            <a:r>
+              <a:rPr lang="en-US" sz="6600" b="1" dirty="0">
+                <a:solidFill>
+                  <a:srgbClr val="CF3338"/>
+                </a:solidFill>
+                <a:latin typeface="Pragmatica" panose="020B0403040502020204" pitchFamily="34" charset="0"/>
+              </a:rPr>
+              <a:t>Find me</a:t>
+            </a:r>
+          </a:p>
+          <a:p>
+            <a:pPr marL="857250" indent="-857250">
+              <a:buClr>
+                <a:srgbClr val="CF3338"/>
+              </a:buClr>
+              <a:buFont typeface="Arial" panose="020B0604020202020204" pitchFamily="34" charset="0"/>
+              <a:buChar char="•"/>
+            </a:pPr>
+            <a:r>
+              <a:rPr lang="en-US" sz="5400" dirty="0">
+                <a:solidFill>
+                  <a:srgbClr val="707070"/>
+                </a:solidFill>
+                <a:latin typeface="Pragmatica" panose="020B0403040502020204" pitchFamily="34" charset="0"/>
+              </a:rPr>
+              <a:t>stringfestanalytics.com  </a:t>
+            </a:r>
+          </a:p>
+          <a:p>
+            <a:pPr marL="857250" indent="-857250">
+              <a:buClr>
+                <a:srgbClr val="CF3338"/>
+              </a:buClr>
+              <a:buFont typeface="Arial" panose="020B0604020202020204" pitchFamily="34" charset="0"/>
+              <a:buChar char="•"/>
+            </a:pPr>
+            <a:r>
+              <a:rPr lang="en-US" sz="5400" dirty="0">
+                <a:solidFill>
+                  <a:srgbClr val="707070"/>
+                </a:solidFill>
+                <a:latin typeface="Pragmatica" panose="020B0403040502020204" pitchFamily="34" charset="0"/>
+              </a:rPr>
+              <a:t>Linkedin.com/in/gjmount</a:t>
+            </a:r>
+          </a:p>
+          <a:p>
+            <a:pPr marL="857250" indent="-857250">
+              <a:buClr>
+                <a:srgbClr val="CF3338"/>
+              </a:buClr>
+              <a:buFont typeface="Arial" panose="020B0604020202020204" pitchFamily="34" charset="0"/>
+              <a:buChar char="•"/>
+            </a:pPr>
+            <a:r>
+              <a:rPr lang="en-US" sz="5400" dirty="0">
+                <a:solidFill>
+                  <a:srgbClr val="707070"/>
+                </a:solidFill>
+                <a:latin typeface="Pragmatica" panose="020B0403040502020204" pitchFamily="34" charset="0"/>
+              </a:rPr>
+              <a:t>Twitter.com/gjmount</a:t>
+            </a:r>
+          </a:p>
+          <a:p>
+            <a:endParaRPr lang="en-US" sz="5400" b="1" dirty="0">
+              <a:solidFill>
+                <a:srgbClr val="CF3338"/>
+              </a:solidFill>
+              <a:latin typeface="Pragmatica" panose="020B0403040502020204" pitchFamily="34" charset="0"/>
+            </a:endParaRPr>
+          </a:p>
+        </p:txBody>
+      </p:sp>
+    </p:spTree>
+    <p:extLst>
+      <p:ext uri="{BB962C8B-B14F-4D97-AF65-F5344CB8AC3E}">
+        <p14:creationId xmlns:p14="http://schemas.microsoft.com/office/powerpoint/2010/main" val="1832136422"/>
+      </p:ext>
+    </p:extLst>
+  </p:cSld>
+  <p:clrMapOvr>
+    <a:masterClrMapping/>
+  </p:clrMapOvr>
+</p:sld>
+</file>
+
+<file path=ppt/slides/slide12.xml><?xml version="1.0" encoding="utf-8"?>
+<p:sld xmlns:a="http://schemas.openxmlformats.org/drawingml/2006/main" xmlns:r="http://schemas.openxmlformats.org/officeDocument/2006/relationships" xmlns:p="http://schemas.openxmlformats.org/presentationml/2006/main">
+  <p:cSld>
+    <p:spTree>
+      <p:nvGrpSpPr>
+        <p:cNvPr id="1" name=""/>
+        <p:cNvGrpSpPr/>
+        <p:nvPr/>
+      </p:nvGrpSpPr>
+      <p:grpSpPr>
+        <a:xfrm>
+          <a:off x="0" y="0"/>
+          <a:ext cx="0" cy="0"/>
+          <a:chOff x="0" y="0"/>
+          <a:chExt cx="0" cy="0"/>
+        </a:xfrm>
+      </p:grpSpPr>
+      <p:sp>
+        <p:nvSpPr>
+          <p:cNvPr id="4" name="Rectangle 3"/>
+          <p:cNvSpPr/>
+          <p:nvPr/>
+        </p:nvSpPr>
+        <p:spPr>
+          <a:xfrm>
+            <a:off x="9861630" y="0"/>
+            <a:ext cx="8426370" cy="10287000"/>
+          </a:xfrm>
+          <a:prstGeom prst="rect">
+            <a:avLst/>
+          </a:prstGeom>
+          <a:solidFill>
+            <a:srgbClr val="CF3338"/>
+          </a:solidFill>
+          <a:ln>
+            <a:noFill/>
+          </a:ln>
+        </p:spPr>
+        <p:style>
+          <a:lnRef idx="2">
+            <a:schemeClr val="accent1">
+              <a:shade val="50000"/>
+            </a:schemeClr>
+          </a:lnRef>
+          <a:fillRef idx="1">
+            <a:schemeClr val="accent1"/>
+          </a:fillRef>
+          <a:effectRef idx="0">
+            <a:schemeClr val="accent1"/>
+          </a:effectRef>
+          <a:fontRef idx="minor">
+            <a:schemeClr val="lt1"/>
+          </a:fontRef>
+        </p:style>
+        <p:txBody>
+          <a:bodyPr rtlCol="0" anchor="ctr"/>
+          <a:lstStyle/>
+          <a:p>
+            <a:pPr algn="ctr"/>
+            <a:endParaRPr lang="en-US" sz="2700"/>
+          </a:p>
+        </p:txBody>
+      </p:sp>
+      <p:pic>
+        <p:nvPicPr>
+          <p:cNvPr id="2" name="Picture 1"/>
+          <p:cNvPicPr>
+            <a:picLocks noChangeAspect="1"/>
+          </p:cNvPicPr>
+          <p:nvPr/>
+        </p:nvPicPr>
+        <p:blipFill rotWithShape="1">
+          <a:blip r:embed="rId2">
+            <a:extLst>
+              <a:ext uri="{28A0092B-C50C-407E-A947-70E740481C1C}">
+                <a14:useLocalDpi xmlns:a14="http://schemas.microsoft.com/office/drawing/2010/main" val="0"/>
+              </a:ext>
+            </a:extLst>
+          </a:blip>
+          <a:srcRect l="69227" t="33418" r="20112" b="50548"/>
+          <a:stretch/>
+        </p:blipFill>
+        <p:spPr>
+          <a:xfrm>
+            <a:off x="15579524" y="7544693"/>
+            <a:ext cx="2708477" cy="2987579"/>
+          </a:xfrm>
+          <a:prstGeom prst="rect">
+            <a:avLst/>
+          </a:prstGeom>
+        </p:spPr>
+      </p:pic>
+      <p:sp>
+        <p:nvSpPr>
+          <p:cNvPr id="3" name="TextBox 2"/>
+          <p:cNvSpPr txBox="1"/>
+          <p:nvPr/>
+        </p:nvSpPr>
+        <p:spPr>
+          <a:xfrm>
+            <a:off x="260431" y="329879"/>
+            <a:ext cx="9432824" cy="9048631"/>
+          </a:xfrm>
+          <a:prstGeom prst="rect">
+            <a:avLst/>
+          </a:prstGeom>
+          <a:noFill/>
+        </p:spPr>
+        <p:txBody>
+          <a:bodyPr wrap="square" rtlCol="0">
+            <a:spAutoFit/>
+          </a:bodyPr>
+          <a:lstStyle/>
+          <a:p>
+            <a:r>
+              <a:rPr lang="en-US" sz="6000" b="1" i="1" dirty="0">
+                <a:solidFill>
+                  <a:srgbClr val="CF3338"/>
+                </a:solidFill>
+                <a:latin typeface="Pragmatica" panose="020B0403040502020204" pitchFamily="34" charset="0"/>
+              </a:rPr>
+              <a:t>Modern Data Analytics in Excel </a:t>
+            </a:r>
+            <a:r>
+              <a:rPr lang="en-US" sz="6000" b="1" dirty="0">
+                <a:solidFill>
+                  <a:srgbClr val="CF3338"/>
+                </a:solidFill>
+                <a:latin typeface="Pragmatica" panose="020B0403040502020204" pitchFamily="34" charset="0"/>
+              </a:rPr>
+              <a:t>– the book!</a:t>
+            </a:r>
+          </a:p>
+          <a:p>
+            <a:endParaRPr lang="en-US" sz="6000" b="1" i="1" dirty="0">
+              <a:solidFill>
+                <a:srgbClr val="CF3338"/>
+              </a:solidFill>
+              <a:latin typeface="Pragmatica" panose="020B0403040502020204" pitchFamily="34" charset="0"/>
+            </a:endParaRPr>
+          </a:p>
+          <a:p>
+            <a:endParaRPr lang="en-US" sz="6000" dirty="0">
+              <a:solidFill>
+                <a:srgbClr val="CF3338"/>
+              </a:solidFill>
+              <a:latin typeface="Pragmatica" panose="020B0403040502020204" pitchFamily="34" charset="0"/>
+            </a:endParaRPr>
+          </a:p>
+          <a:p>
+            <a:endParaRPr lang="en-US" sz="6000" dirty="0">
+              <a:solidFill>
+                <a:srgbClr val="CF3338"/>
+              </a:solidFill>
+              <a:latin typeface="Pragmatica" panose="020B0403040502020204" pitchFamily="34" charset="0"/>
+            </a:endParaRPr>
+          </a:p>
+          <a:p>
+            <a:endParaRPr lang="en-US" sz="6000" dirty="0">
+              <a:solidFill>
+                <a:srgbClr val="CF3338"/>
+              </a:solidFill>
+              <a:latin typeface="Pragmatica" panose="020B0403040502020204" pitchFamily="34" charset="0"/>
+            </a:endParaRPr>
+          </a:p>
+          <a:p>
+            <a:endParaRPr lang="en-US" sz="6000" dirty="0">
+              <a:solidFill>
+                <a:srgbClr val="CF3338"/>
+              </a:solidFill>
+              <a:latin typeface="Pragmatica" panose="020B0403040502020204" pitchFamily="34" charset="0"/>
+            </a:endParaRPr>
+          </a:p>
+          <a:p>
+            <a:endParaRPr lang="en-US" sz="6000" dirty="0">
+              <a:solidFill>
+                <a:srgbClr val="CF3338"/>
+              </a:solidFill>
+              <a:latin typeface="Pragmatica" panose="020B0403040502020204" pitchFamily="34" charset="0"/>
+            </a:endParaRPr>
+          </a:p>
+          <a:p>
+            <a:r>
+              <a:rPr lang="en-US" sz="6000" dirty="0">
+                <a:solidFill>
+                  <a:srgbClr val="CF3338"/>
+                </a:solidFill>
+                <a:latin typeface="Pragmatica" panose="020B0403040502020204" pitchFamily="34" charset="0"/>
+              </a:rPr>
+              <a:t>Available in early release: </a:t>
+            </a:r>
+            <a:r>
+              <a:rPr lang="en-US" sz="4200" dirty="0">
+                <a:latin typeface="Pragmatica" panose="020B0403040502020204" pitchFamily="34" charset="0"/>
+                <a:hlinkClick r:id="rId3">
+                  <a:extLst>
+                    <a:ext uri="{A12FA001-AC4F-418D-AE19-62706E023703}">
+                      <ahyp:hlinkClr xmlns:ahyp="http://schemas.microsoft.com/office/drawing/2018/hyperlinkcolor" val="tx"/>
+                    </a:ext>
+                  </a:extLst>
+                </a:hlinkClick>
+              </a:rPr>
+              <a:t>https://stringfestanalytics.com/maxl/</a:t>
+            </a:r>
+            <a:r>
+              <a:rPr lang="en-US" sz="4200" dirty="0">
+                <a:latin typeface="Pragmatica" panose="020B0403040502020204" pitchFamily="34" charset="0"/>
+              </a:rPr>
+              <a:t>  </a:t>
+            </a:r>
+            <a:endParaRPr lang="en-US" sz="6000" dirty="0">
+              <a:latin typeface="Pragmatica" panose="020B0403040502020204" pitchFamily="34" charset="0"/>
+            </a:endParaRPr>
+          </a:p>
+        </p:txBody>
+      </p:sp>
+      <p:pic>
+        <p:nvPicPr>
+          <p:cNvPr id="1026" name="Picture 2" descr="Modern analytics in Excel cover ">
+            <a:extLst>
+              <a:ext uri="{FF2B5EF4-FFF2-40B4-BE49-F238E27FC236}">
+                <a16:creationId xmlns:a16="http://schemas.microsoft.com/office/drawing/2014/main" id="{A5A802EA-8E14-7D50-3D79-28EFA72A604E}"/>
+              </a:ext>
+            </a:extLst>
+          </p:cNvPr>
+          <p:cNvPicPr>
+            <a:picLocks noChangeAspect="1" noChangeArrowheads="1"/>
+          </p:cNvPicPr>
+          <p:nvPr/>
+        </p:nvPicPr>
+        <p:blipFill>
+          <a:blip r:embed="rId4">
+            <a:extLst>
+              <a:ext uri="{28A0092B-C50C-407E-A947-70E740481C1C}">
+                <a14:useLocalDpi xmlns:a14="http://schemas.microsoft.com/office/drawing/2010/main" val="0"/>
+              </a:ext>
+            </a:extLst>
+          </a:blip>
+          <a:srcRect/>
+          <a:stretch>
+            <a:fillRect/>
+          </a:stretch>
+        </p:blipFill>
+        <p:spPr bwMode="auto">
+          <a:xfrm>
+            <a:off x="10769516" y="923560"/>
+            <a:ext cx="5715000" cy="7500938"/>
+          </a:xfrm>
+          <a:prstGeom prst="rect">
+            <a:avLst/>
+          </a:prstGeom>
+          <a:noFill/>
+          <a:extLst>
+            <a:ext uri="{909E8E84-426E-40DD-AFC4-6F175D3DCCD1}">
+              <a14:hiddenFill xmlns:a14="http://schemas.microsoft.com/office/drawing/2010/main">
+                <a:solidFill>
+                  <a:srgbClr val="FFFFFF"/>
+                </a:solidFill>
+              </a14:hiddenFill>
+            </a:ext>
+          </a:extLst>
+        </p:spPr>
+      </p:pic>
+    </p:spTree>
+    <p:extLst>
+      <p:ext uri="{BB962C8B-B14F-4D97-AF65-F5344CB8AC3E}">
+        <p14:creationId xmlns:p14="http://schemas.microsoft.com/office/powerpoint/2010/main" val="3588636196"/>
+      </p:ext>
+    </p:extLst>
+  </p:cSld>
+  <p:clrMapOvr>
+    <a:masterClrMapping/>
+  </p:clrMapOvr>
+</p:sld>
+</file>
+
+<file path=ppt/slides/slide13.xml><?xml version="1.0" encoding="utf-8"?>
+<p:sld xmlns:a="http://schemas.openxmlformats.org/drawingml/2006/main" xmlns:r="http://schemas.openxmlformats.org/officeDocument/2006/relationships" xmlns:p="http://schemas.openxmlformats.org/presentationml/2006/main">
+  <p:cSld>
+    <p:spTree>
+      <p:nvGrpSpPr>
+        <p:cNvPr id="1" name=""/>
+        <p:cNvGrpSpPr/>
+        <p:nvPr/>
+      </p:nvGrpSpPr>
+      <p:grpSpPr>
+        <a:xfrm>
+          <a:off x="0" y="0"/>
+          <a:ext cx="0" cy="0"/>
+          <a:chOff x="0" y="0"/>
+          <a:chExt cx="0" cy="0"/>
+        </a:xfrm>
+      </p:grpSpPr>
+      <p:sp>
+        <p:nvSpPr>
+          <p:cNvPr id="4" name="Rectangle 3"/>
+          <p:cNvSpPr/>
+          <p:nvPr/>
+        </p:nvSpPr>
+        <p:spPr>
+          <a:xfrm>
+            <a:off x="9861630" y="0"/>
+            <a:ext cx="8426370" cy="10287000"/>
+          </a:xfrm>
+          <a:prstGeom prst="rect">
+            <a:avLst/>
+          </a:prstGeom>
+          <a:solidFill>
+            <a:srgbClr val="CF3338"/>
+          </a:solidFill>
+          <a:ln>
+            <a:noFill/>
+          </a:ln>
+        </p:spPr>
+        <p:style>
+          <a:lnRef idx="2">
+            <a:schemeClr val="accent1">
+              <a:shade val="50000"/>
+            </a:schemeClr>
+          </a:lnRef>
+          <a:fillRef idx="1">
+            <a:schemeClr val="accent1"/>
+          </a:fillRef>
+          <a:effectRef idx="0">
+            <a:schemeClr val="accent1"/>
+          </a:effectRef>
+          <a:fontRef idx="minor">
+            <a:schemeClr val="lt1"/>
+          </a:fontRef>
+        </p:style>
+        <p:txBody>
+          <a:bodyPr rtlCol="0" anchor="ctr"/>
+          <a:lstStyle/>
+          <a:p>
+            <a:pPr algn="ctr"/>
+            <a:endParaRPr lang="en-US" sz="2700"/>
+          </a:p>
+        </p:txBody>
+      </p:sp>
+      <p:pic>
+        <p:nvPicPr>
+          <p:cNvPr id="2" name="Picture 1"/>
+          <p:cNvPicPr>
+            <a:picLocks noChangeAspect="1"/>
+          </p:cNvPicPr>
+          <p:nvPr/>
+        </p:nvPicPr>
+        <p:blipFill rotWithShape="1">
+          <a:blip r:embed="rId2">
+            <a:extLst>
+              <a:ext uri="{28A0092B-C50C-407E-A947-70E740481C1C}">
+                <a14:useLocalDpi xmlns:a14="http://schemas.microsoft.com/office/drawing/2010/main" val="0"/>
+              </a:ext>
+            </a:extLst>
+          </a:blip>
+          <a:srcRect l="69227" t="33418" r="20112" b="50548"/>
+          <a:stretch/>
+        </p:blipFill>
+        <p:spPr>
+          <a:xfrm>
+            <a:off x="15579524" y="7544693"/>
+            <a:ext cx="2708477" cy="2987579"/>
+          </a:xfrm>
+          <a:prstGeom prst="rect">
+            <a:avLst/>
+          </a:prstGeom>
+        </p:spPr>
+      </p:pic>
+      <p:sp>
+        <p:nvSpPr>
+          <p:cNvPr id="3" name="TextBox 2"/>
+          <p:cNvSpPr txBox="1"/>
+          <p:nvPr/>
+        </p:nvSpPr>
+        <p:spPr>
+          <a:xfrm>
+            <a:off x="260431" y="329879"/>
+            <a:ext cx="9432824" cy="9694962"/>
+          </a:xfrm>
+          <a:prstGeom prst="rect">
+            <a:avLst/>
+          </a:prstGeom>
+          <a:noFill/>
+        </p:spPr>
+        <p:txBody>
+          <a:bodyPr wrap="square" rtlCol="0">
+            <a:spAutoFit/>
+          </a:bodyPr>
+          <a:lstStyle/>
+          <a:p>
+            <a:r>
+              <a:rPr lang="en-US" sz="6000" b="1" i="1" dirty="0">
+                <a:solidFill>
+                  <a:srgbClr val="CF3338"/>
+                </a:solidFill>
+                <a:latin typeface="Pragmatica" panose="020B0403040502020204" pitchFamily="34" charset="0"/>
+              </a:rPr>
+              <a:t>Modern Data Analytics in Excel </a:t>
+            </a:r>
+            <a:r>
+              <a:rPr lang="en-US" sz="6000" b="1" dirty="0">
+                <a:solidFill>
+                  <a:srgbClr val="CF3338"/>
+                </a:solidFill>
+                <a:latin typeface="Pragmatica" panose="020B0403040502020204" pitchFamily="34" charset="0"/>
+              </a:rPr>
+              <a:t>– the workshops!</a:t>
+            </a:r>
+          </a:p>
+          <a:p>
+            <a:endParaRPr lang="en-US" sz="6000" b="1" i="1" dirty="0">
+              <a:solidFill>
+                <a:srgbClr val="CF3338"/>
+              </a:solidFill>
+              <a:latin typeface="Pragmatica" panose="020B0403040502020204" pitchFamily="34" charset="0"/>
+            </a:endParaRPr>
+          </a:p>
+          <a:p>
+            <a:endParaRPr lang="en-US" sz="6000" dirty="0">
+              <a:solidFill>
+                <a:srgbClr val="CF3338"/>
+              </a:solidFill>
+              <a:latin typeface="Pragmatica" panose="020B0403040502020204" pitchFamily="34" charset="0"/>
+            </a:endParaRPr>
+          </a:p>
+          <a:p>
+            <a:endParaRPr lang="en-US" sz="6000" dirty="0">
+              <a:solidFill>
+                <a:srgbClr val="CF3338"/>
+              </a:solidFill>
+              <a:latin typeface="Pragmatica" panose="020B0403040502020204" pitchFamily="34" charset="0"/>
+            </a:endParaRPr>
+          </a:p>
+          <a:p>
+            <a:endParaRPr lang="en-US" sz="6000" dirty="0">
+              <a:solidFill>
+                <a:srgbClr val="CF3338"/>
+              </a:solidFill>
+              <a:latin typeface="Pragmatica" panose="020B0403040502020204" pitchFamily="34" charset="0"/>
+            </a:endParaRPr>
+          </a:p>
+          <a:p>
+            <a:endParaRPr lang="en-US" sz="6000" dirty="0">
+              <a:solidFill>
+                <a:srgbClr val="CF3338"/>
+              </a:solidFill>
+              <a:latin typeface="Pragmatica" panose="020B0403040502020204" pitchFamily="34" charset="0"/>
+            </a:endParaRPr>
+          </a:p>
+          <a:p>
+            <a:endParaRPr lang="en-US" sz="6000" dirty="0">
+              <a:solidFill>
+                <a:srgbClr val="CF3338"/>
+              </a:solidFill>
+              <a:latin typeface="Pragmatica" panose="020B0403040502020204" pitchFamily="34" charset="0"/>
+            </a:endParaRPr>
+          </a:p>
+          <a:p>
+            <a:r>
+              <a:rPr lang="en-US" sz="6000" dirty="0">
+                <a:solidFill>
+                  <a:srgbClr val="CF3338"/>
+                </a:solidFill>
+                <a:latin typeface="Pragmatica" panose="020B0403040502020204" pitchFamily="34" charset="0"/>
+              </a:rPr>
+              <a:t>Get in touch: </a:t>
+            </a:r>
+            <a:r>
+              <a:rPr lang="en-US" sz="4200" dirty="0">
+                <a:latin typeface="Pragmatica" panose="020B0403040502020204" pitchFamily="34" charset="0"/>
+                <a:hlinkClick r:id="rId3">
+                  <a:extLst>
+                    <a:ext uri="{A12FA001-AC4F-418D-AE19-62706E023703}">
+                      <ahyp:hlinkClr xmlns:ahyp="http://schemas.microsoft.com/office/drawing/2018/hyperlinkcolor" val="tx"/>
+                    </a:ext>
+                  </a:extLst>
+                </a:hlinkClick>
+              </a:rPr>
+              <a:t>https://stringfestanalytics.com/modern-data-analytics-in-excel-workshops/</a:t>
+            </a:r>
+            <a:r>
+              <a:rPr lang="en-US" sz="4200" dirty="0">
+                <a:latin typeface="Pragmatica" panose="020B0403040502020204" pitchFamily="34" charset="0"/>
+              </a:rPr>
+              <a:t> </a:t>
+            </a:r>
+            <a:endParaRPr lang="en-US" sz="6000" dirty="0">
+              <a:latin typeface="Pragmatica" panose="020B0403040502020204" pitchFamily="34" charset="0"/>
+            </a:endParaRPr>
+          </a:p>
+        </p:txBody>
+      </p:sp>
+      <p:pic>
+        <p:nvPicPr>
+          <p:cNvPr id="5" name="Picture 4">
+            <a:extLst>
+              <a:ext uri="{FF2B5EF4-FFF2-40B4-BE49-F238E27FC236}">
+                <a16:creationId xmlns:a16="http://schemas.microsoft.com/office/drawing/2014/main" id="{6A952EDC-C30E-EBFE-DD3D-C1D1342DB06F}"/>
+              </a:ext>
+            </a:extLst>
+          </p:cNvPr>
+          <p:cNvPicPr>
+            <a:picLocks noChangeAspect="1"/>
+          </p:cNvPicPr>
+          <p:nvPr/>
+        </p:nvPicPr>
+        <p:blipFill>
+          <a:blip r:embed="rId4"/>
+          <a:stretch>
+            <a:fillRect/>
+          </a:stretch>
+        </p:blipFill>
+        <p:spPr>
+          <a:xfrm>
+            <a:off x="10906412" y="876300"/>
+            <a:ext cx="6336806" cy="8200573"/>
+          </a:xfrm>
+          <a:prstGeom prst="rect">
+            <a:avLst/>
+          </a:prstGeom>
+        </p:spPr>
+      </p:pic>
+    </p:spTree>
+    <p:extLst>
+      <p:ext uri="{BB962C8B-B14F-4D97-AF65-F5344CB8AC3E}">
+        <p14:creationId xmlns:p14="http://schemas.microsoft.com/office/powerpoint/2010/main" val="1938916673"/>
+      </p:ext>
+    </p:extLst>
+  </p:cSld>
+  <p:clrMapOvr>
+    <a:masterClrMapping/>
+  </p:clrMapOvr>
+</p:sld>
+</file>
+
+<file path=ppt/slides/slide14.xml><?xml version="1.0" encoding="utf-8"?>
+<p:sld xmlns:a="http://schemas.openxmlformats.org/drawingml/2006/main" xmlns:r="http://schemas.openxmlformats.org/officeDocument/2006/relationships" xmlns:p="http://schemas.openxmlformats.org/presentationml/2006/main">
+  <p:cSld>
+    <p:spTree>
+      <p:nvGrpSpPr>
+        <p:cNvPr id="1" name=""/>
+        <p:cNvGrpSpPr/>
+        <p:nvPr/>
+      </p:nvGrpSpPr>
+      <p:grpSpPr>
+        <a:xfrm>
+          <a:off x="0" y="0"/>
+          <a:ext cx="0" cy="0"/>
+          <a:chOff x="0" y="0"/>
+          <a:chExt cx="0" cy="0"/>
+        </a:xfrm>
+      </p:grpSpPr>
+      <p:pic>
+        <p:nvPicPr>
+          <p:cNvPr id="8" name="Picture 8"/>
+          <p:cNvPicPr>
+            <a:picLocks noChangeAspect="1"/>
+          </p:cNvPicPr>
+          <p:nvPr/>
+        </p:nvPicPr>
+        <p:blipFill>
+          <a:blip r:embed="rId3"/>
+          <a:srcRect/>
+          <a:stretch>
+            <a:fillRect/>
+          </a:stretch>
+        </p:blipFill>
+        <p:spPr>
+          <a:xfrm>
+            <a:off x="16459201" y="-99078"/>
+            <a:ext cx="2005784" cy="1470491"/>
+          </a:xfrm>
+          <a:prstGeom prst="rect">
+            <a:avLst/>
+          </a:prstGeom>
+        </p:spPr>
+      </p:pic>
+      <p:sp>
+        <p:nvSpPr>
+          <p:cNvPr id="9" name="TextBox 9"/>
+          <p:cNvSpPr txBox="1"/>
+          <p:nvPr/>
+        </p:nvSpPr>
+        <p:spPr>
+          <a:xfrm>
+            <a:off x="838200" y="617118"/>
+            <a:ext cx="15631206" cy="1209818"/>
+          </a:xfrm>
+          <a:prstGeom prst="rect">
+            <a:avLst/>
+          </a:prstGeom>
+        </p:spPr>
+        <p:txBody>
+          <a:bodyPr wrap="square" lIns="0" tIns="0" rIns="0" bIns="0" rtlCol="0" anchor="t">
+            <a:spAutoFit/>
+          </a:bodyPr>
+          <a:lstStyle/>
+          <a:p>
+            <a:pPr>
+              <a:lnSpc>
+                <a:spcPts val="10080"/>
+              </a:lnSpc>
+              <a:spcBef>
+                <a:spcPct val="0"/>
+              </a:spcBef>
+            </a:pPr>
+            <a:r>
+              <a:rPr lang="en-US" sz="7200" dirty="0">
+                <a:solidFill>
+                  <a:srgbClr val="000000"/>
+                </a:solidFill>
+                <a:latin typeface="Open Sans Extra Bold"/>
+              </a:rPr>
+              <a:t>TAKE THE SURVEY</a:t>
+            </a:r>
+          </a:p>
+        </p:txBody>
+      </p:sp>
+      <p:pic>
+        <p:nvPicPr>
+          <p:cNvPr id="5" name="Picture 6">
+            <a:extLst>
+              <a:ext uri="{FF2B5EF4-FFF2-40B4-BE49-F238E27FC236}">
+                <a16:creationId xmlns:a16="http://schemas.microsoft.com/office/drawing/2014/main" id="{01C401A0-8EBC-47CA-B2DE-F204DE6EEF54}"/>
+              </a:ext>
+            </a:extLst>
+          </p:cNvPr>
+          <p:cNvPicPr>
+            <a:picLocks noChangeAspect="1"/>
+          </p:cNvPicPr>
+          <p:nvPr/>
+        </p:nvPicPr>
+        <p:blipFill>
+          <a:blip r:embed="rId4"/>
+          <a:srcRect b="44190"/>
+          <a:stretch>
+            <a:fillRect/>
+          </a:stretch>
+        </p:blipFill>
+        <p:spPr>
+          <a:xfrm>
+            <a:off x="16095121" y="9265256"/>
+            <a:ext cx="2013122" cy="823680"/>
+          </a:xfrm>
+          <a:prstGeom prst="rect">
+            <a:avLst/>
+          </a:prstGeom>
+        </p:spPr>
+      </p:pic>
+      <p:sp>
+        <p:nvSpPr>
+          <p:cNvPr id="6" name="TextBox 5">
+            <a:extLst>
+              <a:ext uri="{FF2B5EF4-FFF2-40B4-BE49-F238E27FC236}">
+                <a16:creationId xmlns:a16="http://schemas.microsoft.com/office/drawing/2014/main" id="{B72B56F1-579F-4CEC-BF86-0455EEB5C6F1}"/>
+              </a:ext>
+            </a:extLst>
+          </p:cNvPr>
+          <p:cNvSpPr txBox="1"/>
+          <p:nvPr/>
+        </p:nvSpPr>
+        <p:spPr>
+          <a:xfrm>
+            <a:off x="857250" y="1943100"/>
+            <a:ext cx="8727030" cy="5232330"/>
+          </a:xfrm>
+          <a:prstGeom prst="rect">
+            <a:avLst/>
+          </a:prstGeom>
+          <a:noFill/>
+        </p:spPr>
+        <p:txBody>
+          <a:bodyPr wrap="square" rtlCol="0">
+            <a:spAutoFit/>
+          </a:bodyPr>
+          <a:lstStyle/>
+          <a:p>
+            <a:r>
+              <a:rPr lang="en-US" sz="4800" dirty="0">
+                <a:latin typeface="Gidole" panose="02000503000000000000" pitchFamily="2" charset="0"/>
+                <a:ea typeface="Roboto Mono" pitchFamily="2" charset="0"/>
+              </a:rPr>
+              <a:t>How did I do today? Testimonials or other data welcome.</a:t>
+            </a:r>
+          </a:p>
+          <a:p>
+            <a:endParaRPr lang="en-US" sz="4001" dirty="0">
+              <a:latin typeface="Gidole" panose="02000503000000000000" pitchFamily="2" charset="0"/>
+              <a:ea typeface="Roboto Mono" pitchFamily="2" charset="0"/>
+            </a:endParaRPr>
+          </a:p>
+          <a:p>
+            <a:r>
+              <a:rPr lang="en-US" sz="6600" dirty="0">
+                <a:latin typeface="Gidole" panose="02000503000000000000" pitchFamily="2" charset="0"/>
+                <a:ea typeface="Roboto Mono" pitchFamily="2" charset="0"/>
+                <a:hlinkClick r:id="rId5"/>
+              </a:rPr>
+              <a:t>https://social.stringfestanalytics.com/event-feedback</a:t>
+            </a:r>
+            <a:r>
+              <a:rPr lang="en-US" sz="6600" dirty="0">
+                <a:latin typeface="Gidole" panose="02000503000000000000" pitchFamily="2" charset="0"/>
+                <a:ea typeface="Roboto Mono" pitchFamily="2" charset="0"/>
+              </a:rPr>
+              <a:t>  </a:t>
+            </a:r>
+          </a:p>
+        </p:txBody>
+      </p:sp>
+      <p:pic>
+        <p:nvPicPr>
+          <p:cNvPr id="3" name="Picture 2" descr="Shape&#10;&#10;Description automatically generated with low confidence">
+            <a:extLst>
+              <a:ext uri="{FF2B5EF4-FFF2-40B4-BE49-F238E27FC236}">
+                <a16:creationId xmlns:a16="http://schemas.microsoft.com/office/drawing/2014/main" id="{42F3175D-B642-4C36-959D-6981F5B7F69C}"/>
+              </a:ext>
+            </a:extLst>
+          </p:cNvPr>
+          <p:cNvPicPr>
+            <a:picLocks noChangeAspect="1"/>
+          </p:cNvPicPr>
+          <p:nvPr/>
+        </p:nvPicPr>
+        <p:blipFill>
+          <a:blip r:embed="rId6" cstate="print">
+            <a:extLst>
+              <a:ext uri="{28A0092B-C50C-407E-A947-70E740481C1C}">
+                <a14:useLocalDpi xmlns:a14="http://schemas.microsoft.com/office/drawing/2010/main" val="0"/>
+              </a:ext>
+            </a:extLst>
+          </a:blip>
+          <a:stretch>
+            <a:fillRect/>
+          </a:stretch>
+        </p:blipFill>
+        <p:spPr>
+          <a:xfrm>
+            <a:off x="10210800" y="4836284"/>
+            <a:ext cx="5257800" cy="5257800"/>
+          </a:xfrm>
+          <a:prstGeom prst="rect">
+            <a:avLst/>
+          </a:prstGeom>
+        </p:spPr>
+      </p:pic>
+    </p:spTree>
+    <p:extLst>
+      <p:ext uri="{BB962C8B-B14F-4D97-AF65-F5344CB8AC3E}">
+        <p14:creationId xmlns:p14="http://schemas.microsoft.com/office/powerpoint/2010/main" val="3032095955"/>
+      </p:ext>
+    </p:extLst>
+  </p:cSld>
+  <p:clrMapOvr>
+    <a:masterClrMapping/>
+  </p:clrMapOvr>
+</p:sld>
+</file>
+
+<file path=ppt/slides/slide2.xml><?xml version="1.0" encoding="utf-8"?>
+<p:sld xmlns:a="http://schemas.openxmlformats.org/drawingml/2006/main" xmlns:r="http://schemas.openxmlformats.org/officeDocument/2006/relationships" xmlns:p="http://schemas.openxmlformats.org/presentationml/2006/main">
+  <p:cSld>
+    <p:spTree>
+      <p:nvGrpSpPr>
+        <p:cNvPr id="1" name=""/>
+        <p:cNvGrpSpPr/>
+        <p:nvPr/>
+      </p:nvGrpSpPr>
+      <p:grpSpPr>
+        <a:xfrm>
+          <a:off x="0" y="0"/>
+          <a:ext cx="0" cy="0"/>
+          <a:chOff x="0" y="0"/>
+          <a:chExt cx="0" cy="0"/>
+        </a:xfrm>
+      </p:grpSpPr>
+      <p:sp>
+        <p:nvSpPr>
+          <p:cNvPr id="4" name="Rectangle 3"/>
+          <p:cNvSpPr/>
+          <p:nvPr/>
+        </p:nvSpPr>
+        <p:spPr>
+          <a:xfrm>
+            <a:off x="0" y="0"/>
+            <a:ext cx="18288000" cy="10287000"/>
+          </a:xfrm>
+          <a:prstGeom prst="rect">
+            <a:avLst/>
+          </a:prstGeom>
+          <a:solidFill>
+            <a:srgbClr val="CF3338"/>
+          </a:solidFill>
+          <a:ln>
+            <a:noFill/>
+          </a:ln>
+        </p:spPr>
+        <p:style>
+          <a:lnRef idx="2">
+            <a:schemeClr val="accent1">
+              <a:shade val="50000"/>
+            </a:schemeClr>
+          </a:lnRef>
+          <a:fillRef idx="1">
+            <a:schemeClr val="accent1"/>
+          </a:fillRef>
+          <a:effectRef idx="0">
+            <a:schemeClr val="accent1"/>
+          </a:effectRef>
+          <a:fontRef idx="minor">
+            <a:schemeClr val="lt1"/>
+          </a:fontRef>
+        </p:style>
+        <p:txBody>
+          <a:bodyPr rtlCol="0" anchor="ctr"/>
+          <a:lstStyle/>
+          <a:p>
+            <a:pPr algn="ctr"/>
+            <a:endParaRPr lang="en-US" sz="2700"/>
+          </a:p>
+        </p:txBody>
+      </p:sp>
+      <p:sp>
+        <p:nvSpPr>
+          <p:cNvPr id="5" name="TextBox 4"/>
+          <p:cNvSpPr txBox="1"/>
+          <p:nvPr/>
+        </p:nvSpPr>
+        <p:spPr>
+          <a:xfrm>
+            <a:off x="781292" y="590309"/>
+            <a:ext cx="15486926" cy="1615827"/>
+          </a:xfrm>
+          <a:prstGeom prst="rect">
+            <a:avLst/>
+          </a:prstGeom>
+          <a:noFill/>
+        </p:spPr>
+        <p:txBody>
+          <a:bodyPr wrap="square" rtlCol="0">
+            <a:spAutoFit/>
+          </a:bodyPr>
+          <a:lstStyle/>
+          <a:p>
+            <a:r>
+              <a:rPr lang="en-US" sz="9900" b="1" dirty="0">
+                <a:solidFill>
+                  <a:schemeClr val="bg1"/>
+                </a:solidFill>
+                <a:latin typeface="Normafixed Tryout" panose="00000409000000000000" pitchFamily="49" charset="0"/>
+              </a:rPr>
+              <a:t>Hi, I’m George</a:t>
+            </a:r>
+          </a:p>
+        </p:txBody>
+      </p:sp>
+      <p:pic>
+        <p:nvPicPr>
+          <p:cNvPr id="3" name="Picture 4" descr="Advancing into Analytics Cover Image">
+            <a:extLst>
+              <a:ext uri="{FF2B5EF4-FFF2-40B4-BE49-F238E27FC236}">
+                <a16:creationId xmlns:a16="http://schemas.microsoft.com/office/drawing/2014/main" id="{588F684B-18EF-D76C-5F7B-15E4BAD60643}"/>
+              </a:ext>
+            </a:extLst>
+          </p:cNvPr>
+          <p:cNvPicPr>
+            <a:picLocks noChangeAspect="1" noChangeArrowheads="1"/>
+          </p:cNvPicPr>
+          <p:nvPr/>
+        </p:nvPicPr>
+        <p:blipFill>
+          <a:blip r:embed="rId2" cstate="print">
+            <a:extLst>
+              <a:ext uri="{28A0092B-C50C-407E-A947-70E740481C1C}">
+                <a14:useLocalDpi xmlns:a14="http://schemas.microsoft.com/office/drawing/2010/main" val="0"/>
+              </a:ext>
+            </a:extLst>
+          </a:blip>
+          <a:srcRect/>
+          <a:stretch>
+            <a:fillRect/>
+          </a:stretch>
+        </p:blipFill>
+        <p:spPr bwMode="auto">
+          <a:xfrm>
+            <a:off x="11382233" y="525014"/>
+            <a:ext cx="4246418" cy="5546340"/>
+          </a:xfrm>
+          <a:prstGeom prst="rect">
+            <a:avLst/>
+          </a:prstGeom>
+          <a:noFill/>
+          <a:extLst>
+            <a:ext uri="{909E8E84-426E-40DD-AFC4-6F175D3DCCD1}">
+              <a14:hiddenFill xmlns:a14="http://schemas.microsoft.com/office/drawing/2010/main">
+                <a:solidFill>
+                  <a:srgbClr val="FFFFFF"/>
+                </a:solidFill>
+              </a14:hiddenFill>
+            </a:ext>
+          </a:extLst>
+        </p:spPr>
+      </p:pic>
+      <p:pic>
+        <p:nvPicPr>
+          <p:cNvPr id="6" name="Picture 6" descr="Free photos of Cleveland">
+            <a:extLst>
+              <a:ext uri="{FF2B5EF4-FFF2-40B4-BE49-F238E27FC236}">
+                <a16:creationId xmlns:a16="http://schemas.microsoft.com/office/drawing/2014/main" id="{CBA53EEE-E3E1-D99E-A4DC-1C4DD2E6CE4A}"/>
+              </a:ext>
+            </a:extLst>
+          </p:cNvPr>
+          <p:cNvPicPr>
+            <a:picLocks noChangeAspect="1" noChangeArrowheads="1"/>
+          </p:cNvPicPr>
+          <p:nvPr/>
+        </p:nvPicPr>
+        <p:blipFill>
+          <a:blip r:embed="rId3" cstate="print">
+            <a:extLst>
+              <a:ext uri="{28A0092B-C50C-407E-A947-70E740481C1C}">
+                <a14:useLocalDpi xmlns:a14="http://schemas.microsoft.com/office/drawing/2010/main" val="0"/>
+              </a:ext>
+            </a:extLst>
+          </a:blip>
+          <a:srcRect/>
+          <a:stretch>
+            <a:fillRect/>
+          </a:stretch>
+        </p:blipFill>
+        <p:spPr bwMode="auto">
+          <a:xfrm>
+            <a:off x="1695692" y="2968810"/>
+            <a:ext cx="5535359" cy="3684473"/>
+          </a:xfrm>
+          <a:prstGeom prst="rect">
+            <a:avLst/>
+          </a:prstGeom>
+          <a:noFill/>
+          <a:extLst>
+            <a:ext uri="{909E8E84-426E-40DD-AFC4-6F175D3DCCD1}">
+              <a14:hiddenFill xmlns:a14="http://schemas.microsoft.com/office/drawing/2010/main">
+                <a:solidFill>
+                  <a:srgbClr val="FFFFFF"/>
+                </a:solidFill>
+              </a14:hiddenFill>
+            </a:ext>
+          </a:extLst>
+        </p:spPr>
+      </p:pic>
+      <p:pic>
+        <p:nvPicPr>
+          <p:cNvPr id="8" name="Picture 7" descr="Logo&#10;&#10;Description automatically generated">
+            <a:extLst>
+              <a:ext uri="{FF2B5EF4-FFF2-40B4-BE49-F238E27FC236}">
+                <a16:creationId xmlns:a16="http://schemas.microsoft.com/office/drawing/2014/main" id="{97E0F267-87DF-961E-1FAA-47FD4F27A5C6}"/>
+              </a:ext>
+            </a:extLst>
+          </p:cNvPr>
+          <p:cNvPicPr>
+            <a:picLocks noChangeAspect="1"/>
+          </p:cNvPicPr>
+          <p:nvPr/>
+        </p:nvPicPr>
+        <p:blipFill>
+          <a:blip r:embed="rId4" cstate="print">
+            <a:extLst>
+              <a:ext uri="{28A0092B-C50C-407E-A947-70E740481C1C}">
+                <a14:useLocalDpi xmlns:a14="http://schemas.microsoft.com/office/drawing/2010/main" val="0"/>
+              </a:ext>
+            </a:extLst>
+          </a:blip>
+          <a:stretch>
+            <a:fillRect/>
+          </a:stretch>
+        </p:blipFill>
+        <p:spPr>
+          <a:xfrm>
+            <a:off x="7683691" y="6002696"/>
+            <a:ext cx="7448309" cy="5462681"/>
+          </a:xfrm>
+          <a:prstGeom prst="rect">
+            <a:avLst/>
+          </a:prstGeom>
+        </p:spPr>
+      </p:pic>
+      <p:pic>
+        <p:nvPicPr>
+          <p:cNvPr id="1026" name="Picture 2" descr="Excel MVP Led Training - The Best Way to Learn Excel.">
+            <a:extLst>
+              <a:ext uri="{FF2B5EF4-FFF2-40B4-BE49-F238E27FC236}">
+                <a16:creationId xmlns:a16="http://schemas.microsoft.com/office/drawing/2014/main" id="{2A1CA193-2FA9-8F81-F4B7-A7434CB374E4}"/>
+              </a:ext>
+            </a:extLst>
+          </p:cNvPr>
+          <p:cNvPicPr>
+            <a:picLocks noChangeAspect="1" noChangeArrowheads="1"/>
+          </p:cNvPicPr>
+          <p:nvPr/>
+        </p:nvPicPr>
+        <p:blipFill>
+          <a:blip r:embed="rId5">
+            <a:extLst>
+              <a:ext uri="{28A0092B-C50C-407E-A947-70E740481C1C}">
+                <a14:useLocalDpi xmlns:a14="http://schemas.microsoft.com/office/drawing/2010/main" val="0"/>
+              </a:ext>
+            </a:extLst>
+          </a:blip>
+          <a:srcRect/>
+          <a:stretch>
+            <a:fillRect/>
+          </a:stretch>
+        </p:blipFill>
+        <p:spPr bwMode="auto">
+          <a:xfrm>
+            <a:off x="884382" y="7148640"/>
+            <a:ext cx="6799308" cy="2743263"/>
+          </a:xfrm>
+          <a:prstGeom prst="rect">
+            <a:avLst/>
+          </a:prstGeom>
+          <a:noFill/>
+          <a:extLst>
+            <a:ext uri="{909E8E84-426E-40DD-AFC4-6F175D3DCCD1}">
+              <a14:hiddenFill xmlns:a14="http://schemas.microsoft.com/office/drawing/2010/main">
+                <a:solidFill>
+                  <a:srgbClr val="FFFFFF"/>
+                </a:solidFill>
+              </a14:hiddenFill>
+            </a:ext>
+          </a:extLst>
+        </p:spPr>
+      </p:pic>
+    </p:spTree>
+    <p:extLst>
+      <p:ext uri="{BB962C8B-B14F-4D97-AF65-F5344CB8AC3E}">
+        <p14:creationId xmlns:p14="http://schemas.microsoft.com/office/powerpoint/2010/main" val="166785523"/>
+      </p:ext>
+    </p:extLst>
+  </p:cSld>
+  <p:clrMapOvr>
+    <a:masterClrMapping/>
+  </p:clrMapOvr>
+</p:sld>
+</file>
+
+<file path=ppt/slides/slide3.xml><?xml version="1.0" encoding="utf-8"?>
+<p:sld xmlns:a="http://schemas.openxmlformats.org/drawingml/2006/main" xmlns:r="http://schemas.openxmlformats.org/officeDocument/2006/relationships" xmlns:p="http://schemas.openxmlformats.org/presentationml/2006/main">
+  <p:cSld>
+    <p:spTree>
+      <p:nvGrpSpPr>
+        <p:cNvPr id="1" name=""/>
+        <p:cNvGrpSpPr/>
+        <p:nvPr/>
+      </p:nvGrpSpPr>
+      <p:grpSpPr>
+        <a:xfrm>
+          <a:off x="0" y="0"/>
+          <a:ext cx="0" cy="0"/>
+          <a:chOff x="0" y="0"/>
+          <a:chExt cx="0" cy="0"/>
+        </a:xfrm>
+      </p:grpSpPr>
+      <p:grpSp>
+        <p:nvGrpSpPr>
+          <p:cNvPr id="2" name="Group 2"/>
+          <p:cNvGrpSpPr/>
+          <p:nvPr/>
+        </p:nvGrpSpPr>
+        <p:grpSpPr>
+          <a:xfrm rot="-5400000">
+            <a:off x="10728361" y="2727361"/>
+            <a:ext cx="7565692" cy="7553587"/>
+            <a:chOff x="0" y="0"/>
+            <a:chExt cx="6350000" cy="6339840"/>
+          </a:xfrm>
+        </p:grpSpPr>
+        <p:sp>
+          <p:nvSpPr>
+            <p:cNvPr id="3" name="Freeform 3"/>
+            <p:cNvSpPr/>
+            <p:nvPr/>
+          </p:nvSpPr>
+          <p:spPr>
+            <a:xfrm>
+              <a:off x="0" y="0"/>
+              <a:ext cx="6350000" cy="6339840"/>
+            </a:xfrm>
+            <a:custGeom>
+              <a:avLst/>
+              <a:gdLst/>
+              <a:ahLst/>
+              <a:cxnLst/>
+              <a:rect l="l" t="t" r="r" b="b"/>
+              <a:pathLst>
+                <a:path w="6350000" h="6339840">
+                  <a:moveTo>
+                    <a:pt x="6350000" y="6339840"/>
+                  </a:moveTo>
+                  <a:lnTo>
+                    <a:pt x="0" y="6339840"/>
+                  </a:lnTo>
+                  <a:lnTo>
+                    <a:pt x="0" y="0"/>
+                  </a:lnTo>
+                  <a:close/>
+                </a:path>
+              </a:pathLst>
+            </a:custGeom>
+            <a:solidFill>
+              <a:srgbClr val="CF3338"/>
+            </a:solidFill>
+          </p:spPr>
+          <p:txBody>
+            <a:bodyPr/>
+            <a:lstStyle/>
+            <a:p>
+              <a:endParaRPr lang="en-US"/>
+            </a:p>
+          </p:txBody>
+        </p:sp>
+      </p:grpSp>
+      <p:grpSp>
+        <p:nvGrpSpPr>
+          <p:cNvPr id="4" name="Group 4"/>
+          <p:cNvGrpSpPr/>
+          <p:nvPr/>
+        </p:nvGrpSpPr>
+        <p:grpSpPr>
+          <a:xfrm rot="-10800000">
+            <a:off x="15566406" y="5573199"/>
+            <a:ext cx="5443189" cy="4713801"/>
+            <a:chOff x="0" y="0"/>
+            <a:chExt cx="6350000" cy="5499100"/>
+          </a:xfrm>
+        </p:grpSpPr>
+        <p:sp>
+          <p:nvSpPr>
+            <p:cNvPr id="5" name="Freeform 5"/>
+            <p:cNvSpPr/>
+            <p:nvPr/>
+          </p:nvSpPr>
+          <p:spPr>
+            <a:xfrm>
+              <a:off x="0" y="0"/>
+              <a:ext cx="6350000" cy="5499100"/>
+            </a:xfrm>
+            <a:custGeom>
+              <a:avLst/>
+              <a:gdLst/>
+              <a:ahLst/>
+              <a:cxnLst/>
+              <a:rect l="l" t="t" r="r" b="b"/>
+              <a:pathLst>
+                <a:path w="6350000" h="5499100">
+                  <a:moveTo>
+                    <a:pt x="0" y="5499100"/>
+                  </a:moveTo>
+                  <a:lnTo>
+                    <a:pt x="3175000" y="0"/>
+                  </a:lnTo>
+                  <a:lnTo>
+                    <a:pt x="6350000" y="5499100"/>
+                  </a:lnTo>
+                  <a:close/>
+                </a:path>
+              </a:pathLst>
+            </a:custGeom>
+            <a:solidFill>
+              <a:srgbClr val="3D3935"/>
+            </a:solidFill>
+          </p:spPr>
+          <p:txBody>
+            <a:bodyPr/>
+            <a:lstStyle/>
+            <a:p>
+              <a:endParaRPr lang="en-US"/>
+            </a:p>
+          </p:txBody>
+        </p:sp>
+      </p:grpSp>
+      <p:sp>
+        <p:nvSpPr>
+          <p:cNvPr id="6" name="AutoShape 6"/>
+          <p:cNvSpPr/>
+          <p:nvPr/>
+        </p:nvSpPr>
+        <p:spPr>
+          <a:xfrm>
+            <a:off x="9144000" y="2143604"/>
+            <a:ext cx="9466400" cy="56192"/>
+          </a:xfrm>
+          <a:prstGeom prst="rect">
+            <a:avLst/>
+          </a:prstGeom>
+          <a:solidFill>
+            <a:srgbClr val="000000"/>
+          </a:solidFill>
+        </p:spPr>
+        <p:txBody>
+          <a:bodyPr/>
+          <a:lstStyle/>
+          <a:p>
+            <a:endParaRPr lang="en-US"/>
+          </a:p>
+        </p:txBody>
+      </p:sp>
+      <p:pic>
+        <p:nvPicPr>
+          <p:cNvPr id="7" name="Picture 7"/>
+          <p:cNvPicPr>
+            <a:picLocks noChangeAspect="1"/>
+          </p:cNvPicPr>
+          <p:nvPr/>
+        </p:nvPicPr>
+        <p:blipFill>
+          <a:blip r:embed="rId3"/>
+          <a:srcRect/>
+          <a:stretch>
+            <a:fillRect/>
+          </a:stretch>
+        </p:blipFill>
+        <p:spPr>
+          <a:xfrm>
+            <a:off x="16100583" y="9258300"/>
+            <a:ext cx="2005783" cy="1470490"/>
+          </a:xfrm>
+          <a:prstGeom prst="rect">
+            <a:avLst/>
+          </a:prstGeom>
+        </p:spPr>
+      </p:pic>
+      <p:sp>
+        <p:nvSpPr>
+          <p:cNvPr id="8" name="TextBox 8"/>
+          <p:cNvSpPr txBox="1"/>
+          <p:nvPr/>
+        </p:nvSpPr>
+        <p:spPr>
+          <a:xfrm>
+            <a:off x="1028700" y="1028700"/>
+            <a:ext cx="7567947" cy="1154162"/>
+          </a:xfrm>
+          <a:prstGeom prst="rect">
+            <a:avLst/>
+          </a:prstGeom>
+        </p:spPr>
+        <p:txBody>
+          <a:bodyPr lIns="0" tIns="0" rIns="0" bIns="0" rtlCol="0" anchor="t">
+            <a:spAutoFit/>
+          </a:bodyPr>
+          <a:lstStyle/>
+          <a:p>
+            <a:pPr>
+              <a:lnSpc>
+                <a:spcPts val="9000"/>
+              </a:lnSpc>
+            </a:pPr>
+            <a:r>
+              <a:rPr lang="en-US" sz="7500" spc="375" dirty="0">
+                <a:solidFill>
+                  <a:srgbClr val="000000"/>
+                </a:solidFill>
+                <a:latin typeface="League Spartan Bold"/>
+              </a:rPr>
+              <a:t>OBJECTIVES</a:t>
+            </a:r>
+          </a:p>
+        </p:txBody>
+      </p:sp>
+      <p:sp>
+        <p:nvSpPr>
+          <p:cNvPr id="9" name="TextBox 9"/>
+          <p:cNvSpPr txBox="1"/>
+          <p:nvPr/>
+        </p:nvSpPr>
+        <p:spPr>
+          <a:xfrm rot="-5400000">
+            <a:off x="-1278255" y="6391149"/>
+            <a:ext cx="5334001" cy="400302"/>
+          </a:xfrm>
+          <a:prstGeom prst="rect">
+            <a:avLst/>
+          </a:prstGeom>
+        </p:spPr>
+        <p:txBody>
+          <a:bodyPr wrap="square" lIns="0" tIns="0" rIns="0" bIns="0" rtlCol="0" anchor="t">
+            <a:spAutoFit/>
+          </a:bodyPr>
+          <a:lstStyle/>
+          <a:p>
+            <a:pPr>
+              <a:lnSpc>
+                <a:spcPts val="3359"/>
+              </a:lnSpc>
+            </a:pPr>
+            <a:r>
+              <a:rPr lang="en-US" sz="2400" spc="192" dirty="0">
+                <a:solidFill>
+                  <a:srgbClr val="000000"/>
+                </a:solidFill>
+                <a:latin typeface="Gidole"/>
+              </a:rPr>
+              <a:t>Analytics in Modern Excel</a:t>
+            </a:r>
+          </a:p>
+        </p:txBody>
+      </p:sp>
+      <p:sp>
+        <p:nvSpPr>
+          <p:cNvPr id="10" name="TextBox 10"/>
+          <p:cNvSpPr txBox="1"/>
+          <p:nvPr/>
+        </p:nvSpPr>
+        <p:spPr>
+          <a:xfrm>
+            <a:off x="2819400" y="2400300"/>
+            <a:ext cx="9243139" cy="3868303"/>
+          </a:xfrm>
+          <a:prstGeom prst="rect">
+            <a:avLst/>
+          </a:prstGeom>
+        </p:spPr>
+        <p:txBody>
+          <a:bodyPr wrap="square" lIns="0" tIns="0" rIns="0" bIns="0" rtlCol="0" anchor="t">
+            <a:spAutoFit/>
+          </a:bodyPr>
+          <a:lstStyle/>
+          <a:p>
+            <a:pPr marL="457200" indent="-457200">
+              <a:lnSpc>
+                <a:spcPts val="3750"/>
+              </a:lnSpc>
+              <a:buFont typeface="Arial" panose="020B0604020202020204" pitchFamily="34" charset="0"/>
+              <a:buChar char="•"/>
+            </a:pPr>
+            <a:r>
+              <a:rPr lang="en-US" sz="3000" spc="30" dirty="0">
+                <a:solidFill>
+                  <a:srgbClr val="000000"/>
+                </a:solidFill>
+                <a:latin typeface="Gidole"/>
+              </a:rPr>
+              <a:t>Make first impressions with the data using Power Query profiling</a:t>
+            </a:r>
+            <a:br>
+              <a:rPr lang="en-US" sz="3000" spc="30" dirty="0">
+                <a:solidFill>
+                  <a:srgbClr val="000000"/>
+                </a:solidFill>
+                <a:latin typeface="Gidole"/>
+              </a:rPr>
+            </a:br>
+            <a:endParaRPr lang="en-US" sz="3000" spc="30" dirty="0">
+              <a:solidFill>
+                <a:srgbClr val="000000"/>
+              </a:solidFill>
+              <a:latin typeface="Gidole"/>
+            </a:endParaRPr>
+          </a:p>
+          <a:p>
+            <a:pPr marL="457200" indent="-457200">
+              <a:lnSpc>
+                <a:spcPts val="3750"/>
+              </a:lnSpc>
+              <a:buFont typeface="Arial" panose="020B0604020202020204" pitchFamily="34" charset="0"/>
+              <a:buChar char="•"/>
+            </a:pPr>
+            <a:r>
+              <a:rPr lang="en-US" sz="3000" spc="30" dirty="0">
+                <a:solidFill>
+                  <a:srgbClr val="000000"/>
+                </a:solidFill>
+                <a:latin typeface="Gidole"/>
+              </a:rPr>
+              <a:t>Conduct ad-hoc analysis with PivotTables</a:t>
+            </a:r>
+            <a:br>
+              <a:rPr lang="en-US" sz="3000" spc="30" dirty="0">
+                <a:solidFill>
+                  <a:srgbClr val="000000"/>
+                </a:solidFill>
+                <a:latin typeface="Gidole"/>
+              </a:rPr>
+            </a:br>
+            <a:endParaRPr lang="en-US" sz="3000" spc="30" dirty="0">
+              <a:solidFill>
+                <a:srgbClr val="000000"/>
+              </a:solidFill>
+              <a:latin typeface="Gidole"/>
+            </a:endParaRPr>
+          </a:p>
+          <a:p>
+            <a:pPr marL="457200" indent="-457200">
+              <a:lnSpc>
+                <a:spcPts val="3750"/>
+              </a:lnSpc>
+              <a:buFont typeface="Arial" panose="020B0604020202020204" pitchFamily="34" charset="0"/>
+              <a:buChar char="•"/>
+            </a:pPr>
+            <a:r>
+              <a:rPr lang="en-US" sz="3000" spc="30" dirty="0">
+                <a:solidFill>
+                  <a:srgbClr val="000000"/>
+                </a:solidFill>
+                <a:latin typeface="Gidole"/>
+              </a:rPr>
+              <a:t>Pull data fast with dynamic array functions</a:t>
+            </a:r>
+            <a:br>
+              <a:rPr lang="en-US" sz="3000" spc="30" dirty="0">
+                <a:solidFill>
+                  <a:srgbClr val="000000"/>
+                </a:solidFill>
+                <a:latin typeface="Gidole"/>
+              </a:rPr>
+            </a:br>
+            <a:endParaRPr lang="en-US" sz="3000" spc="30" dirty="0">
+              <a:solidFill>
+                <a:srgbClr val="000000"/>
+              </a:solidFill>
+              <a:latin typeface="Gidole"/>
+            </a:endParaRPr>
+          </a:p>
+          <a:p>
+            <a:pPr marL="457200" indent="-457200">
+              <a:lnSpc>
+                <a:spcPts val="3750"/>
+              </a:lnSpc>
+              <a:buFont typeface="Arial" panose="020B0604020202020204" pitchFamily="34" charset="0"/>
+              <a:buChar char="•"/>
+            </a:pPr>
+            <a:r>
+              <a:rPr lang="en-US" sz="3000" spc="30" dirty="0">
+                <a:solidFill>
+                  <a:srgbClr val="000000"/>
+                </a:solidFill>
+                <a:latin typeface="Gidole"/>
+              </a:rPr>
+              <a:t>Prepare for AI-Powered Excel</a:t>
+            </a:r>
+          </a:p>
+        </p:txBody>
+      </p:sp>
+    </p:spTree>
+    <p:extLst>
+      <p:ext uri="{BB962C8B-B14F-4D97-AF65-F5344CB8AC3E}">
+        <p14:creationId xmlns:p14="http://schemas.microsoft.com/office/powerpoint/2010/main" val="3353069847"/>
+      </p:ext>
+    </p:extLst>
+  </p:cSld>
+  <p:clrMapOvr>
+    <a:masterClrMapping/>
+  </p:clrMapOvr>
+</p:sld>
+</file>
+
+<file path=ppt/slides/slide4.xml><?xml version="1.0" encoding="utf-8"?>
+<p:sld xmlns:a="http://schemas.openxmlformats.org/drawingml/2006/main" xmlns:r="http://schemas.openxmlformats.org/officeDocument/2006/relationships" xmlns:p="http://schemas.openxmlformats.org/presentationml/2006/main">
+  <p:cSld>
+    <p:spTree>
+      <p:nvGrpSpPr>
+        <p:cNvPr id="1" name=""/>
+        <p:cNvGrpSpPr/>
+        <p:nvPr/>
+      </p:nvGrpSpPr>
+      <p:grpSpPr>
+        <a:xfrm>
+          <a:off x="0" y="0"/>
+          <a:ext cx="0" cy="0"/>
+          <a:chOff x="0" y="0"/>
+          <a:chExt cx="0" cy="0"/>
+        </a:xfrm>
+      </p:grpSpPr>
+      <p:grpSp>
+        <p:nvGrpSpPr>
+          <p:cNvPr id="2" name="Group 2"/>
+          <p:cNvGrpSpPr/>
+          <p:nvPr/>
+        </p:nvGrpSpPr>
+        <p:grpSpPr>
+          <a:xfrm rot="-5400000">
+            <a:off x="10728361" y="2727361"/>
+            <a:ext cx="7565692" cy="7553587"/>
+            <a:chOff x="0" y="0"/>
+            <a:chExt cx="6350000" cy="6339840"/>
+          </a:xfrm>
+        </p:grpSpPr>
+        <p:sp>
+          <p:nvSpPr>
+            <p:cNvPr id="3" name="Freeform 3"/>
+            <p:cNvSpPr/>
+            <p:nvPr/>
+          </p:nvSpPr>
+          <p:spPr>
+            <a:xfrm>
+              <a:off x="0" y="0"/>
+              <a:ext cx="6350000" cy="6339840"/>
+            </a:xfrm>
+            <a:custGeom>
+              <a:avLst/>
+              <a:gdLst/>
+              <a:ahLst/>
+              <a:cxnLst/>
+              <a:rect l="l" t="t" r="r" b="b"/>
+              <a:pathLst>
+                <a:path w="6350000" h="6339840">
+                  <a:moveTo>
+                    <a:pt x="6350000" y="6339840"/>
+                  </a:moveTo>
+                  <a:lnTo>
+                    <a:pt x="0" y="6339840"/>
+                  </a:lnTo>
+                  <a:lnTo>
+                    <a:pt x="0" y="0"/>
+                  </a:lnTo>
+                  <a:close/>
+                </a:path>
+              </a:pathLst>
+            </a:custGeom>
+            <a:solidFill>
+              <a:srgbClr val="CF3338"/>
+            </a:solidFill>
+          </p:spPr>
+          <p:txBody>
+            <a:bodyPr/>
+            <a:lstStyle/>
+            <a:p>
+              <a:endParaRPr lang="en-US"/>
+            </a:p>
+          </p:txBody>
+        </p:sp>
+      </p:grpSp>
+      <p:grpSp>
+        <p:nvGrpSpPr>
+          <p:cNvPr id="4" name="Group 4"/>
+          <p:cNvGrpSpPr/>
+          <p:nvPr/>
+        </p:nvGrpSpPr>
+        <p:grpSpPr>
+          <a:xfrm rot="-10800000">
+            <a:off x="15566406" y="5573199"/>
+            <a:ext cx="5443189" cy="4713801"/>
+            <a:chOff x="0" y="0"/>
+            <a:chExt cx="6350000" cy="5499100"/>
+          </a:xfrm>
+        </p:grpSpPr>
+        <p:sp>
+          <p:nvSpPr>
+            <p:cNvPr id="5" name="Freeform 5"/>
+            <p:cNvSpPr/>
+            <p:nvPr/>
+          </p:nvSpPr>
+          <p:spPr>
+            <a:xfrm>
+              <a:off x="0" y="0"/>
+              <a:ext cx="6350000" cy="5499100"/>
+            </a:xfrm>
+            <a:custGeom>
+              <a:avLst/>
+              <a:gdLst/>
+              <a:ahLst/>
+              <a:cxnLst/>
+              <a:rect l="l" t="t" r="r" b="b"/>
+              <a:pathLst>
+                <a:path w="6350000" h="5499100">
+                  <a:moveTo>
+                    <a:pt x="0" y="5499100"/>
+                  </a:moveTo>
+                  <a:lnTo>
+                    <a:pt x="3175000" y="0"/>
+                  </a:lnTo>
+                  <a:lnTo>
+                    <a:pt x="6350000" y="5499100"/>
+                  </a:lnTo>
+                  <a:close/>
+                </a:path>
+              </a:pathLst>
+            </a:custGeom>
+            <a:solidFill>
+              <a:srgbClr val="3D3935"/>
+            </a:solidFill>
+          </p:spPr>
+          <p:txBody>
+            <a:bodyPr/>
+            <a:lstStyle/>
+            <a:p>
+              <a:endParaRPr lang="en-US"/>
+            </a:p>
+          </p:txBody>
+        </p:sp>
+      </p:grpSp>
+      <p:sp>
+        <p:nvSpPr>
+          <p:cNvPr id="6" name="AutoShape 6"/>
+          <p:cNvSpPr/>
+          <p:nvPr/>
+        </p:nvSpPr>
+        <p:spPr>
+          <a:xfrm>
+            <a:off x="9144000" y="2143604"/>
+            <a:ext cx="9466400" cy="56192"/>
+          </a:xfrm>
+          <a:prstGeom prst="rect">
+            <a:avLst/>
+          </a:prstGeom>
+          <a:solidFill>
+            <a:srgbClr val="000000"/>
+          </a:solidFill>
+        </p:spPr>
+        <p:txBody>
+          <a:bodyPr/>
+          <a:lstStyle/>
+          <a:p>
+            <a:endParaRPr lang="en-US"/>
+          </a:p>
+        </p:txBody>
+      </p:sp>
+      <p:pic>
+        <p:nvPicPr>
+          <p:cNvPr id="7" name="Picture 7"/>
+          <p:cNvPicPr>
+            <a:picLocks noChangeAspect="1"/>
+          </p:cNvPicPr>
+          <p:nvPr/>
+        </p:nvPicPr>
+        <p:blipFill>
+          <a:blip r:embed="rId3"/>
+          <a:srcRect/>
+          <a:stretch>
+            <a:fillRect/>
+          </a:stretch>
+        </p:blipFill>
+        <p:spPr>
+          <a:xfrm>
+            <a:off x="16100583" y="9258300"/>
+            <a:ext cx="2005783" cy="1470490"/>
+          </a:xfrm>
+          <a:prstGeom prst="rect">
+            <a:avLst/>
+          </a:prstGeom>
+        </p:spPr>
+      </p:pic>
+      <p:sp>
+        <p:nvSpPr>
+          <p:cNvPr id="8" name="TextBox 8"/>
+          <p:cNvSpPr txBox="1"/>
+          <p:nvPr/>
+        </p:nvSpPr>
+        <p:spPr>
+          <a:xfrm>
+            <a:off x="1028700" y="1028700"/>
+            <a:ext cx="7567947" cy="2308324"/>
+          </a:xfrm>
+          <a:prstGeom prst="rect">
+            <a:avLst/>
+          </a:prstGeom>
+        </p:spPr>
+        <p:txBody>
+          <a:bodyPr lIns="0" tIns="0" rIns="0" bIns="0" rtlCol="0" anchor="t">
+            <a:spAutoFit/>
+          </a:bodyPr>
+          <a:lstStyle/>
+          <a:p>
+            <a:pPr>
+              <a:lnSpc>
+                <a:spcPts val="9000"/>
+              </a:lnSpc>
+            </a:pPr>
+            <a:r>
+              <a:rPr lang="en-US" sz="7500" spc="375" dirty="0">
+                <a:solidFill>
+                  <a:srgbClr val="000000"/>
+                </a:solidFill>
+                <a:latin typeface="League Spartan Bold"/>
+              </a:rPr>
+              <a:t>FOLLOWING ALONG</a:t>
+            </a:r>
+          </a:p>
+        </p:txBody>
+      </p:sp>
+      <p:sp>
+        <p:nvSpPr>
+          <p:cNvPr id="9" name="TextBox 9"/>
+          <p:cNvSpPr txBox="1"/>
+          <p:nvPr/>
+        </p:nvSpPr>
+        <p:spPr>
+          <a:xfrm rot="-5400000">
+            <a:off x="-1476249" y="6848349"/>
+            <a:ext cx="4419601" cy="400302"/>
+          </a:xfrm>
+          <a:prstGeom prst="rect">
+            <a:avLst/>
+          </a:prstGeom>
+        </p:spPr>
+        <p:txBody>
+          <a:bodyPr wrap="square" lIns="0" tIns="0" rIns="0" bIns="0" rtlCol="0" anchor="t">
+            <a:spAutoFit/>
+          </a:bodyPr>
+          <a:lstStyle/>
+          <a:p>
+            <a:pPr>
+              <a:lnSpc>
+                <a:spcPts val="3359"/>
+              </a:lnSpc>
+            </a:pPr>
+            <a:r>
+              <a:rPr lang="en-US" sz="2400" spc="192" dirty="0">
+                <a:solidFill>
+                  <a:srgbClr val="000000"/>
+                </a:solidFill>
+                <a:latin typeface="Gidole"/>
+              </a:rPr>
+              <a:t>Analytics in Modern Excel</a:t>
+            </a:r>
+          </a:p>
+        </p:txBody>
+      </p:sp>
+      <p:sp>
+        <p:nvSpPr>
+          <p:cNvPr id="10" name="TextBox 10"/>
+          <p:cNvSpPr txBox="1"/>
+          <p:nvPr/>
+        </p:nvSpPr>
+        <p:spPr>
+          <a:xfrm>
+            <a:off x="2112470" y="3337024"/>
+            <a:ext cx="12594129" cy="2246769"/>
+          </a:xfrm>
+          <a:prstGeom prst="rect">
+            <a:avLst/>
+          </a:prstGeom>
+        </p:spPr>
+        <p:txBody>
+          <a:bodyPr wrap="square" lIns="0" tIns="0" rIns="0" bIns="0" rtlCol="0" anchor="t">
+            <a:spAutoFit/>
+          </a:bodyPr>
+          <a:lstStyle/>
+          <a:p>
+            <a:r>
+              <a:rPr lang="en-US" sz="6600" spc="30" dirty="0">
+                <a:solidFill>
+                  <a:srgbClr val="000000"/>
+                </a:solidFill>
+                <a:latin typeface="Gidole"/>
+              </a:rPr>
+              <a:t>Download resources:</a:t>
+            </a:r>
+          </a:p>
+          <a:p>
+            <a:r>
+              <a:rPr lang="en-US" sz="8000" spc="30" dirty="0">
+                <a:solidFill>
+                  <a:srgbClr val="000000"/>
+                </a:solidFill>
+                <a:latin typeface="Gidole"/>
+                <a:hlinkClick r:id="rId4"/>
+              </a:rPr>
+              <a:t>https://swiy.co/I7aT</a:t>
+            </a:r>
+            <a:r>
+              <a:rPr lang="en-US" sz="8000" spc="30" dirty="0">
+                <a:solidFill>
+                  <a:srgbClr val="000000"/>
+                </a:solidFill>
+                <a:latin typeface="Gidole"/>
+              </a:rPr>
+              <a:t>  </a:t>
+            </a:r>
+            <a:endParaRPr lang="en-US" sz="6000" spc="30" dirty="0">
+              <a:solidFill>
+                <a:srgbClr val="000000"/>
+              </a:solidFill>
+              <a:latin typeface="Gidole"/>
+            </a:endParaRPr>
+          </a:p>
+        </p:txBody>
+      </p:sp>
+    </p:spTree>
+    <p:extLst>
+      <p:ext uri="{BB962C8B-B14F-4D97-AF65-F5344CB8AC3E}">
+        <p14:creationId xmlns:p14="http://schemas.microsoft.com/office/powerpoint/2010/main" val="3926009965"/>
+      </p:ext>
+    </p:extLst>
+  </p:cSld>
+  <p:clrMapOvr>
+    <a:masterClrMapping/>
+  </p:clrMapOvr>
+</p:sld>
+</file>
+
+<file path=ppt/slides/slide5.xml><?xml version="1.0" encoding="utf-8"?>
+<p:sld xmlns:a="http://schemas.openxmlformats.org/drawingml/2006/main" xmlns:r="http://schemas.openxmlformats.org/officeDocument/2006/relationships" xmlns:p="http://schemas.openxmlformats.org/presentationml/2006/main">
+  <p:cSld>
+    <p:spTree>
+      <p:nvGrpSpPr>
+        <p:cNvPr id="1" name=""/>
+        <p:cNvGrpSpPr/>
+        <p:nvPr/>
+      </p:nvGrpSpPr>
+      <p:grpSpPr>
+        <a:xfrm>
+          <a:off x="0" y="0"/>
+          <a:ext cx="0" cy="0"/>
+          <a:chOff x="0" y="0"/>
+          <a:chExt cx="0" cy="0"/>
+        </a:xfrm>
+      </p:grpSpPr>
+      <p:pic>
+        <p:nvPicPr>
+          <p:cNvPr id="8" name="Picture 8"/>
+          <p:cNvPicPr>
+            <a:picLocks noChangeAspect="1"/>
+          </p:cNvPicPr>
+          <p:nvPr/>
+        </p:nvPicPr>
+        <p:blipFill>
+          <a:blip r:embed="rId3"/>
+          <a:srcRect/>
+          <a:stretch>
+            <a:fillRect/>
+          </a:stretch>
+        </p:blipFill>
+        <p:spPr>
+          <a:xfrm>
+            <a:off x="16459200" y="-99077"/>
+            <a:ext cx="2005783" cy="1470490"/>
+          </a:xfrm>
+          <a:prstGeom prst="rect">
+            <a:avLst/>
+          </a:prstGeom>
+        </p:spPr>
+      </p:pic>
+      <p:sp>
+        <p:nvSpPr>
+          <p:cNvPr id="9" name="TextBox 9"/>
+          <p:cNvSpPr txBox="1"/>
+          <p:nvPr/>
+        </p:nvSpPr>
+        <p:spPr>
+          <a:xfrm>
+            <a:off x="838200" y="617118"/>
+            <a:ext cx="15631206" cy="1209818"/>
+          </a:xfrm>
+          <a:prstGeom prst="rect">
+            <a:avLst/>
+          </a:prstGeom>
+        </p:spPr>
+        <p:txBody>
+          <a:bodyPr wrap="square" lIns="0" tIns="0" rIns="0" bIns="0" rtlCol="0" anchor="t">
+            <a:spAutoFit/>
+          </a:bodyPr>
+          <a:lstStyle/>
+          <a:p>
+            <a:pPr>
+              <a:lnSpc>
+                <a:spcPts val="10080"/>
+              </a:lnSpc>
+              <a:spcBef>
+                <a:spcPct val="0"/>
+              </a:spcBef>
+            </a:pPr>
+            <a:r>
+              <a:rPr lang="en-US" sz="7200" dirty="0">
+                <a:solidFill>
+                  <a:srgbClr val="000000"/>
+                </a:solidFill>
+                <a:latin typeface="Open Sans Extra Bold"/>
+              </a:rPr>
+              <a:t>QUESTIONS?</a:t>
+            </a:r>
+          </a:p>
+        </p:txBody>
+      </p:sp>
+      <p:pic>
+        <p:nvPicPr>
+          <p:cNvPr id="5" name="Picture 6">
+            <a:extLst>
+              <a:ext uri="{FF2B5EF4-FFF2-40B4-BE49-F238E27FC236}">
+                <a16:creationId xmlns:a16="http://schemas.microsoft.com/office/drawing/2014/main" id="{01C401A0-8EBC-47CA-B2DE-F204DE6EEF54}"/>
+              </a:ext>
+            </a:extLst>
+          </p:cNvPr>
+          <p:cNvPicPr>
+            <a:picLocks noChangeAspect="1"/>
+          </p:cNvPicPr>
+          <p:nvPr/>
+        </p:nvPicPr>
+        <p:blipFill>
+          <a:blip r:embed="rId4"/>
+          <a:srcRect b="44190"/>
+          <a:stretch>
+            <a:fillRect/>
+          </a:stretch>
+        </p:blipFill>
+        <p:spPr>
+          <a:xfrm>
+            <a:off x="16095120" y="9265255"/>
+            <a:ext cx="2013122" cy="823680"/>
+          </a:xfrm>
+          <a:prstGeom prst="rect">
+            <a:avLst/>
+          </a:prstGeom>
+        </p:spPr>
+      </p:pic>
+    </p:spTree>
+    <p:extLst>
+      <p:ext uri="{BB962C8B-B14F-4D97-AF65-F5344CB8AC3E}">
+        <p14:creationId xmlns:p14="http://schemas.microsoft.com/office/powerpoint/2010/main" val="2269851195"/>
+      </p:ext>
+    </p:extLst>
+  </p:cSld>
+  <p:clrMapOvr>
+    <a:masterClrMapping/>
+  </p:clrMapOvr>
+</p:sld>
+</file>
+
+<file path=ppt/slides/slide6.xml><?xml version="1.0" encoding="utf-8"?>
+<p:sld xmlns:a="http://schemas.openxmlformats.org/drawingml/2006/main" xmlns:r="http://schemas.openxmlformats.org/officeDocument/2006/relationships" xmlns:p="http://schemas.openxmlformats.org/presentationml/2006/main">
+  <p:cSld>
+    <p:spTree>
+      <p:nvGrpSpPr>
+        <p:cNvPr id="1" name=""/>
+        <p:cNvGrpSpPr/>
+        <p:nvPr/>
+      </p:nvGrpSpPr>
+      <p:grpSpPr>
+        <a:xfrm>
+          <a:off x="0" y="0"/>
+          <a:ext cx="0" cy="0"/>
+          <a:chOff x="0" y="0"/>
+          <a:chExt cx="0" cy="0"/>
+        </a:xfrm>
+      </p:grpSpPr>
+      <p:pic>
+        <p:nvPicPr>
+          <p:cNvPr id="8" name="Picture 8"/>
+          <p:cNvPicPr>
+            <a:picLocks noChangeAspect="1"/>
+          </p:cNvPicPr>
+          <p:nvPr/>
+        </p:nvPicPr>
+        <p:blipFill>
+          <a:blip r:embed="rId3"/>
+          <a:srcRect/>
+          <a:stretch>
+            <a:fillRect/>
+          </a:stretch>
+        </p:blipFill>
+        <p:spPr>
+          <a:xfrm>
+            <a:off x="16459200" y="-99077"/>
+            <a:ext cx="2005783" cy="1470490"/>
+          </a:xfrm>
+          <a:prstGeom prst="rect">
+            <a:avLst/>
+          </a:prstGeom>
+        </p:spPr>
+      </p:pic>
+      <p:sp>
+        <p:nvSpPr>
+          <p:cNvPr id="9" name="TextBox 9"/>
+          <p:cNvSpPr txBox="1"/>
+          <p:nvPr/>
+        </p:nvSpPr>
+        <p:spPr>
+          <a:xfrm>
+            <a:off x="838200" y="617118"/>
+            <a:ext cx="15631206" cy="1209818"/>
+          </a:xfrm>
+          <a:prstGeom prst="rect">
+            <a:avLst/>
+          </a:prstGeom>
+        </p:spPr>
+        <p:txBody>
+          <a:bodyPr wrap="square" lIns="0" tIns="0" rIns="0" bIns="0" rtlCol="0" anchor="t">
+            <a:spAutoFit/>
+          </a:bodyPr>
+          <a:lstStyle/>
+          <a:p>
+            <a:pPr>
+              <a:lnSpc>
+                <a:spcPts val="10080"/>
+              </a:lnSpc>
+              <a:spcBef>
+                <a:spcPct val="0"/>
+              </a:spcBef>
+            </a:pPr>
+            <a:r>
+              <a:rPr lang="en-US" sz="7200" dirty="0">
+                <a:solidFill>
+                  <a:srgbClr val="000000"/>
+                </a:solidFill>
+                <a:latin typeface="Open Sans Extra Bold"/>
+              </a:rPr>
+              <a:t>WHAT IS MODERN EXCEL?</a:t>
+            </a:r>
+          </a:p>
+        </p:txBody>
+      </p:sp>
+      <p:pic>
+        <p:nvPicPr>
+          <p:cNvPr id="5" name="Picture 6">
+            <a:extLst>
+              <a:ext uri="{FF2B5EF4-FFF2-40B4-BE49-F238E27FC236}">
+                <a16:creationId xmlns:a16="http://schemas.microsoft.com/office/drawing/2014/main" id="{01C401A0-8EBC-47CA-B2DE-F204DE6EEF54}"/>
+              </a:ext>
+            </a:extLst>
+          </p:cNvPr>
+          <p:cNvPicPr>
+            <a:picLocks noChangeAspect="1"/>
+          </p:cNvPicPr>
+          <p:nvPr/>
+        </p:nvPicPr>
+        <p:blipFill>
+          <a:blip r:embed="rId4"/>
+          <a:srcRect b="44190"/>
+          <a:stretch>
+            <a:fillRect/>
+          </a:stretch>
+        </p:blipFill>
+        <p:spPr>
+          <a:xfrm>
+            <a:off x="16095120" y="9265255"/>
+            <a:ext cx="2013122" cy="823680"/>
+          </a:xfrm>
+          <a:prstGeom prst="rect">
+            <a:avLst/>
+          </a:prstGeom>
+        </p:spPr>
+      </p:pic>
+      <p:sp>
+        <p:nvSpPr>
+          <p:cNvPr id="6" name="TextBox 5">
+            <a:extLst>
+              <a:ext uri="{FF2B5EF4-FFF2-40B4-BE49-F238E27FC236}">
+                <a16:creationId xmlns:a16="http://schemas.microsoft.com/office/drawing/2014/main" id="{B72B56F1-579F-4CEC-BF86-0455EEB5C6F1}"/>
+              </a:ext>
+            </a:extLst>
+          </p:cNvPr>
+          <p:cNvSpPr txBox="1"/>
+          <p:nvPr/>
+        </p:nvSpPr>
+        <p:spPr>
+          <a:xfrm>
+            <a:off x="857250" y="1943100"/>
+            <a:ext cx="6457950" cy="6740307"/>
+          </a:xfrm>
+          <a:prstGeom prst="rect">
+            <a:avLst/>
+          </a:prstGeom>
+          <a:noFill/>
+        </p:spPr>
+        <p:txBody>
+          <a:bodyPr wrap="square" rtlCol="0">
+            <a:spAutoFit/>
+          </a:bodyPr>
+          <a:lstStyle/>
+          <a:p>
+            <a:pPr marL="685800" indent="-685800">
+              <a:buFont typeface="Arial" panose="020B0604020202020204" pitchFamily="34" charset="0"/>
+              <a:buChar char="•"/>
+            </a:pPr>
+            <a:r>
+              <a:rPr lang="en-US" sz="4800" dirty="0">
+                <a:latin typeface="Gidole" panose="02000503000000000000" pitchFamily="2" charset="0"/>
+                <a:ea typeface="Roboto Mono" pitchFamily="2" charset="0"/>
+              </a:rPr>
+              <a:t>Historically:</a:t>
+            </a:r>
+          </a:p>
+          <a:p>
+            <a:pPr marL="1143000" lvl="1" indent="-685800">
+              <a:buFont typeface="Arial" panose="020B0604020202020204" pitchFamily="34" charset="0"/>
+              <a:buChar char="•"/>
+            </a:pPr>
+            <a:r>
+              <a:rPr lang="en-US" sz="4800" dirty="0">
+                <a:latin typeface="Gidole" panose="02000503000000000000" pitchFamily="2" charset="0"/>
+                <a:ea typeface="Roboto Mono" pitchFamily="2" charset="0"/>
+              </a:rPr>
+              <a:t>Power Query</a:t>
+            </a:r>
+          </a:p>
+          <a:p>
+            <a:pPr marL="1143000" lvl="1" indent="-685800">
+              <a:buFont typeface="Arial" panose="020B0604020202020204" pitchFamily="34" charset="0"/>
+              <a:buChar char="•"/>
+            </a:pPr>
+            <a:r>
+              <a:rPr lang="en-US" sz="4800" dirty="0">
+                <a:latin typeface="Gidole" panose="02000503000000000000" pitchFamily="2" charset="0"/>
+                <a:ea typeface="Roboto Mono" pitchFamily="2" charset="0"/>
+              </a:rPr>
+              <a:t>Power Pivot</a:t>
+            </a:r>
+          </a:p>
+          <a:p>
+            <a:pPr marL="1143000" lvl="1" indent="-685800">
+              <a:buFont typeface="Arial" panose="020B0604020202020204" pitchFamily="34" charset="0"/>
+              <a:buChar char="•"/>
+            </a:pPr>
+            <a:r>
+              <a:rPr lang="en-US" sz="4800" strike="sngStrike" dirty="0">
+                <a:latin typeface="Gidole" panose="02000503000000000000" pitchFamily="2" charset="0"/>
+                <a:ea typeface="Roboto Mono" pitchFamily="2" charset="0"/>
+              </a:rPr>
+              <a:t>Power View</a:t>
+            </a:r>
+          </a:p>
+          <a:p>
+            <a:pPr marL="685800" indent="-685800">
+              <a:buFont typeface="Arial" panose="020B0604020202020204" pitchFamily="34" charset="0"/>
+              <a:buChar char="•"/>
+            </a:pPr>
+            <a:r>
+              <a:rPr lang="en-US" sz="4800" dirty="0">
+                <a:latin typeface="Gidole" panose="02000503000000000000" pitchFamily="2" charset="0"/>
+                <a:ea typeface="Roboto Mono" pitchFamily="2" charset="0"/>
+              </a:rPr>
+              <a:t>We’ll substitute</a:t>
+            </a:r>
+          </a:p>
+          <a:p>
+            <a:pPr marL="1143000" lvl="1" indent="-685800">
+              <a:buFont typeface="Arial" panose="020B0604020202020204" pitchFamily="34" charset="0"/>
+              <a:buChar char="•"/>
+            </a:pPr>
+            <a:r>
+              <a:rPr lang="en-US" sz="4800" dirty="0">
+                <a:latin typeface="Gidole" panose="02000503000000000000" pitchFamily="2" charset="0"/>
+                <a:ea typeface="Roboto Mono" pitchFamily="2" charset="0"/>
+              </a:rPr>
+              <a:t>Dynamic array functions</a:t>
+            </a:r>
+          </a:p>
+          <a:p>
+            <a:pPr marL="1143000" lvl="1" indent="-685800">
+              <a:buFont typeface="Arial" panose="020B0604020202020204" pitchFamily="34" charset="0"/>
+              <a:buChar char="•"/>
+            </a:pPr>
+            <a:r>
+              <a:rPr lang="en-US" sz="4800" dirty="0">
+                <a:latin typeface="Gidole" panose="02000503000000000000" pitchFamily="2" charset="0"/>
+                <a:ea typeface="Roboto Mono" pitchFamily="2" charset="0"/>
+              </a:rPr>
+              <a:t>AI-Powered Excel</a:t>
+            </a:r>
+          </a:p>
+          <a:p>
+            <a:pPr marL="1143000" lvl="1" indent="-685800">
+              <a:buFont typeface="Arial" panose="020B0604020202020204" pitchFamily="34" charset="0"/>
+              <a:buChar char="•"/>
+            </a:pPr>
+            <a:endParaRPr lang="en-US" sz="4800" dirty="0">
+              <a:latin typeface="Gidole" panose="02000503000000000000" pitchFamily="2" charset="0"/>
+              <a:ea typeface="Roboto Mono" pitchFamily="2" charset="0"/>
+            </a:endParaRPr>
+          </a:p>
+        </p:txBody>
+      </p:sp>
+      <p:pic>
+        <p:nvPicPr>
+          <p:cNvPr id="1026" name="Picture 2">
+            <a:extLst>
+              <a:ext uri="{FF2B5EF4-FFF2-40B4-BE49-F238E27FC236}">
+                <a16:creationId xmlns:a16="http://schemas.microsoft.com/office/drawing/2014/main" id="{A82EB258-40D7-AE51-E9A9-2F1DC213A8B7}"/>
+              </a:ext>
+            </a:extLst>
+          </p:cNvPr>
+          <p:cNvPicPr>
+            <a:picLocks noChangeAspect="1" noChangeArrowheads="1"/>
+          </p:cNvPicPr>
+          <p:nvPr/>
+        </p:nvPicPr>
+        <p:blipFill>
+          <a:blip r:embed="rId5">
+            <a:extLst>
+              <a:ext uri="{28A0092B-C50C-407E-A947-70E740481C1C}">
+                <a14:useLocalDpi xmlns:a14="http://schemas.microsoft.com/office/drawing/2010/main" val="0"/>
+              </a:ext>
+            </a:extLst>
+          </a:blip>
+          <a:srcRect/>
+          <a:stretch>
+            <a:fillRect/>
+          </a:stretch>
+        </p:blipFill>
+        <p:spPr bwMode="auto">
+          <a:xfrm>
+            <a:off x="7620000" y="2571166"/>
+            <a:ext cx="8168416" cy="6534733"/>
+          </a:xfrm>
+          <a:prstGeom prst="rect">
+            <a:avLst/>
+          </a:prstGeom>
+          <a:noFill/>
+          <a:extLst>
+            <a:ext uri="{909E8E84-426E-40DD-AFC4-6F175D3DCCD1}">
+              <a14:hiddenFill xmlns:a14="http://schemas.microsoft.com/office/drawing/2010/main">
+                <a:solidFill>
+                  <a:srgbClr val="FFFFFF"/>
+                </a:solidFill>
+              </a14:hiddenFill>
+            </a:ext>
+          </a:extLst>
+        </p:spPr>
+      </p:pic>
+    </p:spTree>
+    <p:extLst>
+      <p:ext uri="{BB962C8B-B14F-4D97-AF65-F5344CB8AC3E}">
+        <p14:creationId xmlns:p14="http://schemas.microsoft.com/office/powerpoint/2010/main" val="3460174834"/>
+      </p:ext>
+    </p:extLst>
+  </p:cSld>
+  <p:clrMapOvr>
+    <a:masterClrMapping/>
+  </p:clrMapOvr>
+</p:sld>
+</file>
+
+<file path=ppt/slides/slide7.xml><?xml version="1.0" encoding="utf-8"?>
 <p:sld xmlns:a="http://schemas.openxmlformats.org/drawingml/2006/main" xmlns:r="http://schemas.openxmlformats.org/officeDocument/2006/relationships" xmlns:p="http://schemas.openxmlformats.org/presentationml/2006/main">
   <p:cSld>
     <p:spTree>
@@ -4931,7 +7263,7 @@
         <p:spPr>
           <a:xfrm>
             <a:off x="2110659" y="435320"/>
-            <a:ext cx="15772737" cy="2262286"/>
+            <a:ext cx="15772737" cy="1095300"/>
           </a:xfrm>
           <a:prstGeom prst="rect">
             <a:avLst/>
@@ -4955,7 +7287,7 @@
                 </a:solidFill>
                 <a:latin typeface="League Spartan Italics"/>
               </a:rPr>
-              <a:t>Analyze Data &amp; Preparing for Generative AI</a:t>
+              <a:t>Data prep &amp; profiling with Power Query</a:t>
             </a:r>
           </a:p>
         </p:txBody>
@@ -5000,7 +7332,7 @@
         <p:spPr>
           <a:xfrm>
             <a:off x="228600" y="3848100"/>
-            <a:ext cx="11353800" cy="1200329"/>
+            <a:ext cx="11353800" cy="1754326"/>
           </a:xfrm>
           <a:prstGeom prst="rect">
             <a:avLst/>
@@ -5019,10 +7351,20 @@
             </a:pPr>
             <a:r>
               <a:rPr lang="en-US" sz="3600" dirty="0">
+                <a:latin typeface="Gidole" panose="020B0604020202020204" charset="0"/>
+              </a:rPr>
+              <a:t>File: </a:t>
+            </a:r>
+            <a:r>
+              <a:rPr lang="en-US" sz="3600" dirty="0">
                 <a:latin typeface="Consolas" panose="020B0609020204030204" pitchFamily="49" charset="0"/>
               </a:rPr>
               <a:t>computers.xlsx</a:t>
             </a:r>
+            <a:endParaRPr lang="en-US" sz="3600" dirty="0">
+              <a:latin typeface="Consolas" panose="020B0609020204030204" pitchFamily="49" charset="0"/>
+              <a:ea typeface="Roboto Mono" pitchFamily="2" charset="0"/>
+            </a:endParaRPr>
           </a:p>
           <a:p>
             <a:pPr marL="571500" indent="-571500">
@@ -5032,21 +7374,28 @@
             <a:r>
               <a:rPr lang="en-US" sz="3600" dirty="0">
                 <a:latin typeface="Gidole" panose="020B0604020202020204" charset="0"/>
-                <a:ea typeface="Roboto Mono" pitchFamily="2" charset="0"/>
               </a:rPr>
-              <a:t>Sort, filter and de-duplicate right from the spreadsheet</a:t>
-            </a:r>
-            <a:endParaRPr lang="en-US" sz="3600" dirty="0">
-              <a:latin typeface="Consolas" panose="020B0609020204030204" pitchFamily="49" charset="0"/>
-              <a:ea typeface="Roboto Mono" pitchFamily="2" charset="0"/>
-            </a:endParaRPr>
+              <a:t>Profiling the data for potential issues</a:t>
+            </a:r>
+          </a:p>
+          <a:p>
+            <a:pPr marL="571500" indent="-571500">
+              <a:buFont typeface="Arial" panose="020B0604020202020204" pitchFamily="34" charset="0"/>
+              <a:buChar char="•"/>
+            </a:pPr>
+            <a:r>
+              <a:rPr lang="en-US" sz="3600" dirty="0">
+                <a:latin typeface="Gidole" panose="020B0604020202020204" charset="0"/>
+              </a:rPr>
+              <a:t>Adding an index column for slicing and dicing</a:t>
+            </a:r>
           </a:p>
         </p:txBody>
       </p:sp>
     </p:spTree>
     <p:extLst>
       <p:ext uri="{BB962C8B-B14F-4D97-AF65-F5344CB8AC3E}">
-        <p14:creationId xmlns:p14="http://schemas.microsoft.com/office/powerpoint/2010/main" val="2919264287"/>
+        <p14:creationId xmlns:p14="http://schemas.microsoft.com/office/powerpoint/2010/main" val="3385359437"/>
       </p:ext>
     </p:extLst>
   </p:cSld>
@@ -5056,2397 +7405,7 @@
 </p:sld>
 </file>
 
-<file path=ppt/slides/slide12.xml><?xml version="1.0" encoding="utf-8"?>
-<p:sld xmlns:a="http://schemas.openxmlformats.org/drawingml/2006/main" xmlns:r="http://schemas.openxmlformats.org/officeDocument/2006/relationships" xmlns:p="http://schemas.openxmlformats.org/presentationml/2006/main">
-  <p:cSld>
-    <p:spTree>
-      <p:nvGrpSpPr>
-        <p:cNvPr id="1" name=""/>
-        <p:cNvGrpSpPr/>
-        <p:nvPr/>
-      </p:nvGrpSpPr>
-      <p:grpSpPr>
-        <a:xfrm>
-          <a:off x="0" y="0"/>
-          <a:ext cx="0" cy="0"/>
-          <a:chOff x="0" y="0"/>
-          <a:chExt cx="0" cy="0"/>
-        </a:xfrm>
-      </p:grpSpPr>
-      <p:pic>
-        <p:nvPicPr>
-          <p:cNvPr id="10" name="Picture 9"/>
-          <p:cNvPicPr>
-            <a:picLocks noChangeAspect="1"/>
-          </p:cNvPicPr>
-          <p:nvPr/>
-        </p:nvPicPr>
-        <p:blipFill>
-          <a:blip r:embed="rId2">
-            <a:extLst>
-              <a:ext uri="{28A0092B-C50C-407E-A947-70E740481C1C}">
-                <a14:useLocalDpi xmlns:a14="http://schemas.microsoft.com/office/drawing/2010/main" val="0"/>
-              </a:ext>
-            </a:extLst>
-          </a:blip>
-          <a:srcRect/>
-          <a:stretch/>
-        </p:blipFill>
-        <p:spPr>
-          <a:xfrm>
-            <a:off x="13542796" y="4850092"/>
-            <a:ext cx="4745204" cy="5435819"/>
-          </a:xfrm>
-          <a:prstGeom prst="rect">
-            <a:avLst/>
-          </a:prstGeom>
-        </p:spPr>
-      </p:pic>
-      <p:pic>
-        <p:nvPicPr>
-          <p:cNvPr id="4" name="Picture 3"/>
-          <p:cNvPicPr>
-            <a:picLocks noChangeAspect="1"/>
-          </p:cNvPicPr>
-          <p:nvPr/>
-        </p:nvPicPr>
-        <p:blipFill>
-          <a:blip r:embed="rId3">
-            <a:extLst>
-              <a:ext uri="{28A0092B-C50C-407E-A947-70E740481C1C}">
-                <a14:useLocalDpi xmlns:a14="http://schemas.microsoft.com/office/drawing/2010/main" val="0"/>
-              </a:ext>
-            </a:extLst>
-          </a:blip>
-          <a:stretch>
-            <a:fillRect/>
-          </a:stretch>
-        </p:blipFill>
-        <p:spPr>
-          <a:xfrm>
-            <a:off x="-807744" y="-3724155"/>
-            <a:ext cx="15257208" cy="11189825"/>
-          </a:xfrm>
-          <a:prstGeom prst="rect">
-            <a:avLst/>
-          </a:prstGeom>
-        </p:spPr>
-      </p:pic>
-      <p:sp>
-        <p:nvSpPr>
-          <p:cNvPr id="11" name="TextBox 10"/>
-          <p:cNvSpPr txBox="1"/>
-          <p:nvPr/>
-        </p:nvSpPr>
-        <p:spPr>
-          <a:xfrm>
-            <a:off x="486137" y="2531318"/>
-            <a:ext cx="11979797" cy="4431983"/>
-          </a:xfrm>
-          <a:prstGeom prst="rect">
-            <a:avLst/>
-          </a:prstGeom>
-          <a:noFill/>
-        </p:spPr>
-        <p:txBody>
-          <a:bodyPr wrap="square" rtlCol="0">
-            <a:spAutoFit/>
-          </a:bodyPr>
-          <a:lstStyle/>
-          <a:p>
-            <a:pPr>
-              <a:buClr>
-                <a:srgbClr val="CF3338"/>
-              </a:buClr>
-            </a:pPr>
-            <a:r>
-              <a:rPr lang="en-US" sz="6600" b="1" dirty="0">
-                <a:solidFill>
-                  <a:srgbClr val="CF3338"/>
-                </a:solidFill>
-                <a:latin typeface="Pragmatica" panose="020B0403040502020204" pitchFamily="34" charset="0"/>
-              </a:rPr>
-              <a:t>Find me</a:t>
-            </a:r>
-          </a:p>
-          <a:p>
-            <a:pPr marL="857250" indent="-857250">
-              <a:buClr>
-                <a:srgbClr val="CF3338"/>
-              </a:buClr>
-              <a:buFont typeface="Arial" panose="020B0604020202020204" pitchFamily="34" charset="0"/>
-              <a:buChar char="•"/>
-            </a:pPr>
-            <a:r>
-              <a:rPr lang="en-US" sz="5400" dirty="0">
-                <a:solidFill>
-                  <a:srgbClr val="707070"/>
-                </a:solidFill>
-                <a:latin typeface="Pragmatica" panose="020B0403040502020204" pitchFamily="34" charset="0"/>
-              </a:rPr>
-              <a:t>stringfestanalytics.com  </a:t>
-            </a:r>
-          </a:p>
-          <a:p>
-            <a:pPr marL="857250" indent="-857250">
-              <a:buClr>
-                <a:srgbClr val="CF3338"/>
-              </a:buClr>
-              <a:buFont typeface="Arial" panose="020B0604020202020204" pitchFamily="34" charset="0"/>
-              <a:buChar char="•"/>
-            </a:pPr>
-            <a:r>
-              <a:rPr lang="en-US" sz="5400" dirty="0">
-                <a:solidFill>
-                  <a:srgbClr val="707070"/>
-                </a:solidFill>
-                <a:latin typeface="Pragmatica" panose="020B0403040502020204" pitchFamily="34" charset="0"/>
-              </a:rPr>
-              <a:t>Linkedin.com/in/gjmount</a:t>
-            </a:r>
-          </a:p>
-          <a:p>
-            <a:pPr marL="857250" indent="-857250">
-              <a:buClr>
-                <a:srgbClr val="CF3338"/>
-              </a:buClr>
-              <a:buFont typeface="Arial" panose="020B0604020202020204" pitchFamily="34" charset="0"/>
-              <a:buChar char="•"/>
-            </a:pPr>
-            <a:r>
-              <a:rPr lang="en-US" sz="5400" dirty="0">
-                <a:solidFill>
-                  <a:srgbClr val="707070"/>
-                </a:solidFill>
-                <a:latin typeface="Pragmatica" panose="020B0403040502020204" pitchFamily="34" charset="0"/>
-              </a:rPr>
-              <a:t>Twitter.com/gjmount</a:t>
-            </a:r>
-          </a:p>
-          <a:p>
-            <a:endParaRPr lang="en-US" sz="5400" b="1" dirty="0">
-              <a:solidFill>
-                <a:srgbClr val="CF3338"/>
-              </a:solidFill>
-              <a:latin typeface="Pragmatica" panose="020B0403040502020204" pitchFamily="34" charset="0"/>
-            </a:endParaRPr>
-          </a:p>
-        </p:txBody>
-      </p:sp>
-    </p:spTree>
-    <p:extLst>
-      <p:ext uri="{BB962C8B-B14F-4D97-AF65-F5344CB8AC3E}">
-        <p14:creationId xmlns:p14="http://schemas.microsoft.com/office/powerpoint/2010/main" val="1832136422"/>
-      </p:ext>
-    </p:extLst>
-  </p:cSld>
-  <p:clrMapOvr>
-    <a:masterClrMapping/>
-  </p:clrMapOvr>
-</p:sld>
-</file>
-
-<file path=ppt/slides/slide13.xml><?xml version="1.0" encoding="utf-8"?>
-<p:sld xmlns:a="http://schemas.openxmlformats.org/drawingml/2006/main" xmlns:r="http://schemas.openxmlformats.org/officeDocument/2006/relationships" xmlns:p="http://schemas.openxmlformats.org/presentationml/2006/main">
-  <p:cSld>
-    <p:spTree>
-      <p:nvGrpSpPr>
-        <p:cNvPr id="1" name=""/>
-        <p:cNvGrpSpPr/>
-        <p:nvPr/>
-      </p:nvGrpSpPr>
-      <p:grpSpPr>
-        <a:xfrm>
-          <a:off x="0" y="0"/>
-          <a:ext cx="0" cy="0"/>
-          <a:chOff x="0" y="0"/>
-          <a:chExt cx="0" cy="0"/>
-        </a:xfrm>
-      </p:grpSpPr>
-      <p:sp>
-        <p:nvSpPr>
-          <p:cNvPr id="4" name="Rectangle 3"/>
-          <p:cNvSpPr/>
-          <p:nvPr/>
-        </p:nvSpPr>
-        <p:spPr>
-          <a:xfrm>
-            <a:off x="9861630" y="0"/>
-            <a:ext cx="8426370" cy="10287000"/>
-          </a:xfrm>
-          <a:prstGeom prst="rect">
-            <a:avLst/>
-          </a:prstGeom>
-          <a:solidFill>
-            <a:srgbClr val="CF3338"/>
-          </a:solidFill>
-          <a:ln>
-            <a:noFill/>
-          </a:ln>
-        </p:spPr>
-        <p:style>
-          <a:lnRef idx="2">
-            <a:schemeClr val="accent1">
-              <a:shade val="50000"/>
-            </a:schemeClr>
-          </a:lnRef>
-          <a:fillRef idx="1">
-            <a:schemeClr val="accent1"/>
-          </a:fillRef>
-          <a:effectRef idx="0">
-            <a:schemeClr val="accent1"/>
-          </a:effectRef>
-          <a:fontRef idx="minor">
-            <a:schemeClr val="lt1"/>
-          </a:fontRef>
-        </p:style>
-        <p:txBody>
-          <a:bodyPr rtlCol="0" anchor="ctr"/>
-          <a:lstStyle/>
-          <a:p>
-            <a:pPr algn="ctr"/>
-            <a:endParaRPr lang="en-US" sz="2700"/>
-          </a:p>
-        </p:txBody>
-      </p:sp>
-      <p:pic>
-        <p:nvPicPr>
-          <p:cNvPr id="2" name="Picture 1"/>
-          <p:cNvPicPr>
-            <a:picLocks noChangeAspect="1"/>
-          </p:cNvPicPr>
-          <p:nvPr/>
-        </p:nvPicPr>
-        <p:blipFill rotWithShape="1">
-          <a:blip r:embed="rId2">
-            <a:extLst>
-              <a:ext uri="{28A0092B-C50C-407E-A947-70E740481C1C}">
-                <a14:useLocalDpi xmlns:a14="http://schemas.microsoft.com/office/drawing/2010/main" val="0"/>
-              </a:ext>
-            </a:extLst>
-          </a:blip>
-          <a:srcRect l="69227" t="33418" r="20112" b="50548"/>
-          <a:stretch/>
-        </p:blipFill>
-        <p:spPr>
-          <a:xfrm>
-            <a:off x="15579524" y="7544693"/>
-            <a:ext cx="2708477" cy="2987579"/>
-          </a:xfrm>
-          <a:prstGeom prst="rect">
-            <a:avLst/>
-          </a:prstGeom>
-        </p:spPr>
-      </p:pic>
-      <p:sp>
-        <p:nvSpPr>
-          <p:cNvPr id="3" name="TextBox 2"/>
-          <p:cNvSpPr txBox="1"/>
-          <p:nvPr/>
-        </p:nvSpPr>
-        <p:spPr>
-          <a:xfrm>
-            <a:off x="260431" y="329879"/>
-            <a:ext cx="9432824" cy="9048631"/>
-          </a:xfrm>
-          <a:prstGeom prst="rect">
-            <a:avLst/>
-          </a:prstGeom>
-          <a:noFill/>
-        </p:spPr>
-        <p:txBody>
-          <a:bodyPr wrap="square" rtlCol="0">
-            <a:spAutoFit/>
-          </a:bodyPr>
-          <a:lstStyle/>
-          <a:p>
-            <a:r>
-              <a:rPr lang="en-US" sz="6000" b="1" i="1" dirty="0">
-                <a:solidFill>
-                  <a:srgbClr val="CF3338"/>
-                </a:solidFill>
-                <a:latin typeface="Pragmatica" panose="020B0403040502020204" pitchFamily="34" charset="0"/>
-              </a:rPr>
-              <a:t>Modern Data Analytics in Excel </a:t>
-            </a:r>
-            <a:r>
-              <a:rPr lang="en-US" sz="6000" b="1" dirty="0">
-                <a:solidFill>
-                  <a:srgbClr val="CF3338"/>
-                </a:solidFill>
-                <a:latin typeface="Pragmatica" panose="020B0403040502020204" pitchFamily="34" charset="0"/>
-              </a:rPr>
-              <a:t>– the book!</a:t>
-            </a:r>
-          </a:p>
-          <a:p>
-            <a:endParaRPr lang="en-US" sz="6000" b="1" i="1" dirty="0">
-              <a:solidFill>
-                <a:srgbClr val="CF3338"/>
-              </a:solidFill>
-              <a:latin typeface="Pragmatica" panose="020B0403040502020204" pitchFamily="34" charset="0"/>
-            </a:endParaRPr>
-          </a:p>
-          <a:p>
-            <a:endParaRPr lang="en-US" sz="6000" dirty="0">
-              <a:solidFill>
-                <a:srgbClr val="CF3338"/>
-              </a:solidFill>
-              <a:latin typeface="Pragmatica" panose="020B0403040502020204" pitchFamily="34" charset="0"/>
-            </a:endParaRPr>
-          </a:p>
-          <a:p>
-            <a:endParaRPr lang="en-US" sz="6000" dirty="0">
-              <a:solidFill>
-                <a:srgbClr val="CF3338"/>
-              </a:solidFill>
-              <a:latin typeface="Pragmatica" panose="020B0403040502020204" pitchFamily="34" charset="0"/>
-            </a:endParaRPr>
-          </a:p>
-          <a:p>
-            <a:endParaRPr lang="en-US" sz="6000" dirty="0">
-              <a:solidFill>
-                <a:srgbClr val="CF3338"/>
-              </a:solidFill>
-              <a:latin typeface="Pragmatica" panose="020B0403040502020204" pitchFamily="34" charset="0"/>
-            </a:endParaRPr>
-          </a:p>
-          <a:p>
-            <a:endParaRPr lang="en-US" sz="6000" dirty="0">
-              <a:solidFill>
-                <a:srgbClr val="CF3338"/>
-              </a:solidFill>
-              <a:latin typeface="Pragmatica" panose="020B0403040502020204" pitchFamily="34" charset="0"/>
-            </a:endParaRPr>
-          </a:p>
-          <a:p>
-            <a:endParaRPr lang="en-US" sz="6000" dirty="0">
-              <a:solidFill>
-                <a:srgbClr val="CF3338"/>
-              </a:solidFill>
-              <a:latin typeface="Pragmatica" panose="020B0403040502020204" pitchFamily="34" charset="0"/>
-            </a:endParaRPr>
-          </a:p>
-          <a:p>
-            <a:r>
-              <a:rPr lang="en-US" sz="6000" dirty="0">
-                <a:solidFill>
-                  <a:srgbClr val="CF3338"/>
-                </a:solidFill>
-                <a:latin typeface="Pragmatica" panose="020B0403040502020204" pitchFamily="34" charset="0"/>
-              </a:rPr>
-              <a:t>Available in early release: </a:t>
-            </a:r>
-            <a:r>
-              <a:rPr lang="en-US" sz="4200" dirty="0">
-                <a:latin typeface="Pragmatica" panose="020B0403040502020204" pitchFamily="34" charset="0"/>
-                <a:hlinkClick r:id="rId3">
-                  <a:extLst>
-                    <a:ext uri="{A12FA001-AC4F-418D-AE19-62706E023703}">
-                      <ahyp:hlinkClr xmlns:ahyp="http://schemas.microsoft.com/office/drawing/2018/hyperlinkcolor" val="tx"/>
-                    </a:ext>
-                  </a:extLst>
-                </a:hlinkClick>
-              </a:rPr>
-              <a:t>https://stringfestanalytics.com/maxl/</a:t>
-            </a:r>
-            <a:r>
-              <a:rPr lang="en-US" sz="4200" dirty="0">
-                <a:latin typeface="Pragmatica" panose="020B0403040502020204" pitchFamily="34" charset="0"/>
-              </a:rPr>
-              <a:t>  </a:t>
-            </a:r>
-            <a:endParaRPr lang="en-US" sz="6000" dirty="0">
-              <a:latin typeface="Pragmatica" panose="020B0403040502020204" pitchFamily="34" charset="0"/>
-            </a:endParaRPr>
-          </a:p>
-        </p:txBody>
-      </p:sp>
-      <p:pic>
-        <p:nvPicPr>
-          <p:cNvPr id="1026" name="Picture 2" descr="Modern analytics in Excel cover ">
-            <a:extLst>
-              <a:ext uri="{FF2B5EF4-FFF2-40B4-BE49-F238E27FC236}">
-                <a16:creationId xmlns:a16="http://schemas.microsoft.com/office/drawing/2014/main" id="{A5A802EA-8E14-7D50-3D79-28EFA72A604E}"/>
-              </a:ext>
-            </a:extLst>
-          </p:cNvPr>
-          <p:cNvPicPr>
-            <a:picLocks noChangeAspect="1" noChangeArrowheads="1"/>
-          </p:cNvPicPr>
-          <p:nvPr/>
-        </p:nvPicPr>
-        <p:blipFill>
-          <a:blip r:embed="rId4">
-            <a:extLst>
-              <a:ext uri="{28A0092B-C50C-407E-A947-70E740481C1C}">
-                <a14:useLocalDpi xmlns:a14="http://schemas.microsoft.com/office/drawing/2010/main" val="0"/>
-              </a:ext>
-            </a:extLst>
-          </a:blip>
-          <a:srcRect/>
-          <a:stretch>
-            <a:fillRect/>
-          </a:stretch>
-        </p:blipFill>
-        <p:spPr bwMode="auto">
-          <a:xfrm>
-            <a:off x="10769516" y="923560"/>
-            <a:ext cx="5715000" cy="7500938"/>
-          </a:xfrm>
-          <a:prstGeom prst="rect">
-            <a:avLst/>
-          </a:prstGeom>
-          <a:noFill/>
-          <a:extLst>
-            <a:ext uri="{909E8E84-426E-40DD-AFC4-6F175D3DCCD1}">
-              <a14:hiddenFill xmlns:a14="http://schemas.microsoft.com/office/drawing/2010/main">
-                <a:solidFill>
-                  <a:srgbClr val="FFFFFF"/>
-                </a:solidFill>
-              </a14:hiddenFill>
-            </a:ext>
-          </a:extLst>
-        </p:spPr>
-      </p:pic>
-    </p:spTree>
-    <p:extLst>
-      <p:ext uri="{BB962C8B-B14F-4D97-AF65-F5344CB8AC3E}">
-        <p14:creationId xmlns:p14="http://schemas.microsoft.com/office/powerpoint/2010/main" val="3588636196"/>
-      </p:ext>
-    </p:extLst>
-  </p:cSld>
-  <p:clrMapOvr>
-    <a:masterClrMapping/>
-  </p:clrMapOvr>
-</p:sld>
-</file>
-
-<file path=ppt/slides/slide14.xml><?xml version="1.0" encoding="utf-8"?>
-<p:sld xmlns:a="http://schemas.openxmlformats.org/drawingml/2006/main" xmlns:r="http://schemas.openxmlformats.org/officeDocument/2006/relationships" xmlns:p="http://schemas.openxmlformats.org/presentationml/2006/main">
-  <p:cSld>
-    <p:spTree>
-      <p:nvGrpSpPr>
-        <p:cNvPr id="1" name=""/>
-        <p:cNvGrpSpPr/>
-        <p:nvPr/>
-      </p:nvGrpSpPr>
-      <p:grpSpPr>
-        <a:xfrm>
-          <a:off x="0" y="0"/>
-          <a:ext cx="0" cy="0"/>
-          <a:chOff x="0" y="0"/>
-          <a:chExt cx="0" cy="0"/>
-        </a:xfrm>
-      </p:grpSpPr>
-      <p:sp>
-        <p:nvSpPr>
-          <p:cNvPr id="4" name="Rectangle 3"/>
-          <p:cNvSpPr/>
-          <p:nvPr/>
-        </p:nvSpPr>
-        <p:spPr>
-          <a:xfrm>
-            <a:off x="9861630" y="0"/>
-            <a:ext cx="8426370" cy="10287000"/>
-          </a:xfrm>
-          <a:prstGeom prst="rect">
-            <a:avLst/>
-          </a:prstGeom>
-          <a:solidFill>
-            <a:srgbClr val="CF3338"/>
-          </a:solidFill>
-          <a:ln>
-            <a:noFill/>
-          </a:ln>
-        </p:spPr>
-        <p:style>
-          <a:lnRef idx="2">
-            <a:schemeClr val="accent1">
-              <a:shade val="50000"/>
-            </a:schemeClr>
-          </a:lnRef>
-          <a:fillRef idx="1">
-            <a:schemeClr val="accent1"/>
-          </a:fillRef>
-          <a:effectRef idx="0">
-            <a:schemeClr val="accent1"/>
-          </a:effectRef>
-          <a:fontRef idx="minor">
-            <a:schemeClr val="lt1"/>
-          </a:fontRef>
-        </p:style>
-        <p:txBody>
-          <a:bodyPr rtlCol="0" anchor="ctr"/>
-          <a:lstStyle/>
-          <a:p>
-            <a:pPr algn="ctr"/>
-            <a:endParaRPr lang="en-US" sz="2700"/>
-          </a:p>
-        </p:txBody>
-      </p:sp>
-      <p:pic>
-        <p:nvPicPr>
-          <p:cNvPr id="2" name="Picture 1"/>
-          <p:cNvPicPr>
-            <a:picLocks noChangeAspect="1"/>
-          </p:cNvPicPr>
-          <p:nvPr/>
-        </p:nvPicPr>
-        <p:blipFill rotWithShape="1">
-          <a:blip r:embed="rId2">
-            <a:extLst>
-              <a:ext uri="{28A0092B-C50C-407E-A947-70E740481C1C}">
-                <a14:useLocalDpi xmlns:a14="http://schemas.microsoft.com/office/drawing/2010/main" val="0"/>
-              </a:ext>
-            </a:extLst>
-          </a:blip>
-          <a:srcRect l="69227" t="33418" r="20112" b="50548"/>
-          <a:stretch/>
-        </p:blipFill>
-        <p:spPr>
-          <a:xfrm>
-            <a:off x="15579524" y="7544693"/>
-            <a:ext cx="2708477" cy="2987579"/>
-          </a:xfrm>
-          <a:prstGeom prst="rect">
-            <a:avLst/>
-          </a:prstGeom>
-        </p:spPr>
-      </p:pic>
-      <p:sp>
-        <p:nvSpPr>
-          <p:cNvPr id="3" name="TextBox 2"/>
-          <p:cNvSpPr txBox="1"/>
-          <p:nvPr/>
-        </p:nvSpPr>
-        <p:spPr>
-          <a:xfrm>
-            <a:off x="260431" y="329879"/>
-            <a:ext cx="9432824" cy="9694962"/>
-          </a:xfrm>
-          <a:prstGeom prst="rect">
-            <a:avLst/>
-          </a:prstGeom>
-          <a:noFill/>
-        </p:spPr>
-        <p:txBody>
-          <a:bodyPr wrap="square" rtlCol="0">
-            <a:spAutoFit/>
-          </a:bodyPr>
-          <a:lstStyle/>
-          <a:p>
-            <a:r>
-              <a:rPr lang="en-US" sz="6000" b="1" i="1" dirty="0">
-                <a:solidFill>
-                  <a:srgbClr val="CF3338"/>
-                </a:solidFill>
-                <a:latin typeface="Pragmatica" panose="020B0403040502020204" pitchFamily="34" charset="0"/>
-              </a:rPr>
-              <a:t>Modern Data Analytics in Excel </a:t>
-            </a:r>
-            <a:r>
-              <a:rPr lang="en-US" sz="6000" b="1" dirty="0">
-                <a:solidFill>
-                  <a:srgbClr val="CF3338"/>
-                </a:solidFill>
-                <a:latin typeface="Pragmatica" panose="020B0403040502020204" pitchFamily="34" charset="0"/>
-              </a:rPr>
-              <a:t>– the workshops!</a:t>
-            </a:r>
-          </a:p>
-          <a:p>
-            <a:endParaRPr lang="en-US" sz="6000" b="1" i="1" dirty="0">
-              <a:solidFill>
-                <a:srgbClr val="CF3338"/>
-              </a:solidFill>
-              <a:latin typeface="Pragmatica" panose="020B0403040502020204" pitchFamily="34" charset="0"/>
-            </a:endParaRPr>
-          </a:p>
-          <a:p>
-            <a:endParaRPr lang="en-US" sz="6000" dirty="0">
-              <a:solidFill>
-                <a:srgbClr val="CF3338"/>
-              </a:solidFill>
-              <a:latin typeface="Pragmatica" panose="020B0403040502020204" pitchFamily="34" charset="0"/>
-            </a:endParaRPr>
-          </a:p>
-          <a:p>
-            <a:endParaRPr lang="en-US" sz="6000" dirty="0">
-              <a:solidFill>
-                <a:srgbClr val="CF3338"/>
-              </a:solidFill>
-              <a:latin typeface="Pragmatica" panose="020B0403040502020204" pitchFamily="34" charset="0"/>
-            </a:endParaRPr>
-          </a:p>
-          <a:p>
-            <a:endParaRPr lang="en-US" sz="6000" dirty="0">
-              <a:solidFill>
-                <a:srgbClr val="CF3338"/>
-              </a:solidFill>
-              <a:latin typeface="Pragmatica" panose="020B0403040502020204" pitchFamily="34" charset="0"/>
-            </a:endParaRPr>
-          </a:p>
-          <a:p>
-            <a:endParaRPr lang="en-US" sz="6000" dirty="0">
-              <a:solidFill>
-                <a:srgbClr val="CF3338"/>
-              </a:solidFill>
-              <a:latin typeface="Pragmatica" panose="020B0403040502020204" pitchFamily="34" charset="0"/>
-            </a:endParaRPr>
-          </a:p>
-          <a:p>
-            <a:endParaRPr lang="en-US" sz="6000" dirty="0">
-              <a:solidFill>
-                <a:srgbClr val="CF3338"/>
-              </a:solidFill>
-              <a:latin typeface="Pragmatica" panose="020B0403040502020204" pitchFamily="34" charset="0"/>
-            </a:endParaRPr>
-          </a:p>
-          <a:p>
-            <a:r>
-              <a:rPr lang="en-US" sz="6000" dirty="0">
-                <a:solidFill>
-                  <a:srgbClr val="CF3338"/>
-                </a:solidFill>
-                <a:latin typeface="Pragmatica" panose="020B0403040502020204" pitchFamily="34" charset="0"/>
-              </a:rPr>
-              <a:t>Get in touch: </a:t>
-            </a:r>
-            <a:r>
-              <a:rPr lang="en-US" sz="4200" dirty="0">
-                <a:latin typeface="Pragmatica" panose="020B0403040502020204" pitchFamily="34" charset="0"/>
-                <a:hlinkClick r:id="rId3">
-                  <a:extLst>
-                    <a:ext uri="{A12FA001-AC4F-418D-AE19-62706E023703}">
-                      <ahyp:hlinkClr xmlns:ahyp="http://schemas.microsoft.com/office/drawing/2018/hyperlinkcolor" val="tx"/>
-                    </a:ext>
-                  </a:extLst>
-                </a:hlinkClick>
-              </a:rPr>
-              <a:t>https://stringfestanalytics.com/modern-data-analytics-in-excel-workshops/</a:t>
-            </a:r>
-            <a:r>
-              <a:rPr lang="en-US" sz="4200" dirty="0">
-                <a:latin typeface="Pragmatica" panose="020B0403040502020204" pitchFamily="34" charset="0"/>
-              </a:rPr>
-              <a:t> </a:t>
-            </a:r>
-            <a:endParaRPr lang="en-US" sz="6000" dirty="0">
-              <a:latin typeface="Pragmatica" panose="020B0403040502020204" pitchFamily="34" charset="0"/>
-            </a:endParaRPr>
-          </a:p>
-        </p:txBody>
-      </p:sp>
-      <p:pic>
-        <p:nvPicPr>
-          <p:cNvPr id="5" name="Picture 4">
-            <a:extLst>
-              <a:ext uri="{FF2B5EF4-FFF2-40B4-BE49-F238E27FC236}">
-                <a16:creationId xmlns:a16="http://schemas.microsoft.com/office/drawing/2014/main" id="{6A952EDC-C30E-EBFE-DD3D-C1D1342DB06F}"/>
-              </a:ext>
-            </a:extLst>
-          </p:cNvPr>
-          <p:cNvPicPr>
-            <a:picLocks noChangeAspect="1"/>
-          </p:cNvPicPr>
-          <p:nvPr/>
-        </p:nvPicPr>
-        <p:blipFill>
-          <a:blip r:embed="rId4"/>
-          <a:stretch>
-            <a:fillRect/>
-          </a:stretch>
-        </p:blipFill>
-        <p:spPr>
-          <a:xfrm>
-            <a:off x="10906412" y="876300"/>
-            <a:ext cx="6336806" cy="8200573"/>
-          </a:xfrm>
-          <a:prstGeom prst="rect">
-            <a:avLst/>
-          </a:prstGeom>
-        </p:spPr>
-      </p:pic>
-    </p:spTree>
-    <p:extLst>
-      <p:ext uri="{BB962C8B-B14F-4D97-AF65-F5344CB8AC3E}">
-        <p14:creationId xmlns:p14="http://schemas.microsoft.com/office/powerpoint/2010/main" val="1938916673"/>
-      </p:ext>
-    </p:extLst>
-  </p:cSld>
-  <p:clrMapOvr>
-    <a:masterClrMapping/>
-  </p:clrMapOvr>
-</p:sld>
-</file>
-
-<file path=ppt/slides/slide15.xml><?xml version="1.0" encoding="utf-8"?>
-<p:sld xmlns:a="http://schemas.openxmlformats.org/drawingml/2006/main" xmlns:r="http://schemas.openxmlformats.org/officeDocument/2006/relationships" xmlns:p="http://schemas.openxmlformats.org/presentationml/2006/main">
-  <p:cSld>
-    <p:spTree>
-      <p:nvGrpSpPr>
-        <p:cNvPr id="1" name=""/>
-        <p:cNvGrpSpPr/>
-        <p:nvPr/>
-      </p:nvGrpSpPr>
-      <p:grpSpPr>
-        <a:xfrm>
-          <a:off x="0" y="0"/>
-          <a:ext cx="0" cy="0"/>
-          <a:chOff x="0" y="0"/>
-          <a:chExt cx="0" cy="0"/>
-        </a:xfrm>
-      </p:grpSpPr>
-      <p:pic>
-        <p:nvPicPr>
-          <p:cNvPr id="8" name="Picture 8"/>
-          <p:cNvPicPr>
-            <a:picLocks noChangeAspect="1"/>
-          </p:cNvPicPr>
-          <p:nvPr/>
-        </p:nvPicPr>
-        <p:blipFill>
-          <a:blip r:embed="rId3"/>
-          <a:srcRect/>
-          <a:stretch>
-            <a:fillRect/>
-          </a:stretch>
-        </p:blipFill>
-        <p:spPr>
-          <a:xfrm>
-            <a:off x="16459201" y="-99078"/>
-            <a:ext cx="2005784" cy="1470491"/>
-          </a:xfrm>
-          <a:prstGeom prst="rect">
-            <a:avLst/>
-          </a:prstGeom>
-        </p:spPr>
-      </p:pic>
-      <p:sp>
-        <p:nvSpPr>
-          <p:cNvPr id="9" name="TextBox 9"/>
-          <p:cNvSpPr txBox="1"/>
-          <p:nvPr/>
-        </p:nvSpPr>
-        <p:spPr>
-          <a:xfrm>
-            <a:off x="838200" y="617118"/>
-            <a:ext cx="15631206" cy="1209818"/>
-          </a:xfrm>
-          <a:prstGeom prst="rect">
-            <a:avLst/>
-          </a:prstGeom>
-        </p:spPr>
-        <p:txBody>
-          <a:bodyPr wrap="square" lIns="0" tIns="0" rIns="0" bIns="0" rtlCol="0" anchor="t">
-            <a:spAutoFit/>
-          </a:bodyPr>
-          <a:lstStyle/>
-          <a:p>
-            <a:pPr>
-              <a:lnSpc>
-                <a:spcPts val="10080"/>
-              </a:lnSpc>
-              <a:spcBef>
-                <a:spcPct val="0"/>
-              </a:spcBef>
-            </a:pPr>
-            <a:r>
-              <a:rPr lang="en-US" sz="7200" dirty="0">
-                <a:solidFill>
-                  <a:srgbClr val="000000"/>
-                </a:solidFill>
-                <a:latin typeface="Open Sans Extra Bold"/>
-              </a:rPr>
-              <a:t>TAKE THE SURVEY</a:t>
-            </a:r>
-          </a:p>
-        </p:txBody>
-      </p:sp>
-      <p:pic>
-        <p:nvPicPr>
-          <p:cNvPr id="5" name="Picture 6">
-            <a:extLst>
-              <a:ext uri="{FF2B5EF4-FFF2-40B4-BE49-F238E27FC236}">
-                <a16:creationId xmlns:a16="http://schemas.microsoft.com/office/drawing/2014/main" id="{01C401A0-8EBC-47CA-B2DE-F204DE6EEF54}"/>
-              </a:ext>
-            </a:extLst>
-          </p:cNvPr>
-          <p:cNvPicPr>
-            <a:picLocks noChangeAspect="1"/>
-          </p:cNvPicPr>
-          <p:nvPr/>
-        </p:nvPicPr>
-        <p:blipFill>
-          <a:blip r:embed="rId4"/>
-          <a:srcRect b="44190"/>
-          <a:stretch>
-            <a:fillRect/>
-          </a:stretch>
-        </p:blipFill>
-        <p:spPr>
-          <a:xfrm>
-            <a:off x="16095121" y="9265256"/>
-            <a:ext cx="2013122" cy="823680"/>
-          </a:xfrm>
-          <a:prstGeom prst="rect">
-            <a:avLst/>
-          </a:prstGeom>
-        </p:spPr>
-      </p:pic>
-      <p:sp>
-        <p:nvSpPr>
-          <p:cNvPr id="6" name="TextBox 5">
-            <a:extLst>
-              <a:ext uri="{FF2B5EF4-FFF2-40B4-BE49-F238E27FC236}">
-                <a16:creationId xmlns:a16="http://schemas.microsoft.com/office/drawing/2014/main" id="{B72B56F1-579F-4CEC-BF86-0455EEB5C6F1}"/>
-              </a:ext>
-            </a:extLst>
-          </p:cNvPr>
-          <p:cNvSpPr txBox="1"/>
-          <p:nvPr/>
-        </p:nvSpPr>
-        <p:spPr>
-          <a:xfrm>
-            <a:off x="857250" y="1943100"/>
-            <a:ext cx="8727030" cy="5232330"/>
-          </a:xfrm>
-          <a:prstGeom prst="rect">
-            <a:avLst/>
-          </a:prstGeom>
-          <a:noFill/>
-        </p:spPr>
-        <p:txBody>
-          <a:bodyPr wrap="square" rtlCol="0">
-            <a:spAutoFit/>
-          </a:bodyPr>
-          <a:lstStyle/>
-          <a:p>
-            <a:r>
-              <a:rPr lang="en-US" sz="4800" dirty="0">
-                <a:latin typeface="Gidole" panose="02000503000000000000" pitchFamily="2" charset="0"/>
-                <a:ea typeface="Roboto Mono" pitchFamily="2" charset="0"/>
-              </a:rPr>
-              <a:t>How did I do today? Testimonials or other data welcome.</a:t>
-            </a:r>
-          </a:p>
-          <a:p>
-            <a:endParaRPr lang="en-US" sz="4001" dirty="0">
-              <a:latin typeface="Gidole" panose="02000503000000000000" pitchFamily="2" charset="0"/>
-              <a:ea typeface="Roboto Mono" pitchFamily="2" charset="0"/>
-            </a:endParaRPr>
-          </a:p>
-          <a:p>
-            <a:r>
-              <a:rPr lang="en-US" sz="6600" dirty="0">
-                <a:latin typeface="Gidole" panose="02000503000000000000" pitchFamily="2" charset="0"/>
-                <a:ea typeface="Roboto Mono" pitchFamily="2" charset="0"/>
-                <a:hlinkClick r:id="rId5"/>
-              </a:rPr>
-              <a:t>https://social.stringfestanalytics.com/event-feedback</a:t>
-            </a:r>
-            <a:r>
-              <a:rPr lang="en-US" sz="6600" dirty="0">
-                <a:latin typeface="Gidole" panose="02000503000000000000" pitchFamily="2" charset="0"/>
-                <a:ea typeface="Roboto Mono" pitchFamily="2" charset="0"/>
-              </a:rPr>
-              <a:t>  </a:t>
-            </a:r>
-          </a:p>
-        </p:txBody>
-      </p:sp>
-      <p:pic>
-        <p:nvPicPr>
-          <p:cNvPr id="3" name="Picture 2" descr="Shape&#10;&#10;Description automatically generated with low confidence">
-            <a:extLst>
-              <a:ext uri="{FF2B5EF4-FFF2-40B4-BE49-F238E27FC236}">
-                <a16:creationId xmlns:a16="http://schemas.microsoft.com/office/drawing/2014/main" id="{42F3175D-B642-4C36-959D-6981F5B7F69C}"/>
-              </a:ext>
-            </a:extLst>
-          </p:cNvPr>
-          <p:cNvPicPr>
-            <a:picLocks noChangeAspect="1"/>
-          </p:cNvPicPr>
-          <p:nvPr/>
-        </p:nvPicPr>
-        <p:blipFill>
-          <a:blip r:embed="rId6" cstate="print">
-            <a:extLst>
-              <a:ext uri="{28A0092B-C50C-407E-A947-70E740481C1C}">
-                <a14:useLocalDpi xmlns:a14="http://schemas.microsoft.com/office/drawing/2010/main" val="0"/>
-              </a:ext>
-            </a:extLst>
-          </a:blip>
-          <a:stretch>
-            <a:fillRect/>
-          </a:stretch>
-        </p:blipFill>
-        <p:spPr>
-          <a:xfrm>
-            <a:off x="10210800" y="4836284"/>
-            <a:ext cx="5257800" cy="5257800"/>
-          </a:xfrm>
-          <a:prstGeom prst="rect">
-            <a:avLst/>
-          </a:prstGeom>
-        </p:spPr>
-      </p:pic>
-    </p:spTree>
-    <p:extLst>
-      <p:ext uri="{BB962C8B-B14F-4D97-AF65-F5344CB8AC3E}">
-        <p14:creationId xmlns:p14="http://schemas.microsoft.com/office/powerpoint/2010/main" val="3032095955"/>
-      </p:ext>
-    </p:extLst>
-  </p:cSld>
-  <p:clrMapOvr>
-    <a:masterClrMapping/>
-  </p:clrMapOvr>
-</p:sld>
-</file>
-
-<file path=ppt/slides/slide2.xml><?xml version="1.0" encoding="utf-8"?>
-<p:sld xmlns:a="http://schemas.openxmlformats.org/drawingml/2006/main" xmlns:r="http://schemas.openxmlformats.org/officeDocument/2006/relationships" xmlns:p="http://schemas.openxmlformats.org/presentationml/2006/main">
-  <p:cSld>
-    <p:spTree>
-      <p:nvGrpSpPr>
-        <p:cNvPr id="1" name=""/>
-        <p:cNvGrpSpPr/>
-        <p:nvPr/>
-      </p:nvGrpSpPr>
-      <p:grpSpPr>
-        <a:xfrm>
-          <a:off x="0" y="0"/>
-          <a:ext cx="0" cy="0"/>
-          <a:chOff x="0" y="0"/>
-          <a:chExt cx="0" cy="0"/>
-        </a:xfrm>
-      </p:grpSpPr>
-      <p:sp>
-        <p:nvSpPr>
-          <p:cNvPr id="4" name="Rectangle 3"/>
-          <p:cNvSpPr/>
-          <p:nvPr/>
-        </p:nvSpPr>
-        <p:spPr>
-          <a:xfrm>
-            <a:off x="0" y="0"/>
-            <a:ext cx="18288000" cy="10287000"/>
-          </a:xfrm>
-          <a:prstGeom prst="rect">
-            <a:avLst/>
-          </a:prstGeom>
-          <a:solidFill>
-            <a:srgbClr val="CF3338"/>
-          </a:solidFill>
-          <a:ln>
-            <a:noFill/>
-          </a:ln>
-        </p:spPr>
-        <p:style>
-          <a:lnRef idx="2">
-            <a:schemeClr val="accent1">
-              <a:shade val="50000"/>
-            </a:schemeClr>
-          </a:lnRef>
-          <a:fillRef idx="1">
-            <a:schemeClr val="accent1"/>
-          </a:fillRef>
-          <a:effectRef idx="0">
-            <a:schemeClr val="accent1"/>
-          </a:effectRef>
-          <a:fontRef idx="minor">
-            <a:schemeClr val="lt1"/>
-          </a:fontRef>
-        </p:style>
-        <p:txBody>
-          <a:bodyPr rtlCol="0" anchor="ctr"/>
-          <a:lstStyle/>
-          <a:p>
-            <a:pPr algn="ctr"/>
-            <a:endParaRPr lang="en-US" sz="2700"/>
-          </a:p>
-        </p:txBody>
-      </p:sp>
-      <p:sp>
-        <p:nvSpPr>
-          <p:cNvPr id="5" name="TextBox 4"/>
-          <p:cNvSpPr txBox="1"/>
-          <p:nvPr/>
-        </p:nvSpPr>
-        <p:spPr>
-          <a:xfrm>
-            <a:off x="781292" y="590309"/>
-            <a:ext cx="15486926" cy="1615827"/>
-          </a:xfrm>
-          <a:prstGeom prst="rect">
-            <a:avLst/>
-          </a:prstGeom>
-          <a:noFill/>
-        </p:spPr>
-        <p:txBody>
-          <a:bodyPr wrap="square" rtlCol="0">
-            <a:spAutoFit/>
-          </a:bodyPr>
-          <a:lstStyle/>
-          <a:p>
-            <a:r>
-              <a:rPr lang="en-US" sz="9900" b="1" dirty="0">
-                <a:solidFill>
-                  <a:schemeClr val="bg1"/>
-                </a:solidFill>
-                <a:latin typeface="Normafixed Tryout" panose="00000409000000000000" pitchFamily="49" charset="0"/>
-              </a:rPr>
-              <a:t>Hi, I’m George</a:t>
-            </a:r>
-          </a:p>
-        </p:txBody>
-      </p:sp>
-      <p:pic>
-        <p:nvPicPr>
-          <p:cNvPr id="3" name="Picture 4" descr="Advancing into Analytics Cover Image">
-            <a:extLst>
-              <a:ext uri="{FF2B5EF4-FFF2-40B4-BE49-F238E27FC236}">
-                <a16:creationId xmlns:a16="http://schemas.microsoft.com/office/drawing/2014/main" id="{588F684B-18EF-D76C-5F7B-15E4BAD60643}"/>
-              </a:ext>
-            </a:extLst>
-          </p:cNvPr>
-          <p:cNvPicPr>
-            <a:picLocks noChangeAspect="1" noChangeArrowheads="1"/>
-          </p:cNvPicPr>
-          <p:nvPr/>
-        </p:nvPicPr>
-        <p:blipFill>
-          <a:blip r:embed="rId2" cstate="print">
-            <a:extLst>
-              <a:ext uri="{28A0092B-C50C-407E-A947-70E740481C1C}">
-                <a14:useLocalDpi xmlns:a14="http://schemas.microsoft.com/office/drawing/2010/main" val="0"/>
-              </a:ext>
-            </a:extLst>
-          </a:blip>
-          <a:srcRect/>
-          <a:stretch>
-            <a:fillRect/>
-          </a:stretch>
-        </p:blipFill>
-        <p:spPr bwMode="auto">
-          <a:xfrm>
-            <a:off x="11382233" y="525014"/>
-            <a:ext cx="4246418" cy="5546340"/>
-          </a:xfrm>
-          <a:prstGeom prst="rect">
-            <a:avLst/>
-          </a:prstGeom>
-          <a:noFill/>
-          <a:extLst>
-            <a:ext uri="{909E8E84-426E-40DD-AFC4-6F175D3DCCD1}">
-              <a14:hiddenFill xmlns:a14="http://schemas.microsoft.com/office/drawing/2010/main">
-                <a:solidFill>
-                  <a:srgbClr val="FFFFFF"/>
-                </a:solidFill>
-              </a14:hiddenFill>
-            </a:ext>
-          </a:extLst>
-        </p:spPr>
-      </p:pic>
-      <p:pic>
-        <p:nvPicPr>
-          <p:cNvPr id="6" name="Picture 6" descr="Free photos of Cleveland">
-            <a:extLst>
-              <a:ext uri="{FF2B5EF4-FFF2-40B4-BE49-F238E27FC236}">
-                <a16:creationId xmlns:a16="http://schemas.microsoft.com/office/drawing/2014/main" id="{CBA53EEE-E3E1-D99E-A4DC-1C4DD2E6CE4A}"/>
-              </a:ext>
-            </a:extLst>
-          </p:cNvPr>
-          <p:cNvPicPr>
-            <a:picLocks noChangeAspect="1" noChangeArrowheads="1"/>
-          </p:cNvPicPr>
-          <p:nvPr/>
-        </p:nvPicPr>
-        <p:blipFill>
-          <a:blip r:embed="rId3" cstate="print">
-            <a:extLst>
-              <a:ext uri="{28A0092B-C50C-407E-A947-70E740481C1C}">
-                <a14:useLocalDpi xmlns:a14="http://schemas.microsoft.com/office/drawing/2010/main" val="0"/>
-              </a:ext>
-            </a:extLst>
-          </a:blip>
-          <a:srcRect/>
-          <a:stretch>
-            <a:fillRect/>
-          </a:stretch>
-        </p:blipFill>
-        <p:spPr bwMode="auto">
-          <a:xfrm>
-            <a:off x="1695692" y="2968810"/>
-            <a:ext cx="5535359" cy="3684473"/>
-          </a:xfrm>
-          <a:prstGeom prst="rect">
-            <a:avLst/>
-          </a:prstGeom>
-          <a:noFill/>
-          <a:extLst>
-            <a:ext uri="{909E8E84-426E-40DD-AFC4-6F175D3DCCD1}">
-              <a14:hiddenFill xmlns:a14="http://schemas.microsoft.com/office/drawing/2010/main">
-                <a:solidFill>
-                  <a:srgbClr val="FFFFFF"/>
-                </a:solidFill>
-              </a14:hiddenFill>
-            </a:ext>
-          </a:extLst>
-        </p:spPr>
-      </p:pic>
-      <p:pic>
-        <p:nvPicPr>
-          <p:cNvPr id="8" name="Picture 7" descr="Logo&#10;&#10;Description automatically generated">
-            <a:extLst>
-              <a:ext uri="{FF2B5EF4-FFF2-40B4-BE49-F238E27FC236}">
-                <a16:creationId xmlns:a16="http://schemas.microsoft.com/office/drawing/2014/main" id="{97E0F267-87DF-961E-1FAA-47FD4F27A5C6}"/>
-              </a:ext>
-            </a:extLst>
-          </p:cNvPr>
-          <p:cNvPicPr>
-            <a:picLocks noChangeAspect="1"/>
-          </p:cNvPicPr>
-          <p:nvPr/>
-        </p:nvPicPr>
-        <p:blipFill>
-          <a:blip r:embed="rId4" cstate="print">
-            <a:extLst>
-              <a:ext uri="{28A0092B-C50C-407E-A947-70E740481C1C}">
-                <a14:useLocalDpi xmlns:a14="http://schemas.microsoft.com/office/drawing/2010/main" val="0"/>
-              </a:ext>
-            </a:extLst>
-          </a:blip>
-          <a:stretch>
-            <a:fillRect/>
-          </a:stretch>
-        </p:blipFill>
-        <p:spPr>
-          <a:xfrm>
-            <a:off x="7683691" y="6002696"/>
-            <a:ext cx="7448309" cy="5462681"/>
-          </a:xfrm>
-          <a:prstGeom prst="rect">
-            <a:avLst/>
-          </a:prstGeom>
-        </p:spPr>
-      </p:pic>
-      <p:pic>
-        <p:nvPicPr>
-          <p:cNvPr id="1026" name="Picture 2" descr="Excel MVP Led Training - The Best Way to Learn Excel.">
-            <a:extLst>
-              <a:ext uri="{FF2B5EF4-FFF2-40B4-BE49-F238E27FC236}">
-                <a16:creationId xmlns:a16="http://schemas.microsoft.com/office/drawing/2014/main" id="{2A1CA193-2FA9-8F81-F4B7-A7434CB374E4}"/>
-              </a:ext>
-            </a:extLst>
-          </p:cNvPr>
-          <p:cNvPicPr>
-            <a:picLocks noChangeAspect="1" noChangeArrowheads="1"/>
-          </p:cNvPicPr>
-          <p:nvPr/>
-        </p:nvPicPr>
-        <p:blipFill>
-          <a:blip r:embed="rId5">
-            <a:extLst>
-              <a:ext uri="{28A0092B-C50C-407E-A947-70E740481C1C}">
-                <a14:useLocalDpi xmlns:a14="http://schemas.microsoft.com/office/drawing/2010/main" val="0"/>
-              </a:ext>
-            </a:extLst>
-          </a:blip>
-          <a:srcRect/>
-          <a:stretch>
-            <a:fillRect/>
-          </a:stretch>
-        </p:blipFill>
-        <p:spPr bwMode="auto">
-          <a:xfrm>
-            <a:off x="884382" y="7148640"/>
-            <a:ext cx="6799308" cy="2743263"/>
-          </a:xfrm>
-          <a:prstGeom prst="rect">
-            <a:avLst/>
-          </a:prstGeom>
-          <a:noFill/>
-          <a:extLst>
-            <a:ext uri="{909E8E84-426E-40DD-AFC4-6F175D3DCCD1}">
-              <a14:hiddenFill xmlns:a14="http://schemas.microsoft.com/office/drawing/2010/main">
-                <a:solidFill>
-                  <a:srgbClr val="FFFFFF"/>
-                </a:solidFill>
-              </a14:hiddenFill>
-            </a:ext>
-          </a:extLst>
-        </p:spPr>
-      </p:pic>
-    </p:spTree>
-    <p:extLst>
-      <p:ext uri="{BB962C8B-B14F-4D97-AF65-F5344CB8AC3E}">
-        <p14:creationId xmlns:p14="http://schemas.microsoft.com/office/powerpoint/2010/main" val="166785523"/>
-      </p:ext>
-    </p:extLst>
-  </p:cSld>
-  <p:clrMapOvr>
-    <a:masterClrMapping/>
-  </p:clrMapOvr>
-</p:sld>
-</file>
-
-<file path=ppt/slides/slide3.xml><?xml version="1.0" encoding="utf-8"?>
-<p:sld xmlns:a="http://schemas.openxmlformats.org/drawingml/2006/main" xmlns:r="http://schemas.openxmlformats.org/officeDocument/2006/relationships" xmlns:p="http://schemas.openxmlformats.org/presentationml/2006/main">
-  <p:cSld>
-    <p:spTree>
-      <p:nvGrpSpPr>
-        <p:cNvPr id="1" name=""/>
-        <p:cNvGrpSpPr/>
-        <p:nvPr/>
-      </p:nvGrpSpPr>
-      <p:grpSpPr>
-        <a:xfrm>
-          <a:off x="0" y="0"/>
-          <a:ext cx="0" cy="0"/>
-          <a:chOff x="0" y="0"/>
-          <a:chExt cx="0" cy="0"/>
-        </a:xfrm>
-      </p:grpSpPr>
-      <p:grpSp>
-        <p:nvGrpSpPr>
-          <p:cNvPr id="2" name="Group 2"/>
-          <p:cNvGrpSpPr/>
-          <p:nvPr/>
-        </p:nvGrpSpPr>
-        <p:grpSpPr>
-          <a:xfrm rot="-5400000">
-            <a:off x="10728361" y="2727361"/>
-            <a:ext cx="7565692" cy="7553587"/>
-            <a:chOff x="0" y="0"/>
-            <a:chExt cx="6350000" cy="6339840"/>
-          </a:xfrm>
-        </p:grpSpPr>
-        <p:sp>
-          <p:nvSpPr>
-            <p:cNvPr id="3" name="Freeform 3"/>
-            <p:cNvSpPr/>
-            <p:nvPr/>
-          </p:nvSpPr>
-          <p:spPr>
-            <a:xfrm>
-              <a:off x="0" y="0"/>
-              <a:ext cx="6350000" cy="6339840"/>
-            </a:xfrm>
-            <a:custGeom>
-              <a:avLst/>
-              <a:gdLst/>
-              <a:ahLst/>
-              <a:cxnLst/>
-              <a:rect l="l" t="t" r="r" b="b"/>
-              <a:pathLst>
-                <a:path w="6350000" h="6339840">
-                  <a:moveTo>
-                    <a:pt x="6350000" y="6339840"/>
-                  </a:moveTo>
-                  <a:lnTo>
-                    <a:pt x="0" y="6339840"/>
-                  </a:lnTo>
-                  <a:lnTo>
-                    <a:pt x="0" y="0"/>
-                  </a:lnTo>
-                  <a:close/>
-                </a:path>
-              </a:pathLst>
-            </a:custGeom>
-            <a:solidFill>
-              <a:srgbClr val="CF3338"/>
-            </a:solidFill>
-          </p:spPr>
-          <p:txBody>
-            <a:bodyPr/>
-            <a:lstStyle/>
-            <a:p>
-              <a:endParaRPr lang="en-US"/>
-            </a:p>
-          </p:txBody>
-        </p:sp>
-      </p:grpSp>
-      <p:grpSp>
-        <p:nvGrpSpPr>
-          <p:cNvPr id="4" name="Group 4"/>
-          <p:cNvGrpSpPr/>
-          <p:nvPr/>
-        </p:nvGrpSpPr>
-        <p:grpSpPr>
-          <a:xfrm rot="-10800000">
-            <a:off x="15566406" y="5573199"/>
-            <a:ext cx="5443189" cy="4713801"/>
-            <a:chOff x="0" y="0"/>
-            <a:chExt cx="6350000" cy="5499100"/>
-          </a:xfrm>
-        </p:grpSpPr>
-        <p:sp>
-          <p:nvSpPr>
-            <p:cNvPr id="5" name="Freeform 5"/>
-            <p:cNvSpPr/>
-            <p:nvPr/>
-          </p:nvSpPr>
-          <p:spPr>
-            <a:xfrm>
-              <a:off x="0" y="0"/>
-              <a:ext cx="6350000" cy="5499100"/>
-            </a:xfrm>
-            <a:custGeom>
-              <a:avLst/>
-              <a:gdLst/>
-              <a:ahLst/>
-              <a:cxnLst/>
-              <a:rect l="l" t="t" r="r" b="b"/>
-              <a:pathLst>
-                <a:path w="6350000" h="5499100">
-                  <a:moveTo>
-                    <a:pt x="0" y="5499100"/>
-                  </a:moveTo>
-                  <a:lnTo>
-                    <a:pt x="3175000" y="0"/>
-                  </a:lnTo>
-                  <a:lnTo>
-                    <a:pt x="6350000" y="5499100"/>
-                  </a:lnTo>
-                  <a:close/>
-                </a:path>
-              </a:pathLst>
-            </a:custGeom>
-            <a:solidFill>
-              <a:srgbClr val="3D3935"/>
-            </a:solidFill>
-          </p:spPr>
-          <p:txBody>
-            <a:bodyPr/>
-            <a:lstStyle/>
-            <a:p>
-              <a:endParaRPr lang="en-US"/>
-            </a:p>
-          </p:txBody>
-        </p:sp>
-      </p:grpSp>
-      <p:sp>
-        <p:nvSpPr>
-          <p:cNvPr id="6" name="AutoShape 6"/>
-          <p:cNvSpPr/>
-          <p:nvPr/>
-        </p:nvSpPr>
-        <p:spPr>
-          <a:xfrm>
-            <a:off x="9144000" y="2143604"/>
-            <a:ext cx="9466400" cy="56192"/>
-          </a:xfrm>
-          <a:prstGeom prst="rect">
-            <a:avLst/>
-          </a:prstGeom>
-          <a:solidFill>
-            <a:srgbClr val="000000"/>
-          </a:solidFill>
-        </p:spPr>
-        <p:txBody>
-          <a:bodyPr/>
-          <a:lstStyle/>
-          <a:p>
-            <a:endParaRPr lang="en-US"/>
-          </a:p>
-        </p:txBody>
-      </p:sp>
-      <p:pic>
-        <p:nvPicPr>
-          <p:cNvPr id="7" name="Picture 7"/>
-          <p:cNvPicPr>
-            <a:picLocks noChangeAspect="1"/>
-          </p:cNvPicPr>
-          <p:nvPr/>
-        </p:nvPicPr>
-        <p:blipFill>
-          <a:blip r:embed="rId3"/>
-          <a:srcRect/>
-          <a:stretch>
-            <a:fillRect/>
-          </a:stretch>
-        </p:blipFill>
-        <p:spPr>
-          <a:xfrm>
-            <a:off x="16100583" y="9258300"/>
-            <a:ext cx="2005783" cy="1470490"/>
-          </a:xfrm>
-          <a:prstGeom prst="rect">
-            <a:avLst/>
-          </a:prstGeom>
-        </p:spPr>
-      </p:pic>
-      <p:sp>
-        <p:nvSpPr>
-          <p:cNvPr id="8" name="TextBox 8"/>
-          <p:cNvSpPr txBox="1"/>
-          <p:nvPr/>
-        </p:nvSpPr>
-        <p:spPr>
-          <a:xfrm>
-            <a:off x="1028700" y="1028700"/>
-            <a:ext cx="7567947" cy="1154162"/>
-          </a:xfrm>
-          <a:prstGeom prst="rect">
-            <a:avLst/>
-          </a:prstGeom>
-        </p:spPr>
-        <p:txBody>
-          <a:bodyPr lIns="0" tIns="0" rIns="0" bIns="0" rtlCol="0" anchor="t">
-            <a:spAutoFit/>
-          </a:bodyPr>
-          <a:lstStyle/>
-          <a:p>
-            <a:pPr>
-              <a:lnSpc>
-                <a:spcPts val="9000"/>
-              </a:lnSpc>
-            </a:pPr>
-            <a:r>
-              <a:rPr lang="en-US" sz="7500" spc="375" dirty="0">
-                <a:solidFill>
-                  <a:srgbClr val="000000"/>
-                </a:solidFill>
-                <a:latin typeface="League Spartan Bold"/>
-              </a:rPr>
-              <a:t>OBJECTIVES</a:t>
-            </a:r>
-          </a:p>
-        </p:txBody>
-      </p:sp>
-      <p:sp>
-        <p:nvSpPr>
-          <p:cNvPr id="9" name="TextBox 9"/>
-          <p:cNvSpPr txBox="1"/>
-          <p:nvPr/>
-        </p:nvSpPr>
-        <p:spPr>
-          <a:xfrm rot="-5400000">
-            <a:off x="-1278255" y="6391149"/>
-            <a:ext cx="5334001" cy="400302"/>
-          </a:xfrm>
-          <a:prstGeom prst="rect">
-            <a:avLst/>
-          </a:prstGeom>
-        </p:spPr>
-        <p:txBody>
-          <a:bodyPr wrap="square" lIns="0" tIns="0" rIns="0" bIns="0" rtlCol="0" anchor="t">
-            <a:spAutoFit/>
-          </a:bodyPr>
-          <a:lstStyle/>
-          <a:p>
-            <a:pPr>
-              <a:lnSpc>
-                <a:spcPts val="3359"/>
-              </a:lnSpc>
-            </a:pPr>
-            <a:r>
-              <a:rPr lang="en-US" sz="2400" spc="192" dirty="0">
-                <a:solidFill>
-                  <a:srgbClr val="000000"/>
-                </a:solidFill>
-                <a:latin typeface="Gidole"/>
-              </a:rPr>
-              <a:t>Analytics in Modern Excel</a:t>
-            </a:r>
-          </a:p>
-        </p:txBody>
-      </p:sp>
-      <p:sp>
-        <p:nvSpPr>
-          <p:cNvPr id="10" name="TextBox 10"/>
-          <p:cNvSpPr txBox="1"/>
-          <p:nvPr/>
-        </p:nvSpPr>
-        <p:spPr>
-          <a:xfrm>
-            <a:off x="2819400" y="2400300"/>
-            <a:ext cx="9243139" cy="3868303"/>
-          </a:xfrm>
-          <a:prstGeom prst="rect">
-            <a:avLst/>
-          </a:prstGeom>
-        </p:spPr>
-        <p:txBody>
-          <a:bodyPr wrap="square" lIns="0" tIns="0" rIns="0" bIns="0" rtlCol="0" anchor="t">
-            <a:spAutoFit/>
-          </a:bodyPr>
-          <a:lstStyle/>
-          <a:p>
-            <a:pPr marL="457200" indent="-457200">
-              <a:lnSpc>
-                <a:spcPts val="3750"/>
-              </a:lnSpc>
-              <a:buFont typeface="Arial" panose="020B0604020202020204" pitchFamily="34" charset="0"/>
-              <a:buChar char="•"/>
-            </a:pPr>
-            <a:r>
-              <a:rPr lang="en-US" sz="3000" spc="30" dirty="0">
-                <a:solidFill>
-                  <a:srgbClr val="000000"/>
-                </a:solidFill>
-                <a:latin typeface="Gidole"/>
-              </a:rPr>
-              <a:t>Make first impressions with the data using Power Query profiling</a:t>
-            </a:r>
-            <a:br>
-              <a:rPr lang="en-US" sz="3000" spc="30" dirty="0">
-                <a:solidFill>
-                  <a:srgbClr val="000000"/>
-                </a:solidFill>
-                <a:latin typeface="Gidole"/>
-              </a:rPr>
-            </a:br>
-            <a:endParaRPr lang="en-US" sz="3000" spc="30" dirty="0">
-              <a:solidFill>
-                <a:srgbClr val="000000"/>
-              </a:solidFill>
-              <a:latin typeface="Gidole"/>
-            </a:endParaRPr>
-          </a:p>
-          <a:p>
-            <a:pPr marL="457200" indent="-457200">
-              <a:lnSpc>
-                <a:spcPts val="3750"/>
-              </a:lnSpc>
-              <a:buFont typeface="Arial" panose="020B0604020202020204" pitchFamily="34" charset="0"/>
-              <a:buChar char="•"/>
-            </a:pPr>
-            <a:r>
-              <a:rPr lang="en-US" sz="3000" spc="30" dirty="0">
-                <a:solidFill>
-                  <a:srgbClr val="000000"/>
-                </a:solidFill>
-                <a:latin typeface="Gidole"/>
-              </a:rPr>
-              <a:t>Conduct ad-hoc analysis with PivotTables</a:t>
-            </a:r>
-            <a:br>
-              <a:rPr lang="en-US" sz="3000" spc="30" dirty="0">
-                <a:solidFill>
-                  <a:srgbClr val="000000"/>
-                </a:solidFill>
-                <a:latin typeface="Gidole"/>
-              </a:rPr>
-            </a:br>
-            <a:endParaRPr lang="en-US" sz="3000" spc="30" dirty="0">
-              <a:solidFill>
-                <a:srgbClr val="000000"/>
-              </a:solidFill>
-              <a:latin typeface="Gidole"/>
-            </a:endParaRPr>
-          </a:p>
-          <a:p>
-            <a:pPr marL="457200" indent="-457200">
-              <a:lnSpc>
-                <a:spcPts val="3750"/>
-              </a:lnSpc>
-              <a:buFont typeface="Arial" panose="020B0604020202020204" pitchFamily="34" charset="0"/>
-              <a:buChar char="•"/>
-            </a:pPr>
-            <a:r>
-              <a:rPr lang="en-US" sz="3000" spc="30" dirty="0">
-                <a:solidFill>
-                  <a:srgbClr val="000000"/>
-                </a:solidFill>
-                <a:latin typeface="Gidole"/>
-              </a:rPr>
-              <a:t>Pull data fast with dynamic array functions</a:t>
-            </a:r>
-            <a:br>
-              <a:rPr lang="en-US" sz="3000" spc="30" dirty="0">
-                <a:solidFill>
-                  <a:srgbClr val="000000"/>
-                </a:solidFill>
-                <a:latin typeface="Gidole"/>
-              </a:rPr>
-            </a:br>
-            <a:endParaRPr lang="en-US" sz="3000" spc="30" dirty="0">
-              <a:solidFill>
-                <a:srgbClr val="000000"/>
-              </a:solidFill>
-              <a:latin typeface="Gidole"/>
-            </a:endParaRPr>
-          </a:p>
-          <a:p>
-            <a:pPr marL="457200" indent="-457200">
-              <a:lnSpc>
-                <a:spcPts val="3750"/>
-              </a:lnSpc>
-              <a:buFont typeface="Arial" panose="020B0604020202020204" pitchFamily="34" charset="0"/>
-              <a:buChar char="•"/>
-            </a:pPr>
-            <a:r>
-              <a:rPr lang="en-US" sz="3000" spc="30" dirty="0">
-                <a:solidFill>
-                  <a:srgbClr val="000000"/>
-                </a:solidFill>
-                <a:latin typeface="Gidole"/>
-              </a:rPr>
-              <a:t>Prepare for AI-Powered Excel</a:t>
-            </a:r>
-          </a:p>
-        </p:txBody>
-      </p:sp>
-    </p:spTree>
-    <p:extLst>
-      <p:ext uri="{BB962C8B-B14F-4D97-AF65-F5344CB8AC3E}">
-        <p14:creationId xmlns:p14="http://schemas.microsoft.com/office/powerpoint/2010/main" val="3353069847"/>
-      </p:ext>
-    </p:extLst>
-  </p:cSld>
-  <p:clrMapOvr>
-    <a:masterClrMapping/>
-  </p:clrMapOvr>
-</p:sld>
-</file>
-
-<file path=ppt/slides/slide4.xml><?xml version="1.0" encoding="utf-8"?>
-<p:sld xmlns:a="http://schemas.openxmlformats.org/drawingml/2006/main" xmlns:r="http://schemas.openxmlformats.org/officeDocument/2006/relationships" xmlns:p="http://schemas.openxmlformats.org/presentationml/2006/main">
-  <p:cSld>
-    <p:spTree>
-      <p:nvGrpSpPr>
-        <p:cNvPr id="1" name=""/>
-        <p:cNvGrpSpPr/>
-        <p:nvPr/>
-      </p:nvGrpSpPr>
-      <p:grpSpPr>
-        <a:xfrm>
-          <a:off x="0" y="0"/>
-          <a:ext cx="0" cy="0"/>
-          <a:chOff x="0" y="0"/>
-          <a:chExt cx="0" cy="0"/>
-        </a:xfrm>
-      </p:grpSpPr>
-      <p:grpSp>
-        <p:nvGrpSpPr>
-          <p:cNvPr id="2" name="Group 2"/>
-          <p:cNvGrpSpPr/>
-          <p:nvPr/>
-        </p:nvGrpSpPr>
-        <p:grpSpPr>
-          <a:xfrm rot="-5400000">
-            <a:off x="10728361" y="2727361"/>
-            <a:ext cx="7565692" cy="7553587"/>
-            <a:chOff x="0" y="0"/>
-            <a:chExt cx="6350000" cy="6339840"/>
-          </a:xfrm>
-        </p:grpSpPr>
-        <p:sp>
-          <p:nvSpPr>
-            <p:cNvPr id="3" name="Freeform 3"/>
-            <p:cNvSpPr/>
-            <p:nvPr/>
-          </p:nvSpPr>
-          <p:spPr>
-            <a:xfrm>
-              <a:off x="0" y="0"/>
-              <a:ext cx="6350000" cy="6339840"/>
-            </a:xfrm>
-            <a:custGeom>
-              <a:avLst/>
-              <a:gdLst/>
-              <a:ahLst/>
-              <a:cxnLst/>
-              <a:rect l="l" t="t" r="r" b="b"/>
-              <a:pathLst>
-                <a:path w="6350000" h="6339840">
-                  <a:moveTo>
-                    <a:pt x="6350000" y="6339840"/>
-                  </a:moveTo>
-                  <a:lnTo>
-                    <a:pt x="0" y="6339840"/>
-                  </a:lnTo>
-                  <a:lnTo>
-                    <a:pt x="0" y="0"/>
-                  </a:lnTo>
-                  <a:close/>
-                </a:path>
-              </a:pathLst>
-            </a:custGeom>
-            <a:solidFill>
-              <a:srgbClr val="CF3338"/>
-            </a:solidFill>
-          </p:spPr>
-          <p:txBody>
-            <a:bodyPr/>
-            <a:lstStyle/>
-            <a:p>
-              <a:endParaRPr lang="en-US"/>
-            </a:p>
-          </p:txBody>
-        </p:sp>
-      </p:grpSp>
-      <p:grpSp>
-        <p:nvGrpSpPr>
-          <p:cNvPr id="4" name="Group 4"/>
-          <p:cNvGrpSpPr/>
-          <p:nvPr/>
-        </p:nvGrpSpPr>
-        <p:grpSpPr>
-          <a:xfrm rot="-10800000">
-            <a:off x="15566406" y="5573199"/>
-            <a:ext cx="5443189" cy="4713801"/>
-            <a:chOff x="0" y="0"/>
-            <a:chExt cx="6350000" cy="5499100"/>
-          </a:xfrm>
-        </p:grpSpPr>
-        <p:sp>
-          <p:nvSpPr>
-            <p:cNvPr id="5" name="Freeform 5"/>
-            <p:cNvSpPr/>
-            <p:nvPr/>
-          </p:nvSpPr>
-          <p:spPr>
-            <a:xfrm>
-              <a:off x="0" y="0"/>
-              <a:ext cx="6350000" cy="5499100"/>
-            </a:xfrm>
-            <a:custGeom>
-              <a:avLst/>
-              <a:gdLst/>
-              <a:ahLst/>
-              <a:cxnLst/>
-              <a:rect l="l" t="t" r="r" b="b"/>
-              <a:pathLst>
-                <a:path w="6350000" h="5499100">
-                  <a:moveTo>
-                    <a:pt x="0" y="5499100"/>
-                  </a:moveTo>
-                  <a:lnTo>
-                    <a:pt x="3175000" y="0"/>
-                  </a:lnTo>
-                  <a:lnTo>
-                    <a:pt x="6350000" y="5499100"/>
-                  </a:lnTo>
-                  <a:close/>
-                </a:path>
-              </a:pathLst>
-            </a:custGeom>
-            <a:solidFill>
-              <a:srgbClr val="3D3935"/>
-            </a:solidFill>
-          </p:spPr>
-          <p:txBody>
-            <a:bodyPr/>
-            <a:lstStyle/>
-            <a:p>
-              <a:endParaRPr lang="en-US"/>
-            </a:p>
-          </p:txBody>
-        </p:sp>
-      </p:grpSp>
-      <p:sp>
-        <p:nvSpPr>
-          <p:cNvPr id="6" name="AutoShape 6"/>
-          <p:cNvSpPr/>
-          <p:nvPr/>
-        </p:nvSpPr>
-        <p:spPr>
-          <a:xfrm>
-            <a:off x="9144000" y="2143604"/>
-            <a:ext cx="9466400" cy="56192"/>
-          </a:xfrm>
-          <a:prstGeom prst="rect">
-            <a:avLst/>
-          </a:prstGeom>
-          <a:solidFill>
-            <a:srgbClr val="000000"/>
-          </a:solidFill>
-        </p:spPr>
-        <p:txBody>
-          <a:bodyPr/>
-          <a:lstStyle/>
-          <a:p>
-            <a:endParaRPr lang="en-US"/>
-          </a:p>
-        </p:txBody>
-      </p:sp>
-      <p:pic>
-        <p:nvPicPr>
-          <p:cNvPr id="7" name="Picture 7"/>
-          <p:cNvPicPr>
-            <a:picLocks noChangeAspect="1"/>
-          </p:cNvPicPr>
-          <p:nvPr/>
-        </p:nvPicPr>
-        <p:blipFill>
-          <a:blip r:embed="rId3"/>
-          <a:srcRect/>
-          <a:stretch>
-            <a:fillRect/>
-          </a:stretch>
-        </p:blipFill>
-        <p:spPr>
-          <a:xfrm>
-            <a:off x="16100583" y="9258300"/>
-            <a:ext cx="2005783" cy="1470490"/>
-          </a:xfrm>
-          <a:prstGeom prst="rect">
-            <a:avLst/>
-          </a:prstGeom>
-        </p:spPr>
-      </p:pic>
-      <p:sp>
-        <p:nvSpPr>
-          <p:cNvPr id="8" name="TextBox 8"/>
-          <p:cNvSpPr txBox="1"/>
-          <p:nvPr/>
-        </p:nvSpPr>
-        <p:spPr>
-          <a:xfrm>
-            <a:off x="1028700" y="1028700"/>
-            <a:ext cx="7567947" cy="2308324"/>
-          </a:xfrm>
-          <a:prstGeom prst="rect">
-            <a:avLst/>
-          </a:prstGeom>
-        </p:spPr>
-        <p:txBody>
-          <a:bodyPr lIns="0" tIns="0" rIns="0" bIns="0" rtlCol="0" anchor="t">
-            <a:spAutoFit/>
-          </a:bodyPr>
-          <a:lstStyle/>
-          <a:p>
-            <a:pPr>
-              <a:lnSpc>
-                <a:spcPts val="9000"/>
-              </a:lnSpc>
-            </a:pPr>
-            <a:r>
-              <a:rPr lang="en-US" sz="7500" spc="375" dirty="0">
-                <a:solidFill>
-                  <a:srgbClr val="000000"/>
-                </a:solidFill>
-                <a:latin typeface="League Spartan Bold"/>
-              </a:rPr>
-              <a:t>FOLLOWING ALONG</a:t>
-            </a:r>
-          </a:p>
-        </p:txBody>
-      </p:sp>
-      <p:sp>
-        <p:nvSpPr>
-          <p:cNvPr id="9" name="TextBox 9"/>
-          <p:cNvSpPr txBox="1"/>
-          <p:nvPr/>
-        </p:nvSpPr>
-        <p:spPr>
-          <a:xfrm rot="-5400000">
-            <a:off x="-1476249" y="6848349"/>
-            <a:ext cx="4419601" cy="400302"/>
-          </a:xfrm>
-          <a:prstGeom prst="rect">
-            <a:avLst/>
-          </a:prstGeom>
-        </p:spPr>
-        <p:txBody>
-          <a:bodyPr wrap="square" lIns="0" tIns="0" rIns="0" bIns="0" rtlCol="0" anchor="t">
-            <a:spAutoFit/>
-          </a:bodyPr>
-          <a:lstStyle/>
-          <a:p>
-            <a:pPr>
-              <a:lnSpc>
-                <a:spcPts val="3359"/>
-              </a:lnSpc>
-            </a:pPr>
-            <a:r>
-              <a:rPr lang="en-US" sz="2400" spc="192" dirty="0">
-                <a:solidFill>
-                  <a:srgbClr val="000000"/>
-                </a:solidFill>
-                <a:latin typeface="Gidole"/>
-              </a:rPr>
-              <a:t>Analytics in Modern Excel</a:t>
-            </a:r>
-          </a:p>
-        </p:txBody>
-      </p:sp>
-      <p:sp>
-        <p:nvSpPr>
-          <p:cNvPr id="10" name="TextBox 10"/>
-          <p:cNvSpPr txBox="1"/>
-          <p:nvPr/>
-        </p:nvSpPr>
-        <p:spPr>
-          <a:xfrm>
-            <a:off x="2112470" y="3337024"/>
-            <a:ext cx="12594129" cy="2246769"/>
-          </a:xfrm>
-          <a:prstGeom prst="rect">
-            <a:avLst/>
-          </a:prstGeom>
-        </p:spPr>
-        <p:txBody>
-          <a:bodyPr wrap="square" lIns="0" tIns="0" rIns="0" bIns="0" rtlCol="0" anchor="t">
-            <a:spAutoFit/>
-          </a:bodyPr>
-          <a:lstStyle/>
-          <a:p>
-            <a:r>
-              <a:rPr lang="en-US" sz="6600" spc="30" dirty="0">
-                <a:solidFill>
-                  <a:srgbClr val="000000"/>
-                </a:solidFill>
-                <a:latin typeface="Gidole"/>
-              </a:rPr>
-              <a:t>Download resources:</a:t>
-            </a:r>
-          </a:p>
-          <a:p>
-            <a:r>
-              <a:rPr lang="en-US" sz="8000" spc="30" dirty="0">
-                <a:solidFill>
-                  <a:srgbClr val="000000"/>
-                </a:solidFill>
-                <a:latin typeface="Gidole"/>
-                <a:hlinkClick r:id="rId4"/>
-              </a:rPr>
-              <a:t>https://swiy.co/I7aT</a:t>
-            </a:r>
-            <a:r>
-              <a:rPr lang="en-US" sz="8000" spc="30" dirty="0">
-                <a:solidFill>
-                  <a:srgbClr val="000000"/>
-                </a:solidFill>
-                <a:latin typeface="Gidole"/>
-              </a:rPr>
-              <a:t>  </a:t>
-            </a:r>
-            <a:endParaRPr lang="en-US" sz="6000" spc="30" dirty="0">
-              <a:solidFill>
-                <a:srgbClr val="000000"/>
-              </a:solidFill>
-              <a:latin typeface="Gidole"/>
-            </a:endParaRPr>
-          </a:p>
-        </p:txBody>
-      </p:sp>
-    </p:spTree>
-    <p:extLst>
-      <p:ext uri="{BB962C8B-B14F-4D97-AF65-F5344CB8AC3E}">
-        <p14:creationId xmlns:p14="http://schemas.microsoft.com/office/powerpoint/2010/main" val="3926009965"/>
-      </p:ext>
-    </p:extLst>
-  </p:cSld>
-  <p:clrMapOvr>
-    <a:masterClrMapping/>
-  </p:clrMapOvr>
-</p:sld>
-</file>
-
-<file path=ppt/slides/slide5.xml><?xml version="1.0" encoding="utf-8"?>
-<p:sld xmlns:a="http://schemas.openxmlformats.org/drawingml/2006/main" xmlns:r="http://schemas.openxmlformats.org/officeDocument/2006/relationships" xmlns:p="http://schemas.openxmlformats.org/presentationml/2006/main">
-  <p:cSld>
-    <p:spTree>
-      <p:nvGrpSpPr>
-        <p:cNvPr id="1" name=""/>
-        <p:cNvGrpSpPr/>
-        <p:nvPr/>
-      </p:nvGrpSpPr>
-      <p:grpSpPr>
-        <a:xfrm>
-          <a:off x="0" y="0"/>
-          <a:ext cx="0" cy="0"/>
-          <a:chOff x="0" y="0"/>
-          <a:chExt cx="0" cy="0"/>
-        </a:xfrm>
-      </p:grpSpPr>
-      <p:pic>
-        <p:nvPicPr>
-          <p:cNvPr id="8" name="Picture 8"/>
-          <p:cNvPicPr>
-            <a:picLocks noChangeAspect="1"/>
-          </p:cNvPicPr>
-          <p:nvPr/>
-        </p:nvPicPr>
-        <p:blipFill>
-          <a:blip r:embed="rId3"/>
-          <a:srcRect/>
-          <a:stretch>
-            <a:fillRect/>
-          </a:stretch>
-        </p:blipFill>
-        <p:spPr>
-          <a:xfrm>
-            <a:off x="16459200" y="-99077"/>
-            <a:ext cx="2005783" cy="1470490"/>
-          </a:xfrm>
-          <a:prstGeom prst="rect">
-            <a:avLst/>
-          </a:prstGeom>
-        </p:spPr>
-      </p:pic>
-      <p:sp>
-        <p:nvSpPr>
-          <p:cNvPr id="9" name="TextBox 9"/>
-          <p:cNvSpPr txBox="1"/>
-          <p:nvPr/>
-        </p:nvSpPr>
-        <p:spPr>
-          <a:xfrm>
-            <a:off x="838200" y="617118"/>
-            <a:ext cx="15631206" cy="1209818"/>
-          </a:xfrm>
-          <a:prstGeom prst="rect">
-            <a:avLst/>
-          </a:prstGeom>
-        </p:spPr>
-        <p:txBody>
-          <a:bodyPr wrap="square" lIns="0" tIns="0" rIns="0" bIns="0" rtlCol="0" anchor="t">
-            <a:spAutoFit/>
-          </a:bodyPr>
-          <a:lstStyle/>
-          <a:p>
-            <a:pPr>
-              <a:lnSpc>
-                <a:spcPts val="10080"/>
-              </a:lnSpc>
-              <a:spcBef>
-                <a:spcPct val="0"/>
-              </a:spcBef>
-            </a:pPr>
-            <a:r>
-              <a:rPr lang="en-US" sz="7200" dirty="0">
-                <a:solidFill>
-                  <a:srgbClr val="000000"/>
-                </a:solidFill>
-                <a:latin typeface="Open Sans Extra Bold"/>
-              </a:rPr>
-              <a:t>QUESTIONS?</a:t>
-            </a:r>
-          </a:p>
-        </p:txBody>
-      </p:sp>
-      <p:pic>
-        <p:nvPicPr>
-          <p:cNvPr id="5" name="Picture 6">
-            <a:extLst>
-              <a:ext uri="{FF2B5EF4-FFF2-40B4-BE49-F238E27FC236}">
-                <a16:creationId xmlns:a16="http://schemas.microsoft.com/office/drawing/2014/main" id="{01C401A0-8EBC-47CA-B2DE-F204DE6EEF54}"/>
-              </a:ext>
-            </a:extLst>
-          </p:cNvPr>
-          <p:cNvPicPr>
-            <a:picLocks noChangeAspect="1"/>
-          </p:cNvPicPr>
-          <p:nvPr/>
-        </p:nvPicPr>
-        <p:blipFill>
-          <a:blip r:embed="rId4"/>
-          <a:srcRect b="44190"/>
-          <a:stretch>
-            <a:fillRect/>
-          </a:stretch>
-        </p:blipFill>
-        <p:spPr>
-          <a:xfrm>
-            <a:off x="16095120" y="9265255"/>
-            <a:ext cx="2013122" cy="823680"/>
-          </a:xfrm>
-          <a:prstGeom prst="rect">
-            <a:avLst/>
-          </a:prstGeom>
-        </p:spPr>
-      </p:pic>
-    </p:spTree>
-    <p:extLst>
-      <p:ext uri="{BB962C8B-B14F-4D97-AF65-F5344CB8AC3E}">
-        <p14:creationId xmlns:p14="http://schemas.microsoft.com/office/powerpoint/2010/main" val="2269851195"/>
-      </p:ext>
-    </p:extLst>
-  </p:cSld>
-  <p:clrMapOvr>
-    <a:masterClrMapping/>
-  </p:clrMapOvr>
-</p:sld>
-</file>
-
-<file path=ppt/slides/slide6.xml><?xml version="1.0" encoding="utf-8"?>
-<p:sld xmlns:a="http://schemas.openxmlformats.org/drawingml/2006/main" xmlns:r="http://schemas.openxmlformats.org/officeDocument/2006/relationships" xmlns:p="http://schemas.openxmlformats.org/presentationml/2006/main">
-  <p:cSld>
-    <p:spTree>
-      <p:nvGrpSpPr>
-        <p:cNvPr id="1" name=""/>
-        <p:cNvGrpSpPr/>
-        <p:nvPr/>
-      </p:nvGrpSpPr>
-      <p:grpSpPr>
-        <a:xfrm>
-          <a:off x="0" y="0"/>
-          <a:ext cx="0" cy="0"/>
-          <a:chOff x="0" y="0"/>
-          <a:chExt cx="0" cy="0"/>
-        </a:xfrm>
-      </p:grpSpPr>
-      <p:pic>
-        <p:nvPicPr>
-          <p:cNvPr id="8" name="Picture 8"/>
-          <p:cNvPicPr>
-            <a:picLocks noChangeAspect="1"/>
-          </p:cNvPicPr>
-          <p:nvPr/>
-        </p:nvPicPr>
-        <p:blipFill>
-          <a:blip r:embed="rId3"/>
-          <a:srcRect/>
-          <a:stretch>
-            <a:fillRect/>
-          </a:stretch>
-        </p:blipFill>
-        <p:spPr>
-          <a:xfrm>
-            <a:off x="16459200" y="-99077"/>
-            <a:ext cx="2005783" cy="1470490"/>
-          </a:xfrm>
-          <a:prstGeom prst="rect">
-            <a:avLst/>
-          </a:prstGeom>
-        </p:spPr>
-      </p:pic>
-      <p:sp>
-        <p:nvSpPr>
-          <p:cNvPr id="9" name="TextBox 9"/>
-          <p:cNvSpPr txBox="1"/>
-          <p:nvPr/>
-        </p:nvSpPr>
-        <p:spPr>
-          <a:xfrm>
-            <a:off x="838200" y="617118"/>
-            <a:ext cx="15631206" cy="1209818"/>
-          </a:xfrm>
-          <a:prstGeom prst="rect">
-            <a:avLst/>
-          </a:prstGeom>
-        </p:spPr>
-        <p:txBody>
-          <a:bodyPr wrap="square" lIns="0" tIns="0" rIns="0" bIns="0" rtlCol="0" anchor="t">
-            <a:spAutoFit/>
-          </a:bodyPr>
-          <a:lstStyle/>
-          <a:p>
-            <a:pPr>
-              <a:lnSpc>
-                <a:spcPts val="10080"/>
-              </a:lnSpc>
-              <a:spcBef>
-                <a:spcPct val="0"/>
-              </a:spcBef>
-            </a:pPr>
-            <a:r>
-              <a:rPr lang="en-US" sz="7200" dirty="0">
-                <a:solidFill>
-                  <a:srgbClr val="000000"/>
-                </a:solidFill>
-                <a:latin typeface="Open Sans Extra Bold"/>
-              </a:rPr>
-              <a:t>WHAT IS MODERN EXCEL?</a:t>
-            </a:r>
-          </a:p>
-        </p:txBody>
-      </p:sp>
-      <p:pic>
-        <p:nvPicPr>
-          <p:cNvPr id="5" name="Picture 6">
-            <a:extLst>
-              <a:ext uri="{FF2B5EF4-FFF2-40B4-BE49-F238E27FC236}">
-                <a16:creationId xmlns:a16="http://schemas.microsoft.com/office/drawing/2014/main" id="{01C401A0-8EBC-47CA-B2DE-F204DE6EEF54}"/>
-              </a:ext>
-            </a:extLst>
-          </p:cNvPr>
-          <p:cNvPicPr>
-            <a:picLocks noChangeAspect="1"/>
-          </p:cNvPicPr>
-          <p:nvPr/>
-        </p:nvPicPr>
-        <p:blipFill>
-          <a:blip r:embed="rId4"/>
-          <a:srcRect b="44190"/>
-          <a:stretch>
-            <a:fillRect/>
-          </a:stretch>
-        </p:blipFill>
-        <p:spPr>
-          <a:xfrm>
-            <a:off x="16095120" y="9265255"/>
-            <a:ext cx="2013122" cy="823680"/>
-          </a:xfrm>
-          <a:prstGeom prst="rect">
-            <a:avLst/>
-          </a:prstGeom>
-        </p:spPr>
-      </p:pic>
-      <p:sp>
-        <p:nvSpPr>
-          <p:cNvPr id="6" name="TextBox 5">
-            <a:extLst>
-              <a:ext uri="{FF2B5EF4-FFF2-40B4-BE49-F238E27FC236}">
-                <a16:creationId xmlns:a16="http://schemas.microsoft.com/office/drawing/2014/main" id="{B72B56F1-579F-4CEC-BF86-0455EEB5C6F1}"/>
-              </a:ext>
-            </a:extLst>
-          </p:cNvPr>
-          <p:cNvSpPr txBox="1"/>
-          <p:nvPr/>
-        </p:nvSpPr>
-        <p:spPr>
-          <a:xfrm>
-            <a:off x="857250" y="1943100"/>
-            <a:ext cx="8727030" cy="4524315"/>
-          </a:xfrm>
-          <a:prstGeom prst="rect">
-            <a:avLst/>
-          </a:prstGeom>
-          <a:noFill/>
-        </p:spPr>
-        <p:txBody>
-          <a:bodyPr wrap="square" rtlCol="0">
-            <a:spAutoFit/>
-          </a:bodyPr>
-          <a:lstStyle/>
-          <a:p>
-            <a:pPr marL="685800" indent="-685800">
-              <a:buFont typeface="Arial" panose="020B0604020202020204" pitchFamily="34" charset="0"/>
-              <a:buChar char="•"/>
-            </a:pPr>
-            <a:r>
-              <a:rPr lang="en-US" sz="4800" dirty="0">
-                <a:latin typeface="Gidole" panose="02000503000000000000" pitchFamily="2" charset="0"/>
-                <a:ea typeface="Roboto Mono" pitchFamily="2" charset="0"/>
-              </a:rPr>
-              <a:t>Historically:</a:t>
-            </a:r>
-          </a:p>
-          <a:p>
-            <a:pPr marL="1143000" lvl="1" indent="-685800">
-              <a:buFont typeface="Arial" panose="020B0604020202020204" pitchFamily="34" charset="0"/>
-              <a:buChar char="•"/>
-            </a:pPr>
-            <a:r>
-              <a:rPr lang="en-US" sz="4800" dirty="0">
-                <a:latin typeface="Gidole" panose="02000503000000000000" pitchFamily="2" charset="0"/>
-                <a:ea typeface="Roboto Mono" pitchFamily="2" charset="0"/>
-              </a:rPr>
-              <a:t>Power Query</a:t>
-            </a:r>
-          </a:p>
-          <a:p>
-            <a:pPr marL="1143000" lvl="1" indent="-685800">
-              <a:buFont typeface="Arial" panose="020B0604020202020204" pitchFamily="34" charset="0"/>
-              <a:buChar char="•"/>
-            </a:pPr>
-            <a:r>
-              <a:rPr lang="en-US" sz="4800" dirty="0">
-                <a:latin typeface="Gidole" panose="02000503000000000000" pitchFamily="2" charset="0"/>
-                <a:ea typeface="Roboto Mono" pitchFamily="2" charset="0"/>
-              </a:rPr>
-              <a:t>Power Pivot</a:t>
-            </a:r>
-          </a:p>
-          <a:p>
-            <a:pPr marL="1143000" lvl="1" indent="-685800">
-              <a:buFont typeface="Arial" panose="020B0604020202020204" pitchFamily="34" charset="0"/>
-              <a:buChar char="•"/>
-            </a:pPr>
-            <a:r>
-              <a:rPr lang="en-US" sz="4800" strike="sngStrike" dirty="0">
-                <a:latin typeface="Gidole" panose="02000503000000000000" pitchFamily="2" charset="0"/>
-                <a:ea typeface="Roboto Mono" pitchFamily="2" charset="0"/>
-              </a:rPr>
-              <a:t>Power View</a:t>
-            </a:r>
-          </a:p>
-          <a:p>
-            <a:pPr marL="685800" indent="-685800">
-              <a:buFont typeface="Arial" panose="020B0604020202020204" pitchFamily="34" charset="0"/>
-              <a:buChar char="•"/>
-            </a:pPr>
-            <a:r>
-              <a:rPr lang="en-US" sz="4800" dirty="0">
-                <a:latin typeface="Gidole" panose="02000503000000000000" pitchFamily="2" charset="0"/>
-                <a:ea typeface="Roboto Mono" pitchFamily="2" charset="0"/>
-              </a:rPr>
-              <a:t>We’ll substitute</a:t>
-            </a:r>
-          </a:p>
-          <a:p>
-            <a:pPr marL="1143000" lvl="1" indent="-685800">
-              <a:buFont typeface="Arial" panose="020B0604020202020204" pitchFamily="34" charset="0"/>
-              <a:buChar char="•"/>
-            </a:pPr>
-            <a:r>
-              <a:rPr lang="en-US" sz="4800" dirty="0">
-                <a:latin typeface="Gidole" panose="02000503000000000000" pitchFamily="2" charset="0"/>
-                <a:ea typeface="Roboto Mono" pitchFamily="2" charset="0"/>
-              </a:rPr>
-              <a:t>Dynamic arrays</a:t>
-            </a:r>
-          </a:p>
-        </p:txBody>
-      </p:sp>
-      <p:pic>
-        <p:nvPicPr>
-          <p:cNvPr id="1026" name="Picture 2">
-            <a:extLst>
-              <a:ext uri="{FF2B5EF4-FFF2-40B4-BE49-F238E27FC236}">
-                <a16:creationId xmlns:a16="http://schemas.microsoft.com/office/drawing/2014/main" id="{A82EB258-40D7-AE51-E9A9-2F1DC213A8B7}"/>
-              </a:ext>
-            </a:extLst>
-          </p:cNvPr>
-          <p:cNvPicPr>
-            <a:picLocks noChangeAspect="1" noChangeArrowheads="1"/>
-          </p:cNvPicPr>
-          <p:nvPr/>
-        </p:nvPicPr>
-        <p:blipFill>
-          <a:blip r:embed="rId5">
-            <a:extLst>
-              <a:ext uri="{28A0092B-C50C-407E-A947-70E740481C1C}">
-                <a14:useLocalDpi xmlns:a14="http://schemas.microsoft.com/office/drawing/2010/main" val="0"/>
-              </a:ext>
-            </a:extLst>
-          </a:blip>
-          <a:srcRect/>
-          <a:stretch>
-            <a:fillRect/>
-          </a:stretch>
-        </p:blipFill>
-        <p:spPr bwMode="auto">
-          <a:xfrm>
-            <a:off x="7620000" y="2571166"/>
-            <a:ext cx="8168416" cy="6534733"/>
-          </a:xfrm>
-          <a:prstGeom prst="rect">
-            <a:avLst/>
-          </a:prstGeom>
-          <a:noFill/>
-          <a:extLst>
-            <a:ext uri="{909E8E84-426E-40DD-AFC4-6F175D3DCCD1}">
-              <a14:hiddenFill xmlns:a14="http://schemas.microsoft.com/office/drawing/2010/main">
-                <a:solidFill>
-                  <a:srgbClr val="FFFFFF"/>
-                </a:solidFill>
-              </a14:hiddenFill>
-            </a:ext>
-          </a:extLst>
-        </p:spPr>
-      </p:pic>
-    </p:spTree>
-    <p:extLst>
-      <p:ext uri="{BB962C8B-B14F-4D97-AF65-F5344CB8AC3E}">
-        <p14:creationId xmlns:p14="http://schemas.microsoft.com/office/powerpoint/2010/main" val="3460174834"/>
-      </p:ext>
-    </p:extLst>
-  </p:cSld>
-  <p:clrMapOvr>
-    <a:masterClrMapping/>
-  </p:clrMapOvr>
-</p:sld>
-</file>
-
-<file path=ppt/slides/slide7.xml><?xml version="1.0" encoding="utf-8"?>
+<file path=ppt/slides/slide8.xml><?xml version="1.0" encoding="utf-8"?>
 <p:sld xmlns:a="http://schemas.openxmlformats.org/drawingml/2006/main" xmlns:r="http://schemas.openxmlformats.org/officeDocument/2006/relationships" xmlns:p="http://schemas.openxmlformats.org/presentationml/2006/main">
   <p:cSld>
     <p:spTree>
@@ -7642,8 +7601,23 @@
                 </a:solidFill>
                 <a:latin typeface="League Spartan Italics"/>
               </a:rPr>
-              <a:t>Data prep &amp; profiling with Power Query</a:t>
-            </a:r>
+              <a:t>Ad-hoc analyzing with </a:t>
+            </a:r>
+            <a:r>
+              <a:rPr lang="en-US" sz="6500" b="1" spc="195" dirty="0" err="1">
+                <a:solidFill>
+                  <a:srgbClr val="F2F0F4"/>
+                </a:solidFill>
+                <a:latin typeface="League Spartan Italics"/>
+              </a:rPr>
+              <a:t>PivotCharts</a:t>
+            </a:r>
+            <a:endParaRPr lang="en-US" sz="6500" b="1" spc="195" dirty="0">
+              <a:solidFill>
+                <a:srgbClr val="F2F0F4"/>
+              </a:solidFill>
+              <a:latin typeface="League Spartan Italics"/>
+            </a:endParaRPr>
           </a:p>
         </p:txBody>
       </p:sp>
@@ -7708,7 +7682,7 @@
               <a:rPr lang="en-US" sz="3600" dirty="0">
                 <a:latin typeface="Gidole" panose="020B0604020202020204" charset="0"/>
               </a:rPr>
-              <a:t>File: </a:t>
+              <a:t>Continue </a:t>
             </a:r>
             <a:r>
               <a:rPr lang="en-US" sz="3600" dirty="0">
@@ -7716,41 +7690,49 @@
               </a:rPr>
               <a:t>computers.xlsx</a:t>
             </a:r>
+          </a:p>
+          <a:p>
+            <a:pPr marL="571500" indent="-571500">
+              <a:buFont typeface="Arial" panose="020B0604020202020204" pitchFamily="34" charset="0"/>
+              <a:buChar char="•"/>
+            </a:pPr>
+            <a:r>
+              <a:rPr lang="en-US" sz="3600" dirty="0">
+                <a:latin typeface="Gidole" panose="020B0604020202020204" charset="0"/>
+              </a:rPr>
+              <a:t>Compare distribution of computer price by category</a:t>
+            </a:r>
+          </a:p>
+          <a:p>
+            <a:pPr marL="571500" indent="-571500">
+              <a:buFont typeface="Arial" panose="020B0604020202020204" pitchFamily="34" charset="0"/>
+              <a:buChar char="•"/>
+            </a:pPr>
+            <a:r>
+              <a:rPr lang="en-US" sz="3600" dirty="0">
+                <a:latin typeface="Gidole" panose="020B0604020202020204" charset="0"/>
+                <a:ea typeface="Roboto Mono" pitchFamily="2" charset="0"/>
+              </a:rPr>
+              <a:t>We want to reshape </a:t>
+            </a:r>
+            <a:r>
+              <a:rPr lang="en-US" sz="3600" i="1" dirty="0">
+                <a:latin typeface="Gidole" panose="020B0604020202020204" charset="0"/>
+                <a:ea typeface="Roboto Mono" pitchFamily="2" charset="0"/>
+              </a:rPr>
+              <a:t>without aggregating!</a:t>
+            </a:r>
             <a:endParaRPr lang="en-US" sz="3600" dirty="0">
               <a:latin typeface="Consolas" panose="020B0609020204030204" pitchFamily="49" charset="0"/>
               <a:ea typeface="Roboto Mono" pitchFamily="2" charset="0"/>
             </a:endParaRPr>
           </a:p>
-          <a:p>
-            <a:pPr marL="571500" indent="-571500">
-              <a:buFont typeface="Arial" panose="020B0604020202020204" pitchFamily="34" charset="0"/>
-              <a:buChar char="•"/>
-            </a:pPr>
-            <a:r>
-              <a:rPr lang="en-US" sz="3600" dirty="0">
-                <a:latin typeface="Gidole" panose="020B0604020202020204" charset="0"/>
-              </a:rPr>
-              <a:t>Profiling the data for potential issues</a:t>
-            </a:r>
-          </a:p>
-          <a:p>
-            <a:pPr marL="571500" indent="-571500">
-              <a:buFont typeface="Arial" panose="020B0604020202020204" pitchFamily="34" charset="0"/>
-              <a:buChar char="•"/>
-            </a:pPr>
-            <a:r>
-              <a:rPr lang="en-US" sz="3600" dirty="0">
-                <a:latin typeface="Gidole" panose="020B0604020202020204" charset="0"/>
-              </a:rPr>
-              <a:t>Adding an index column for slicing and dicing</a:t>
-            </a:r>
-          </a:p>
         </p:txBody>
       </p:sp>
     </p:spTree>
     <p:extLst>
       <p:ext uri="{BB962C8B-B14F-4D97-AF65-F5344CB8AC3E}">
-        <p14:creationId xmlns:p14="http://schemas.microsoft.com/office/powerpoint/2010/main" val="3385359437"/>
+        <p14:creationId xmlns:p14="http://schemas.microsoft.com/office/powerpoint/2010/main" val="1136874307"/>
       </p:ext>
     </p:extLst>
   </p:cSld>
@@ -7760,7 +7742,7 @@
 </p:sld>
 </file>
 
-<file path=ppt/slides/slide8.xml><?xml version="1.0" encoding="utf-8"?>
+<file path=ppt/slides/slide9.xml><?xml version="1.0" encoding="utf-8"?>
 <p:sld xmlns:a="http://schemas.openxmlformats.org/drawingml/2006/main" xmlns:r="http://schemas.openxmlformats.org/officeDocument/2006/relationships" xmlns:p="http://schemas.openxmlformats.org/presentationml/2006/main">
   <p:cSld>
     <p:spTree>
@@ -7932,7 +7914,7 @@
         <p:spPr>
           <a:xfrm>
             <a:off x="2110659" y="435320"/>
-            <a:ext cx="15772737" cy="1095300"/>
+            <a:ext cx="15772737" cy="2262286"/>
           </a:xfrm>
           <a:prstGeom prst="rect">
             <a:avLst/>
@@ -7956,344 +7938,7 @@
                 </a:solidFill>
                 <a:latin typeface="League Spartan Italics"/>
               </a:rPr>
-              <a:t>Ad-hoc analyzing with </a:t>
-            </a:r>
-            <a:r>
-              <a:rPr lang="en-US" sz="6500" b="1" spc="195" dirty="0" err="1">
-                <a:solidFill>
-                  <a:srgbClr val="F2F0F4"/>
-                </a:solidFill>
-                <a:latin typeface="League Spartan Italics"/>
-              </a:rPr>
-              <a:t>PivotCharts</a:t>
-            </a:r>
-            <a:endParaRPr lang="en-US" sz="6500" b="1" spc="195" dirty="0">
-              <a:solidFill>
-                <a:srgbClr val="F2F0F4"/>
-              </a:solidFill>
-              <a:latin typeface="League Spartan Italics"/>
-            </a:endParaRPr>
-          </a:p>
-        </p:txBody>
-      </p:sp>
-      <p:pic>
-        <p:nvPicPr>
-          <p:cNvPr id="8" name="Picture 8"/>
-          <p:cNvPicPr>
-            <a:picLocks noChangeAspect="1"/>
-          </p:cNvPicPr>
-          <p:nvPr/>
-        </p:nvPicPr>
-        <p:blipFill>
-          <a:blip r:embed="rId3"/>
-          <a:srcRect b="44190"/>
-          <a:stretch>
-            <a:fillRect/>
-          </a:stretch>
-        </p:blipFill>
-        <p:spPr>
-          <a:xfrm>
-            <a:off x="16095120" y="9265255"/>
-            <a:ext cx="2013122" cy="823680"/>
-          </a:xfrm>
-          <a:prstGeom prst="rect">
-            <a:avLst/>
-          </a:prstGeom>
-        </p:spPr>
-      </p:pic>
-      <p:sp>
-        <p:nvSpPr>
-          <p:cNvPr id="9" name="TextBox 8">
-            <a:extLst>
-              <a:ext uri="{FF2B5EF4-FFF2-40B4-BE49-F238E27FC236}">
-                <a16:creationId xmlns:a16="http://schemas.microsoft.com/office/drawing/2014/main" id="{70F8E36B-5389-41E7-BBDB-BE061BE6D012}"/>
-              </a:ext>
-            </a:extLst>
-          </p:cNvPr>
-          <p:cNvSpPr txBox="1"/>
-          <p:nvPr/>
-        </p:nvSpPr>
-        <p:spPr>
-          <a:xfrm>
-            <a:off x="228600" y="3848100"/>
-            <a:ext cx="11353800" cy="1754326"/>
-          </a:xfrm>
-          <a:prstGeom prst="rect">
-            <a:avLst/>
-          </a:prstGeom>
-          <a:noFill/>
-        </p:spPr>
-        <p:txBody>
-          <a:bodyPr wrap="square" rtlCol="0">
-            <a:spAutoFit/>
-          </a:bodyPr>
-          <a:lstStyle/>
-          <a:p>
-            <a:pPr marL="571500" indent="-571500">
-              <a:buFont typeface="Arial" panose="020B0604020202020204" pitchFamily="34" charset="0"/>
-              <a:buChar char="•"/>
-            </a:pPr>
-            <a:r>
-              <a:rPr lang="en-US" sz="3600" dirty="0">
-                <a:latin typeface="Gidole" panose="020B0604020202020204" charset="0"/>
-              </a:rPr>
-              <a:t>Continue </a:t>
-            </a:r>
-            <a:r>
-              <a:rPr lang="en-US" sz="3600" dirty="0">
-                <a:latin typeface="Consolas" panose="020B0609020204030204" pitchFamily="49" charset="0"/>
-              </a:rPr>
-              <a:t>computers.xlsx</a:t>
-            </a:r>
-          </a:p>
-          <a:p>
-            <a:pPr marL="571500" indent="-571500">
-              <a:buFont typeface="Arial" panose="020B0604020202020204" pitchFamily="34" charset="0"/>
-              <a:buChar char="•"/>
-            </a:pPr>
-            <a:r>
-              <a:rPr lang="en-US" sz="3600" dirty="0">
-                <a:latin typeface="Gidole" panose="020B0604020202020204" charset="0"/>
-              </a:rPr>
-              <a:t>Compare distribution of computer price by category</a:t>
-            </a:r>
-          </a:p>
-          <a:p>
-            <a:pPr marL="571500" indent="-571500">
-              <a:buFont typeface="Arial" panose="020B0604020202020204" pitchFamily="34" charset="0"/>
-              <a:buChar char="•"/>
-            </a:pPr>
-            <a:r>
-              <a:rPr lang="en-US" sz="3600" dirty="0">
-                <a:latin typeface="Gidole" panose="020B0604020202020204" charset="0"/>
-                <a:ea typeface="Roboto Mono" pitchFamily="2" charset="0"/>
-              </a:rPr>
-              <a:t>We want to reshape </a:t>
-            </a:r>
-            <a:r>
-              <a:rPr lang="en-US" sz="3600" i="1" dirty="0">
-                <a:latin typeface="Gidole" panose="020B0604020202020204" charset="0"/>
-                <a:ea typeface="Roboto Mono" pitchFamily="2" charset="0"/>
-              </a:rPr>
-              <a:t>without aggregating!</a:t>
-            </a:r>
-            <a:endParaRPr lang="en-US" sz="3600" dirty="0">
-              <a:latin typeface="Consolas" panose="020B0609020204030204" pitchFamily="49" charset="0"/>
-              <a:ea typeface="Roboto Mono" pitchFamily="2" charset="0"/>
-            </a:endParaRPr>
-          </a:p>
-        </p:txBody>
-      </p:sp>
-    </p:spTree>
-    <p:extLst>
-      <p:ext uri="{BB962C8B-B14F-4D97-AF65-F5344CB8AC3E}">
-        <p14:creationId xmlns:p14="http://schemas.microsoft.com/office/powerpoint/2010/main" val="1136874307"/>
-      </p:ext>
-    </p:extLst>
-  </p:cSld>
-  <p:clrMapOvr>
-    <a:masterClrMapping/>
-  </p:clrMapOvr>
-</p:sld>
-</file>
-
-<file path=ppt/slides/slide9.xml><?xml version="1.0" encoding="utf-8"?>
-<p:sld xmlns:a="http://schemas.openxmlformats.org/drawingml/2006/main" xmlns:r="http://schemas.openxmlformats.org/officeDocument/2006/relationships" xmlns:p="http://schemas.openxmlformats.org/presentationml/2006/main">
-  <p:cSld>
-    <p:spTree>
-      <p:nvGrpSpPr>
-        <p:cNvPr id="1" name=""/>
-        <p:cNvGrpSpPr/>
-        <p:nvPr/>
-      </p:nvGrpSpPr>
-      <p:grpSpPr>
-        <a:xfrm>
-          <a:off x="0" y="0"/>
-          <a:ext cx="0" cy="0"/>
-          <a:chOff x="0" y="0"/>
-          <a:chExt cx="0" cy="0"/>
-        </a:xfrm>
-      </p:grpSpPr>
-      <p:sp>
-        <p:nvSpPr>
-          <p:cNvPr id="2" name="AutoShape 2"/>
-          <p:cNvSpPr/>
-          <p:nvPr/>
-        </p:nvSpPr>
-        <p:spPr>
-          <a:xfrm>
-            <a:off x="-225517" y="0"/>
-            <a:ext cx="18513517" cy="3466476"/>
-          </a:xfrm>
-          <a:prstGeom prst="rect">
-            <a:avLst/>
-          </a:prstGeom>
-          <a:solidFill>
-            <a:srgbClr val="3D3935"/>
-          </a:solidFill>
-        </p:spPr>
-        <p:txBody>
-          <a:bodyPr/>
-          <a:lstStyle/>
-          <a:p>
-            <a:endParaRPr lang="en-US"/>
-          </a:p>
-        </p:txBody>
-      </p:sp>
-      <p:grpSp>
-        <p:nvGrpSpPr>
-          <p:cNvPr id="3" name="Group 3"/>
-          <p:cNvGrpSpPr/>
-          <p:nvPr/>
-        </p:nvGrpSpPr>
-        <p:grpSpPr>
-          <a:xfrm>
-            <a:off x="0" y="52709"/>
-            <a:ext cx="3419237" cy="3413767"/>
-            <a:chOff x="0" y="0"/>
-            <a:chExt cx="6350000" cy="6339840"/>
-          </a:xfrm>
-        </p:grpSpPr>
-        <p:sp>
-          <p:nvSpPr>
-            <p:cNvPr id="4" name="Freeform 4"/>
-            <p:cNvSpPr/>
-            <p:nvPr/>
-          </p:nvSpPr>
-          <p:spPr>
-            <a:xfrm>
-              <a:off x="0" y="0"/>
-              <a:ext cx="6350000" cy="6339840"/>
-            </a:xfrm>
-            <a:custGeom>
-              <a:avLst/>
-              <a:gdLst/>
-              <a:ahLst/>
-              <a:cxnLst/>
-              <a:rect l="l" t="t" r="r" b="b"/>
-              <a:pathLst>
-                <a:path w="6350000" h="6339840">
-                  <a:moveTo>
-                    <a:pt x="6350000" y="6339840"/>
-                  </a:moveTo>
-                  <a:lnTo>
-                    <a:pt x="0" y="6339840"/>
-                  </a:lnTo>
-                  <a:lnTo>
-                    <a:pt x="0" y="0"/>
-                  </a:lnTo>
-                  <a:close/>
-                </a:path>
-              </a:pathLst>
-            </a:custGeom>
-            <a:solidFill>
-              <a:srgbClr val="F2F0F4">
-                <a:alpha val="84705"/>
-              </a:srgbClr>
-            </a:solidFill>
-          </p:spPr>
-          <p:txBody>
-            <a:bodyPr/>
-            <a:lstStyle/>
-            <a:p>
-              <a:endParaRPr lang="en-US"/>
-            </a:p>
-          </p:txBody>
-        </p:sp>
-      </p:grpSp>
-      <p:grpSp>
-        <p:nvGrpSpPr>
-          <p:cNvPr id="5" name="Group 5"/>
-          <p:cNvGrpSpPr/>
-          <p:nvPr/>
-        </p:nvGrpSpPr>
-        <p:grpSpPr>
-          <a:xfrm rot="-10800000">
-            <a:off x="-2110659" y="-189185"/>
-            <a:ext cx="4221318" cy="3655661"/>
-            <a:chOff x="0" y="0"/>
-            <a:chExt cx="6350000" cy="5499100"/>
-          </a:xfrm>
-        </p:grpSpPr>
-        <p:sp>
-          <p:nvSpPr>
-            <p:cNvPr id="6" name="Freeform 6"/>
-            <p:cNvSpPr/>
-            <p:nvPr/>
-          </p:nvSpPr>
-          <p:spPr>
-            <a:xfrm>
-              <a:off x="0" y="0"/>
-              <a:ext cx="6350000" cy="5499100"/>
-            </a:xfrm>
-            <a:custGeom>
-              <a:avLst/>
-              <a:gdLst/>
-              <a:ahLst/>
-              <a:cxnLst/>
-              <a:rect l="l" t="t" r="r" b="b"/>
-              <a:pathLst>
-                <a:path w="6350000" h="5499100">
-                  <a:moveTo>
-                    <a:pt x="0" y="5499100"/>
-                  </a:moveTo>
-                  <a:lnTo>
-                    <a:pt x="3175000" y="0"/>
-                  </a:lnTo>
-                  <a:lnTo>
-                    <a:pt x="6350000" y="5499100"/>
-                  </a:lnTo>
-                  <a:close/>
-                </a:path>
-              </a:pathLst>
-            </a:custGeom>
-            <a:solidFill>
-              <a:srgbClr val="CF3338"/>
-            </a:solidFill>
-          </p:spPr>
-          <p:txBody>
-            <a:bodyPr/>
-            <a:lstStyle/>
-            <a:p>
-              <a:endParaRPr lang="en-US"/>
-            </a:p>
-          </p:txBody>
-        </p:sp>
-      </p:grpSp>
-      <p:sp>
-        <p:nvSpPr>
-          <p:cNvPr id="7" name="TextBox 7"/>
-          <p:cNvSpPr txBox="1"/>
-          <p:nvPr/>
-        </p:nvSpPr>
-        <p:spPr>
-          <a:xfrm>
-            <a:off x="2110659" y="435320"/>
-            <a:ext cx="15772737" cy="1095300"/>
-          </a:xfrm>
-          <a:prstGeom prst="rect">
-            <a:avLst/>
-          </a:prstGeom>
-        </p:spPr>
-        <p:txBody>
-          <a:bodyPr lIns="0" tIns="0" rIns="0" bIns="0" rtlCol="0" anchor="t">
-            <a:spAutoFit/>
-          </a:bodyPr>
-          <a:lstStyle/>
-          <a:p>
-            <a:pPr algn="r">
-              <a:lnSpc>
-                <a:spcPts val="9100"/>
-              </a:lnSpc>
-            </a:pPr>
-            <a:r>
-              <a:rPr lang="en-US" sz="6500" b="1" spc="195" dirty="0">
-                <a:solidFill>
-                  <a:srgbClr val="F2F0F4"/>
-                </a:solidFill>
-                <a:latin typeface="League Spartan Italics"/>
-              </a:rPr>
-              <a:t>Pulling data fast with dynamic arrays</a:t>
+              <a:t>Pulling data fast with dynamic array functions</a:t>
             </a:r>
           </a:p>
         </p:txBody>
